--- a/ppt/03_Useful Component.pptx
+++ b/ppt/03_Useful Component.pptx
@@ -11,17 +11,19 @@
     <p:sldId id="264" r:id="rId5"/>
     <p:sldId id="265" r:id="rId6"/>
     <p:sldId id="258" r:id="rId7"/>
-    <p:sldId id="267" r:id="rId8"/>
-    <p:sldId id="268" r:id="rId9"/>
-    <p:sldId id="260" r:id="rId10"/>
-    <p:sldId id="259" r:id="rId11"/>
-    <p:sldId id="262" r:id="rId12"/>
-    <p:sldId id="266" r:id="rId13"/>
-    <p:sldId id="269" r:id="rId14"/>
-    <p:sldId id="270" r:id="rId15"/>
-    <p:sldId id="271" r:id="rId16"/>
-    <p:sldId id="272" r:id="rId17"/>
-    <p:sldId id="273" r:id="rId18"/>
+    <p:sldId id="274" r:id="rId8"/>
+    <p:sldId id="267" r:id="rId9"/>
+    <p:sldId id="268" r:id="rId10"/>
+    <p:sldId id="260" r:id="rId11"/>
+    <p:sldId id="275" r:id="rId12"/>
+    <p:sldId id="259" r:id="rId13"/>
+    <p:sldId id="262" r:id="rId14"/>
+    <p:sldId id="266" r:id="rId15"/>
+    <p:sldId id="269" r:id="rId16"/>
+    <p:sldId id="270" r:id="rId17"/>
+    <p:sldId id="271" r:id="rId18"/>
+    <p:sldId id="272" r:id="rId19"/>
+    <p:sldId id="273" r:id="rId20"/>
   </p:sldIdLst>
   <p:sldSz cx="12192000" cy="6858000"/>
   <p:notesSz cx="6858000" cy="9144000"/>
@@ -270,7 +272,7 @@
           <a:p>
             <a:fld id="{6984F858-7EAB-493E-9EC9-D881148AB5D6}" type="datetimeFigureOut">
               <a:rPr lang="ko-KR" altLang="en-US" smtClean="0"/>
-              <a:t>2020-12-18</a:t>
+              <a:t>2020-12-19</a:t>
             </a:fld>
             <a:endParaRPr lang="ko-KR" altLang="en-US"/>
           </a:p>
@@ -440,7 +442,7 @@
           <a:p>
             <a:fld id="{6984F858-7EAB-493E-9EC9-D881148AB5D6}" type="datetimeFigureOut">
               <a:rPr lang="ko-KR" altLang="en-US" smtClean="0"/>
-              <a:t>2020-12-18</a:t>
+              <a:t>2020-12-19</a:t>
             </a:fld>
             <a:endParaRPr lang="ko-KR" altLang="en-US"/>
           </a:p>
@@ -620,7 +622,7 @@
           <a:p>
             <a:fld id="{6984F858-7EAB-493E-9EC9-D881148AB5D6}" type="datetimeFigureOut">
               <a:rPr lang="ko-KR" altLang="en-US" smtClean="0"/>
-              <a:t>2020-12-18</a:t>
+              <a:t>2020-12-19</a:t>
             </a:fld>
             <a:endParaRPr lang="ko-KR" altLang="en-US"/>
           </a:p>
@@ -790,7 +792,7 @@
           <a:p>
             <a:fld id="{6984F858-7EAB-493E-9EC9-D881148AB5D6}" type="datetimeFigureOut">
               <a:rPr lang="ko-KR" altLang="en-US" smtClean="0"/>
-              <a:t>2020-12-18</a:t>
+              <a:t>2020-12-19</a:t>
             </a:fld>
             <a:endParaRPr lang="ko-KR" altLang="en-US"/>
           </a:p>
@@ -1036,7 +1038,7 @@
           <a:p>
             <a:fld id="{6984F858-7EAB-493E-9EC9-D881148AB5D6}" type="datetimeFigureOut">
               <a:rPr lang="ko-KR" altLang="en-US" smtClean="0"/>
-              <a:t>2020-12-18</a:t>
+              <a:t>2020-12-19</a:t>
             </a:fld>
             <a:endParaRPr lang="ko-KR" altLang="en-US"/>
           </a:p>
@@ -1268,7 +1270,7 @@
           <a:p>
             <a:fld id="{6984F858-7EAB-493E-9EC9-D881148AB5D6}" type="datetimeFigureOut">
               <a:rPr lang="ko-KR" altLang="en-US" smtClean="0"/>
-              <a:t>2020-12-18</a:t>
+              <a:t>2020-12-19</a:t>
             </a:fld>
             <a:endParaRPr lang="ko-KR" altLang="en-US"/>
           </a:p>
@@ -1635,7 +1637,7 @@
           <a:p>
             <a:fld id="{6984F858-7EAB-493E-9EC9-D881148AB5D6}" type="datetimeFigureOut">
               <a:rPr lang="ko-KR" altLang="en-US" smtClean="0"/>
-              <a:t>2020-12-18</a:t>
+              <a:t>2020-12-19</a:t>
             </a:fld>
             <a:endParaRPr lang="ko-KR" altLang="en-US"/>
           </a:p>
@@ -1753,7 +1755,7 @@
           <a:p>
             <a:fld id="{6984F858-7EAB-493E-9EC9-D881148AB5D6}" type="datetimeFigureOut">
               <a:rPr lang="ko-KR" altLang="en-US" smtClean="0"/>
-              <a:t>2020-12-18</a:t>
+              <a:t>2020-12-19</a:t>
             </a:fld>
             <a:endParaRPr lang="ko-KR" altLang="en-US"/>
           </a:p>
@@ -1848,7 +1850,7 @@
           <a:p>
             <a:fld id="{6984F858-7EAB-493E-9EC9-D881148AB5D6}" type="datetimeFigureOut">
               <a:rPr lang="ko-KR" altLang="en-US" smtClean="0"/>
-              <a:t>2020-12-18</a:t>
+              <a:t>2020-12-19</a:t>
             </a:fld>
             <a:endParaRPr lang="ko-KR" altLang="en-US"/>
           </a:p>
@@ -2125,7 +2127,7 @@
           <a:p>
             <a:fld id="{6984F858-7EAB-493E-9EC9-D881148AB5D6}" type="datetimeFigureOut">
               <a:rPr lang="ko-KR" altLang="en-US" smtClean="0"/>
-              <a:t>2020-12-18</a:t>
+              <a:t>2020-12-19</a:t>
             </a:fld>
             <a:endParaRPr lang="ko-KR" altLang="en-US"/>
           </a:p>
@@ -2382,7 +2384,7 @@
           <a:p>
             <a:fld id="{6984F858-7EAB-493E-9EC9-D881148AB5D6}" type="datetimeFigureOut">
               <a:rPr lang="ko-KR" altLang="en-US" smtClean="0"/>
-              <a:t>2020-12-18</a:t>
+              <a:t>2020-12-19</a:t>
             </a:fld>
             <a:endParaRPr lang="ko-KR" altLang="en-US"/>
           </a:p>
@@ -2595,7 +2597,7 @@
           <a:p>
             <a:fld id="{6984F858-7EAB-493E-9EC9-D881148AB5D6}" type="datetimeFigureOut">
               <a:rPr lang="ko-KR" altLang="en-US" smtClean="0"/>
-              <a:t>2020-12-18</a:t>
+              <a:t>2020-12-19</a:t>
             </a:fld>
             <a:endParaRPr lang="ko-KR" altLang="en-US"/>
           </a:p>
@@ -3089,6 +3091,842 @@
           <p:cNvPr id="2" name="제목 1">
             <a:extLst>
               <a:ext uri="{FF2B5EF4-FFF2-40B4-BE49-F238E27FC236}">
+                <a16:creationId xmlns:a16="http://schemas.microsoft.com/office/drawing/2014/main" id="{2151930B-02AD-4E9C-8CBD-0E71B2BC3DEA}"/>
+              </a:ext>
+            </a:extLst>
+          </p:cNvPr>
+          <p:cNvSpPr>
+            <a:spLocks noGrp="1"/>
+          </p:cNvSpPr>
+          <p:nvPr>
+            <p:ph type="title"/>
+          </p:nvPr>
+        </p:nvSpPr>
+        <p:spPr/>
+        <p:txBody>
+          <a:bodyPr/>
+          <a:lstStyle/>
+          <a:p>
+            <a:r>
+              <a:rPr lang="en-US" altLang="ko-KR" dirty="0" err="1"/>
+              <a:t>GetComponent</a:t>
+            </a:r>
+            <a:endParaRPr lang="ko-KR" altLang="en-US" dirty="0"/>
+          </a:p>
+        </p:txBody>
+      </p:sp>
+      <p:sp>
+        <p:nvSpPr>
+          <p:cNvPr id="3" name="내용 개체 틀 2">
+            <a:extLst>
+              <a:ext uri="{FF2B5EF4-FFF2-40B4-BE49-F238E27FC236}">
+                <a16:creationId xmlns:a16="http://schemas.microsoft.com/office/drawing/2014/main" id="{8D5CC71A-F390-4B54-82B0-14F36EA973B2}"/>
+              </a:ext>
+            </a:extLst>
+          </p:cNvPr>
+          <p:cNvSpPr>
+            <a:spLocks noGrp="1"/>
+          </p:cNvSpPr>
+          <p:nvPr>
+            <p:ph idx="1"/>
+          </p:nvPr>
+        </p:nvSpPr>
+        <p:spPr/>
+        <p:txBody>
+          <a:bodyPr/>
+          <a:lstStyle/>
+          <a:p>
+            <a:r>
+              <a:rPr lang="en-US" altLang="ko-KR" dirty="0" err="1"/>
+              <a:t>GetComponent</a:t>
+            </a:r>
+            <a:r>
+              <a:rPr lang="en-US" altLang="ko-KR" dirty="0"/>
+              <a:t>&lt;</a:t>
+            </a:r>
+            <a:r>
+              <a:rPr lang="ko-KR" altLang="en-US" dirty="0"/>
+              <a:t>컴포넌트이름</a:t>
+            </a:r>
+            <a:r>
+              <a:rPr lang="en-US" altLang="ko-KR" dirty="0"/>
+              <a:t>&gt;.</a:t>
+            </a:r>
+            <a:r>
+              <a:rPr lang="ko-KR" altLang="en-US" dirty="0"/>
+              <a:t>컴포넌트의 값 혹은 함수</a:t>
+            </a:r>
+            <a:r>
+              <a:rPr lang="en-US" altLang="ko-KR" dirty="0"/>
+              <a:t>()</a:t>
+            </a:r>
+          </a:p>
+          <a:p>
+            <a:pPr lvl="1"/>
+            <a:r>
+              <a:rPr lang="ko-KR" altLang="en-US" dirty="0"/>
+              <a:t>특정한 </a:t>
+            </a:r>
+            <a:r>
+              <a:rPr lang="en-US" altLang="ko-KR" dirty="0"/>
+              <a:t>Object</a:t>
+            </a:r>
+            <a:r>
+              <a:rPr lang="ko-KR" altLang="en-US" dirty="0"/>
+              <a:t>가 가지고 있는 </a:t>
+            </a:r>
+            <a:r>
+              <a:rPr lang="ko-KR" altLang="en-US" dirty="0">
+                <a:solidFill>
+                  <a:srgbClr val="FF0000"/>
+                </a:solidFill>
+              </a:rPr>
+              <a:t>타 컴포넌트 혹은 그 컴포넌트의 값</a:t>
+            </a:r>
+            <a:r>
+              <a:rPr lang="ko-KR" altLang="en-US" dirty="0"/>
+              <a:t>에 접근하기 위한 함수</a:t>
+            </a:r>
+            <a:endParaRPr lang="en-US" altLang="ko-KR" dirty="0"/>
+          </a:p>
+        </p:txBody>
+      </p:sp>
+      <p:pic>
+        <p:nvPicPr>
+          <p:cNvPr id="1028" name="Picture 4" descr="Ipubl ic class let &#10;. MonoBehav iour &#10;float shotPower = 500.0f,• &#10;// Start is cal led before the first frame update &#10;void Start() &#10;GetComponent&lt;Rigidbody2D&gt;() .Ad+orce(Vector3. r ight * shotPower) ; ">
+            <a:extLst>
+              <a:ext uri="{FF2B5EF4-FFF2-40B4-BE49-F238E27FC236}">
+                <a16:creationId xmlns:a16="http://schemas.microsoft.com/office/drawing/2014/main" id="{F540240A-5088-425B-93E7-DE42A2251553}"/>
+              </a:ext>
+            </a:extLst>
+          </p:cNvPr>
+          <p:cNvPicPr>
+            <a:picLocks noChangeAspect="1" noChangeArrowheads="1"/>
+          </p:cNvPicPr>
+          <p:nvPr/>
+        </p:nvPicPr>
+        <p:blipFill>
+          <a:blip r:embed="rId2">
+            <a:extLst>
+              <a:ext uri="{28A0092B-C50C-407E-A947-70E740481C1C}">
+                <a14:useLocalDpi xmlns:a14="http://schemas.microsoft.com/office/drawing/2010/main" val="0"/>
+              </a:ext>
+            </a:extLst>
+          </a:blip>
+          <a:srcRect/>
+          <a:stretch>
+            <a:fillRect/>
+          </a:stretch>
+        </p:blipFill>
+        <p:spPr bwMode="auto">
+          <a:xfrm>
+            <a:off x="1704975" y="3429000"/>
+            <a:ext cx="8782050" cy="2314575"/>
+          </a:xfrm>
+          <a:prstGeom prst="rect">
+            <a:avLst/>
+          </a:prstGeom>
+          <a:noFill/>
+          <a:extLst>
+            <a:ext uri="{909E8E84-426E-40DD-AFC4-6F175D3DCCD1}">
+              <a14:hiddenFill xmlns:a14="http://schemas.microsoft.com/office/drawing/2010/main">
+                <a:solidFill>
+                  <a:srgbClr val="FFFFFF"/>
+                </a:solidFill>
+              </a14:hiddenFill>
+            </a:ext>
+          </a:extLst>
+        </p:spPr>
+      </p:pic>
+    </p:spTree>
+    <p:extLst>
+      <p:ext uri="{BB962C8B-B14F-4D97-AF65-F5344CB8AC3E}">
+        <p14:creationId xmlns:p14="http://schemas.microsoft.com/office/powerpoint/2010/main" val="2416455894"/>
+      </p:ext>
+    </p:extLst>
+  </p:cSld>
+  <p:clrMapOvr>
+    <a:masterClrMapping/>
+  </p:clrMapOvr>
+</p:sld>
+</file>
+
+<file path=ppt/slides/slide11.xml><?xml version="1.0" encoding="utf-8"?>
+<p:sld xmlns:a="http://schemas.openxmlformats.org/drawingml/2006/main" xmlns:r="http://schemas.openxmlformats.org/officeDocument/2006/relationships" xmlns:p="http://schemas.openxmlformats.org/presentationml/2006/main">
+  <p:cSld>
+    <p:spTree>
+      <p:nvGrpSpPr>
+        <p:cNvPr id="1" name=""/>
+        <p:cNvGrpSpPr/>
+        <p:nvPr/>
+      </p:nvGrpSpPr>
+      <p:grpSpPr>
+        <a:xfrm>
+          <a:off x="0" y="0"/>
+          <a:ext cx="0" cy="0"/>
+          <a:chOff x="0" y="0"/>
+          <a:chExt cx="0" cy="0"/>
+        </a:xfrm>
+      </p:grpSpPr>
+      <p:sp>
+        <p:nvSpPr>
+          <p:cNvPr id="2" name="제목 1">
+            <a:extLst>
+              <a:ext uri="{FF2B5EF4-FFF2-40B4-BE49-F238E27FC236}">
+                <a16:creationId xmlns:a16="http://schemas.microsoft.com/office/drawing/2014/main" id="{C1517E49-EF4B-4598-9C13-CCC71210AC66}"/>
+              </a:ext>
+            </a:extLst>
+          </p:cNvPr>
+          <p:cNvSpPr>
+            <a:spLocks noGrp="1"/>
+          </p:cNvSpPr>
+          <p:nvPr>
+            <p:ph type="title"/>
+          </p:nvPr>
+        </p:nvSpPr>
+        <p:spPr/>
+        <p:txBody>
+          <a:bodyPr/>
+          <a:lstStyle/>
+          <a:p>
+            <a:r>
+              <a:rPr lang="ko-KR" altLang="en-US" dirty="0"/>
+              <a:t>정리</a:t>
+            </a:r>
+          </a:p>
+        </p:txBody>
+      </p:sp>
+      <p:sp>
+        <p:nvSpPr>
+          <p:cNvPr id="3" name="내용 개체 틀 2">
+            <a:extLst>
+              <a:ext uri="{FF2B5EF4-FFF2-40B4-BE49-F238E27FC236}">
+                <a16:creationId xmlns:a16="http://schemas.microsoft.com/office/drawing/2014/main" id="{0825A51A-F5CC-4F49-AC05-73A7D03F921C}"/>
+              </a:ext>
+            </a:extLst>
+          </p:cNvPr>
+          <p:cNvSpPr>
+            <a:spLocks noGrp="1"/>
+          </p:cNvSpPr>
+          <p:nvPr>
+            <p:ph idx="1"/>
+          </p:nvPr>
+        </p:nvSpPr>
+        <p:spPr/>
+        <p:txBody>
+          <a:bodyPr/>
+          <a:lstStyle/>
+          <a:p>
+            <a:r>
+              <a:rPr lang="en-US" altLang="ko-KR" dirty="0"/>
+              <a:t> Public vs Private</a:t>
+            </a:r>
+          </a:p>
+          <a:p>
+            <a:pPr lvl="1"/>
+            <a:r>
+              <a:rPr lang="en-US" altLang="ko-KR" dirty="0"/>
+              <a:t> Public: </a:t>
+            </a:r>
+            <a:r>
+              <a:rPr lang="ko-KR" altLang="en-US" dirty="0"/>
+              <a:t>다른 스크립트에서 </a:t>
+            </a:r>
+            <a:r>
+              <a:rPr lang="ko-KR" altLang="en-US" dirty="0">
+                <a:solidFill>
+                  <a:schemeClr val="accent1"/>
+                </a:solidFill>
+              </a:rPr>
+              <a:t>접근 가능</a:t>
+            </a:r>
+            <a:endParaRPr lang="en-US" altLang="ko-KR" dirty="0">
+              <a:solidFill>
+                <a:schemeClr val="accent1"/>
+              </a:solidFill>
+            </a:endParaRPr>
+          </a:p>
+          <a:p>
+            <a:pPr lvl="1"/>
+            <a:r>
+              <a:rPr lang="en-US" altLang="ko-KR" dirty="0"/>
+              <a:t> Private: </a:t>
+            </a:r>
+            <a:r>
+              <a:rPr lang="ko-KR" altLang="en-US" dirty="0"/>
+              <a:t>다른 스크립트에서 </a:t>
+            </a:r>
+            <a:r>
+              <a:rPr lang="ko-KR" altLang="en-US" dirty="0">
+                <a:solidFill>
+                  <a:schemeClr val="accent1"/>
+                </a:solidFill>
+              </a:rPr>
+              <a:t>접근 불가능</a:t>
+            </a:r>
+            <a:endParaRPr lang="en-US" altLang="ko-KR" dirty="0">
+              <a:solidFill>
+                <a:schemeClr val="accent1"/>
+              </a:solidFill>
+            </a:endParaRPr>
+          </a:p>
+          <a:p>
+            <a:pPr lvl="1"/>
+            <a:endParaRPr lang="en-US" altLang="ko-KR" dirty="0"/>
+          </a:p>
+          <a:p>
+            <a:r>
+              <a:rPr lang="en-US" altLang="ko-KR" dirty="0"/>
+              <a:t> </a:t>
+            </a:r>
+            <a:r>
+              <a:rPr lang="ko-KR" altLang="en-US" dirty="0"/>
+              <a:t>다른 컴포넌트에 접근할 때는 </a:t>
+            </a:r>
+            <a:r>
+              <a:rPr lang="en-US" altLang="ko-KR" dirty="0" err="1">
+                <a:solidFill>
+                  <a:schemeClr val="accent1"/>
+                </a:solidFill>
+              </a:rPr>
+              <a:t>GetComponent</a:t>
+            </a:r>
+            <a:r>
+              <a:rPr lang="en-US" altLang="ko-KR" dirty="0"/>
+              <a:t> </a:t>
+            </a:r>
+            <a:r>
+              <a:rPr lang="ko-KR" altLang="en-US" dirty="0"/>
+              <a:t>사용</a:t>
+            </a:r>
+            <a:endParaRPr lang="en-US" altLang="ko-KR" dirty="0"/>
+          </a:p>
+          <a:p>
+            <a:endParaRPr lang="en-US" altLang="ko-KR" dirty="0"/>
+          </a:p>
+          <a:p>
+            <a:r>
+              <a:rPr lang="en-US" altLang="ko-KR" dirty="0"/>
+              <a:t> Inspector View</a:t>
+            </a:r>
+            <a:r>
+              <a:rPr lang="ko-KR" altLang="en-US" dirty="0"/>
+              <a:t>에서 보이는 컴포넌트의 변수들은 </a:t>
+            </a:r>
+            <a:r>
+              <a:rPr lang="en-US" altLang="ko-KR" dirty="0">
+                <a:solidFill>
+                  <a:srgbClr val="FF0000"/>
+                </a:solidFill>
+              </a:rPr>
+              <a:t>public</a:t>
+            </a:r>
+            <a:r>
+              <a:rPr lang="ko-KR" altLang="en-US" dirty="0"/>
+              <a:t>이라는 사실을 알 수 있음</a:t>
+            </a:r>
+            <a:endParaRPr lang="en-US" altLang="ko-KR" dirty="0"/>
+          </a:p>
+          <a:p>
+            <a:r>
+              <a:rPr lang="en-US" altLang="ko-KR" dirty="0"/>
+              <a:t> </a:t>
+            </a:r>
+            <a:r>
+              <a:rPr lang="ko-KR" altLang="en-US" dirty="0">
+                <a:solidFill>
+                  <a:srgbClr val="FF0000"/>
+                </a:solidFill>
+              </a:rPr>
+              <a:t>빨간색 네모 안 변수들</a:t>
+            </a:r>
+            <a:r>
+              <a:rPr lang="ko-KR" altLang="en-US" dirty="0"/>
+              <a:t>은 스크립트로 조작 가능</a:t>
+            </a:r>
+            <a:endParaRPr lang="en-US" altLang="ko-KR" dirty="0"/>
+          </a:p>
+        </p:txBody>
+      </p:sp>
+      <p:pic>
+        <p:nvPicPr>
+          <p:cNvPr id="4" name="Picture 4" descr="Box Collider 2D &#10;Edit Cnllider &#10;None (Physics Ma &#10;Material &#10;Is Trigger &#10;Used gy Effector &#10;Used gy Composite &#10;Auto Tiling ">
+            <a:extLst>
+              <a:ext uri="{FF2B5EF4-FFF2-40B4-BE49-F238E27FC236}">
+                <a16:creationId xmlns:a16="http://schemas.microsoft.com/office/drawing/2014/main" id="{D54E13D9-4717-401C-8879-81B031983BFC}"/>
+              </a:ext>
+            </a:extLst>
+          </p:cNvPr>
+          <p:cNvPicPr>
+            <a:picLocks noChangeAspect="1" noChangeArrowheads="1"/>
+          </p:cNvPicPr>
+          <p:nvPr/>
+        </p:nvPicPr>
+        <p:blipFill>
+          <a:blip r:embed="rId2">
+            <a:extLst>
+              <a:ext uri="{28A0092B-C50C-407E-A947-70E740481C1C}">
+                <a14:useLocalDpi xmlns:a14="http://schemas.microsoft.com/office/drawing/2010/main" val="0"/>
+              </a:ext>
+            </a:extLst>
+          </a:blip>
+          <a:srcRect/>
+          <a:stretch>
+            <a:fillRect/>
+          </a:stretch>
+        </p:blipFill>
+        <p:spPr bwMode="auto">
+          <a:xfrm>
+            <a:off x="8532786" y="5167460"/>
+            <a:ext cx="2421669" cy="1325415"/>
+          </a:xfrm>
+          <a:prstGeom prst="rect">
+            <a:avLst/>
+          </a:prstGeom>
+          <a:noFill/>
+          <a:extLst>
+            <a:ext uri="{909E8E84-426E-40DD-AFC4-6F175D3DCCD1}">
+              <a14:hiddenFill xmlns:a14="http://schemas.microsoft.com/office/drawing/2010/main">
+                <a:solidFill>
+                  <a:srgbClr val="FFFFFF"/>
+                </a:solidFill>
+              </a14:hiddenFill>
+            </a:ext>
+          </a:extLst>
+        </p:spPr>
+      </p:pic>
+      <p:sp>
+        <p:nvSpPr>
+          <p:cNvPr id="5" name="직사각형 4">
+            <a:extLst>
+              <a:ext uri="{FF2B5EF4-FFF2-40B4-BE49-F238E27FC236}">
+                <a16:creationId xmlns:a16="http://schemas.microsoft.com/office/drawing/2014/main" id="{6E2F1F8D-32D8-49B2-9995-904AC7D4618B}"/>
+              </a:ext>
+            </a:extLst>
+          </p:cNvPr>
+          <p:cNvSpPr/>
+          <p:nvPr/>
+        </p:nvSpPr>
+        <p:spPr>
+          <a:xfrm>
+            <a:off x="8599053" y="5477164"/>
+            <a:ext cx="1117600" cy="1080654"/>
+          </a:xfrm>
+          <a:prstGeom prst="rect">
+            <a:avLst/>
+          </a:prstGeom>
+          <a:noFill/>
+          <a:ln w="38100">
+            <a:solidFill>
+              <a:srgbClr val="FF0000"/>
+            </a:solidFill>
+          </a:ln>
+        </p:spPr>
+        <p:style>
+          <a:lnRef idx="2">
+            <a:schemeClr val="accent1">
+              <a:shade val="50000"/>
+            </a:schemeClr>
+          </a:lnRef>
+          <a:fillRef idx="1">
+            <a:schemeClr val="accent1"/>
+          </a:fillRef>
+          <a:effectRef idx="0">
+            <a:schemeClr val="accent1"/>
+          </a:effectRef>
+          <a:fontRef idx="minor">
+            <a:schemeClr val="lt1"/>
+          </a:fontRef>
+        </p:style>
+        <p:txBody>
+          <a:bodyPr rtlCol="0" anchor="ctr"/>
+          <a:lstStyle/>
+          <a:p>
+            <a:pPr algn="ctr"/>
+            <a:endParaRPr lang="ko-KR" altLang="en-US"/>
+          </a:p>
+        </p:txBody>
+      </p:sp>
+    </p:spTree>
+    <p:extLst>
+      <p:ext uri="{BB962C8B-B14F-4D97-AF65-F5344CB8AC3E}">
+        <p14:creationId xmlns:p14="http://schemas.microsoft.com/office/powerpoint/2010/main" val="3513050566"/>
+      </p:ext>
+    </p:extLst>
+  </p:cSld>
+  <p:clrMapOvr>
+    <a:masterClrMapping/>
+  </p:clrMapOvr>
+  <p:timing>
+    <p:tnLst>
+      <p:par>
+        <p:cTn id="1" dur="indefinite" restart="never" nodeType="tmRoot">
+          <p:childTnLst>
+            <p:seq concurrent="1" nextAc="seek">
+              <p:cTn id="2" dur="indefinite" nodeType="mainSeq">
+                <p:childTnLst>
+                  <p:par>
+                    <p:cTn id="3" fill="hold">
+                      <p:stCondLst>
+                        <p:cond delay="indefinite"/>
+                      </p:stCondLst>
+                      <p:childTnLst>
+                        <p:par>
+                          <p:cTn id="4" fill="hold">
+                            <p:stCondLst>
+                              <p:cond delay="0"/>
+                            </p:stCondLst>
+                            <p:childTnLst>
+                              <p:par>
+                                <p:cTn id="5" presetID="1" presetClass="entr" presetSubtype="0" fill="hold" nodeType="clickEffect">
+                                  <p:stCondLst>
+                                    <p:cond delay="0"/>
+                                  </p:stCondLst>
+                                  <p:childTnLst>
+                                    <p:set>
+                                      <p:cBhvr>
+                                        <p:cTn id="6" dur="1" fill="hold">
+                                          <p:stCondLst>
+                                            <p:cond delay="0"/>
+                                          </p:stCondLst>
+                                        </p:cTn>
+                                        <p:tgtEl>
+                                          <p:spTgt spid="3">
+                                            <p:txEl>
+                                              <p:pRg st="0" end="0"/>
+                                            </p:txEl>
+                                          </p:spTgt>
+                                        </p:tgtEl>
+                                        <p:attrNameLst>
+                                          <p:attrName>style.visibility</p:attrName>
+                                        </p:attrNameLst>
+                                      </p:cBhvr>
+                                      <p:to>
+                                        <p:strVal val="visible"/>
+                                      </p:to>
+                                    </p:set>
+                                  </p:childTnLst>
+                                </p:cTn>
+                              </p:par>
+                              <p:par>
+                                <p:cTn id="7" presetID="1" presetClass="entr" presetSubtype="0" fill="hold" nodeType="withEffect">
+                                  <p:stCondLst>
+                                    <p:cond delay="0"/>
+                                  </p:stCondLst>
+                                  <p:childTnLst>
+                                    <p:set>
+                                      <p:cBhvr>
+                                        <p:cTn id="8" dur="1" fill="hold">
+                                          <p:stCondLst>
+                                            <p:cond delay="0"/>
+                                          </p:stCondLst>
+                                        </p:cTn>
+                                        <p:tgtEl>
+                                          <p:spTgt spid="3">
+                                            <p:txEl>
+                                              <p:pRg st="1" end="1"/>
+                                            </p:txEl>
+                                          </p:spTgt>
+                                        </p:tgtEl>
+                                        <p:attrNameLst>
+                                          <p:attrName>style.visibility</p:attrName>
+                                        </p:attrNameLst>
+                                      </p:cBhvr>
+                                      <p:to>
+                                        <p:strVal val="visible"/>
+                                      </p:to>
+                                    </p:set>
+                                  </p:childTnLst>
+                                </p:cTn>
+                              </p:par>
+                              <p:par>
+                                <p:cTn id="9" presetID="1" presetClass="entr" presetSubtype="0" fill="hold" nodeType="withEffect">
+                                  <p:stCondLst>
+                                    <p:cond delay="0"/>
+                                  </p:stCondLst>
+                                  <p:childTnLst>
+                                    <p:set>
+                                      <p:cBhvr>
+                                        <p:cTn id="10" dur="1" fill="hold">
+                                          <p:stCondLst>
+                                            <p:cond delay="0"/>
+                                          </p:stCondLst>
+                                        </p:cTn>
+                                        <p:tgtEl>
+                                          <p:spTgt spid="3">
+                                            <p:txEl>
+                                              <p:pRg st="2" end="2"/>
+                                            </p:txEl>
+                                          </p:spTgt>
+                                        </p:tgtEl>
+                                        <p:attrNameLst>
+                                          <p:attrName>style.visibility</p:attrName>
+                                        </p:attrNameLst>
+                                      </p:cBhvr>
+                                      <p:to>
+                                        <p:strVal val="visible"/>
+                                      </p:to>
+                                    </p:set>
+                                  </p:childTnLst>
+                                </p:cTn>
+                              </p:par>
+                            </p:childTnLst>
+                          </p:cTn>
+                        </p:par>
+                      </p:childTnLst>
+                    </p:cTn>
+                  </p:par>
+                  <p:par>
+                    <p:cTn id="11" fill="hold">
+                      <p:stCondLst>
+                        <p:cond delay="indefinite"/>
+                      </p:stCondLst>
+                      <p:childTnLst>
+                        <p:par>
+                          <p:cTn id="12" fill="hold">
+                            <p:stCondLst>
+                              <p:cond delay="0"/>
+                            </p:stCondLst>
+                            <p:childTnLst>
+                              <p:par>
+                                <p:cTn id="13" presetID="1" presetClass="entr" presetSubtype="0" fill="hold" nodeType="clickEffect">
+                                  <p:stCondLst>
+                                    <p:cond delay="0"/>
+                                  </p:stCondLst>
+                                  <p:childTnLst>
+                                    <p:set>
+                                      <p:cBhvr>
+                                        <p:cTn id="14" dur="1" fill="hold">
+                                          <p:stCondLst>
+                                            <p:cond delay="0"/>
+                                          </p:stCondLst>
+                                        </p:cTn>
+                                        <p:tgtEl>
+                                          <p:spTgt spid="3">
+                                            <p:txEl>
+                                              <p:pRg st="4" end="4"/>
+                                            </p:txEl>
+                                          </p:spTgt>
+                                        </p:tgtEl>
+                                        <p:attrNameLst>
+                                          <p:attrName>style.visibility</p:attrName>
+                                        </p:attrNameLst>
+                                      </p:cBhvr>
+                                      <p:to>
+                                        <p:strVal val="visible"/>
+                                      </p:to>
+                                    </p:set>
+                                  </p:childTnLst>
+                                </p:cTn>
+                              </p:par>
+                            </p:childTnLst>
+                          </p:cTn>
+                        </p:par>
+                      </p:childTnLst>
+                    </p:cTn>
+                  </p:par>
+                  <p:par>
+                    <p:cTn id="15" fill="hold">
+                      <p:stCondLst>
+                        <p:cond delay="indefinite"/>
+                      </p:stCondLst>
+                      <p:childTnLst>
+                        <p:par>
+                          <p:cTn id="16" fill="hold">
+                            <p:stCondLst>
+                              <p:cond delay="0"/>
+                            </p:stCondLst>
+                            <p:childTnLst>
+                              <p:par>
+                                <p:cTn id="17" presetID="1" presetClass="entr" presetSubtype="0" fill="hold" nodeType="clickEffect">
+                                  <p:stCondLst>
+                                    <p:cond delay="0"/>
+                                  </p:stCondLst>
+                                  <p:childTnLst>
+                                    <p:set>
+                                      <p:cBhvr>
+                                        <p:cTn id="18" dur="1" fill="hold">
+                                          <p:stCondLst>
+                                            <p:cond delay="0"/>
+                                          </p:stCondLst>
+                                        </p:cTn>
+                                        <p:tgtEl>
+                                          <p:spTgt spid="3">
+                                            <p:txEl>
+                                              <p:pRg st="6" end="6"/>
+                                            </p:txEl>
+                                          </p:spTgt>
+                                        </p:tgtEl>
+                                        <p:attrNameLst>
+                                          <p:attrName>style.visibility</p:attrName>
+                                        </p:attrNameLst>
+                                      </p:cBhvr>
+                                      <p:to>
+                                        <p:strVal val="visible"/>
+                                      </p:to>
+                                    </p:set>
+                                  </p:childTnLst>
+                                </p:cTn>
+                              </p:par>
+                              <p:par>
+                                <p:cTn id="19" presetID="1" presetClass="entr" presetSubtype="0" fill="hold" nodeType="withEffect">
+                                  <p:stCondLst>
+                                    <p:cond delay="0"/>
+                                  </p:stCondLst>
+                                  <p:childTnLst>
+                                    <p:set>
+                                      <p:cBhvr>
+                                        <p:cTn id="20" dur="1" fill="hold">
+                                          <p:stCondLst>
+                                            <p:cond delay="0"/>
+                                          </p:stCondLst>
+                                        </p:cTn>
+                                        <p:tgtEl>
+                                          <p:spTgt spid="4"/>
+                                        </p:tgtEl>
+                                        <p:attrNameLst>
+                                          <p:attrName>style.visibility</p:attrName>
+                                        </p:attrNameLst>
+                                      </p:cBhvr>
+                                      <p:to>
+                                        <p:strVal val="visible"/>
+                                      </p:to>
+                                    </p:set>
+                                  </p:childTnLst>
+                                </p:cTn>
+                              </p:par>
+                            </p:childTnLst>
+                          </p:cTn>
+                        </p:par>
+                      </p:childTnLst>
+                    </p:cTn>
+                  </p:par>
+                  <p:par>
+                    <p:cTn id="21" fill="hold">
+                      <p:stCondLst>
+                        <p:cond delay="indefinite"/>
+                      </p:stCondLst>
+                      <p:childTnLst>
+                        <p:par>
+                          <p:cTn id="22" fill="hold">
+                            <p:stCondLst>
+                              <p:cond delay="0"/>
+                            </p:stCondLst>
+                            <p:childTnLst>
+                              <p:par>
+                                <p:cTn id="23" presetID="1" presetClass="entr" presetSubtype="0" fill="hold" grpId="0" nodeType="clickEffect">
+                                  <p:stCondLst>
+                                    <p:cond delay="0"/>
+                                  </p:stCondLst>
+                                  <p:childTnLst>
+                                    <p:set>
+                                      <p:cBhvr>
+                                        <p:cTn id="24" dur="1" fill="hold">
+                                          <p:stCondLst>
+                                            <p:cond delay="0"/>
+                                          </p:stCondLst>
+                                        </p:cTn>
+                                        <p:tgtEl>
+                                          <p:spTgt spid="5"/>
+                                        </p:tgtEl>
+                                        <p:attrNameLst>
+                                          <p:attrName>style.visibility</p:attrName>
+                                        </p:attrNameLst>
+                                      </p:cBhvr>
+                                      <p:to>
+                                        <p:strVal val="visible"/>
+                                      </p:to>
+                                    </p:set>
+                                  </p:childTnLst>
+                                </p:cTn>
+                              </p:par>
+                              <p:par>
+                                <p:cTn id="25" presetID="1" presetClass="entr" presetSubtype="0" fill="hold" nodeType="withEffect">
+                                  <p:stCondLst>
+                                    <p:cond delay="0"/>
+                                  </p:stCondLst>
+                                  <p:childTnLst>
+                                    <p:set>
+                                      <p:cBhvr>
+                                        <p:cTn id="26" dur="1" fill="hold">
+                                          <p:stCondLst>
+                                            <p:cond delay="0"/>
+                                          </p:stCondLst>
+                                        </p:cTn>
+                                        <p:tgtEl>
+                                          <p:spTgt spid="3">
+                                            <p:txEl>
+                                              <p:pRg st="7" end="7"/>
+                                            </p:txEl>
+                                          </p:spTgt>
+                                        </p:tgtEl>
+                                        <p:attrNameLst>
+                                          <p:attrName>style.visibility</p:attrName>
+                                        </p:attrNameLst>
+                                      </p:cBhvr>
+                                      <p:to>
+                                        <p:strVal val="visible"/>
+                                      </p:to>
+                                    </p:set>
+                                  </p:childTnLst>
+                                </p:cTn>
+                              </p:par>
+                            </p:childTnLst>
+                          </p:cTn>
+                        </p:par>
+                      </p:childTnLst>
+                    </p:cTn>
+                  </p:par>
+                </p:childTnLst>
+              </p:cTn>
+              <p:prevCondLst>
+                <p:cond evt="onPrev" delay="0">
+                  <p:tgtEl>
+                    <p:sldTgt/>
+                  </p:tgtEl>
+                </p:cond>
+              </p:prevCondLst>
+              <p:nextCondLst>
+                <p:cond evt="onNext" delay="0">
+                  <p:tgtEl>
+                    <p:sldTgt/>
+                  </p:tgtEl>
+                </p:cond>
+              </p:nextCondLst>
+            </p:seq>
+          </p:childTnLst>
+        </p:cTn>
+      </p:par>
+    </p:tnLst>
+    <p:bldLst>
+      <p:bldP spid="5" grpId="0" animBg="1"/>
+    </p:bldLst>
+  </p:timing>
+</p:sld>
+</file>
+
+<file path=ppt/slides/slide12.xml><?xml version="1.0" encoding="utf-8"?>
+<p:sld xmlns:a="http://schemas.openxmlformats.org/drawingml/2006/main" xmlns:r="http://schemas.openxmlformats.org/officeDocument/2006/relationships" xmlns:p="http://schemas.openxmlformats.org/presentationml/2006/main">
+  <p:cSld>
+    <p:spTree>
+      <p:nvGrpSpPr>
+        <p:cNvPr id="1" name=""/>
+        <p:cNvGrpSpPr/>
+        <p:nvPr/>
+      </p:nvGrpSpPr>
+      <p:grpSpPr>
+        <a:xfrm>
+          <a:off x="0" y="0"/>
+          <a:ext cx="0" cy="0"/>
+          <a:chOff x="0" y="0"/>
+          <a:chExt cx="0" cy="0"/>
+        </a:xfrm>
+      </p:grpSpPr>
+      <p:sp>
+        <p:nvSpPr>
+          <p:cNvPr id="2" name="제목 1">
+            <a:extLst>
+              <a:ext uri="{FF2B5EF4-FFF2-40B4-BE49-F238E27FC236}">
                 <a16:creationId xmlns:a16="http://schemas.microsoft.com/office/drawing/2014/main" id="{DDC482C7-8770-4958-9E3E-5F8E3C34F20E}"/>
               </a:ext>
             </a:extLst>
@@ -3256,7 +4094,7 @@
 </p:sld>
 </file>
 
-<file path=ppt/slides/slide11.xml><?xml version="1.0" encoding="utf-8"?>
+<file path=ppt/slides/slide13.xml><?xml version="1.0" encoding="utf-8"?>
 <p:sld xmlns:a="http://schemas.openxmlformats.org/drawingml/2006/main" xmlns:r="http://schemas.openxmlformats.org/officeDocument/2006/relationships" xmlns:p="http://schemas.openxmlformats.org/presentationml/2006/main">
   <p:cSld>
     <p:spTree>
@@ -3363,7 +4201,7 @@
 </p:sld>
 </file>
 
-<file path=ppt/slides/slide12.xml><?xml version="1.0" encoding="utf-8"?>
+<file path=ppt/slides/slide14.xml><?xml version="1.0" encoding="utf-8"?>
 <p:sld xmlns:a="http://schemas.openxmlformats.org/drawingml/2006/main" xmlns:r="http://schemas.openxmlformats.org/officeDocument/2006/relationships" xmlns:p="http://schemas.openxmlformats.org/presentationml/2006/main">
   <p:cSld>
     <p:spTree>
@@ -3470,7 +4308,7 @@
 </p:sld>
 </file>
 
-<file path=ppt/slides/slide13.xml><?xml version="1.0" encoding="utf-8"?>
+<file path=ppt/slides/slide15.xml><?xml version="1.0" encoding="utf-8"?>
 <p:sld xmlns:a="http://schemas.openxmlformats.org/drawingml/2006/main" xmlns:r="http://schemas.openxmlformats.org/officeDocument/2006/relationships" xmlns:p="http://schemas.openxmlformats.org/presentationml/2006/main">
   <p:cSld>
     <p:spTree>
@@ -3693,7 +4531,7 @@
 </p:sld>
 </file>
 
-<file path=ppt/slides/slide14.xml><?xml version="1.0" encoding="utf-8"?>
+<file path=ppt/slides/slide16.xml><?xml version="1.0" encoding="utf-8"?>
 <p:sld xmlns:a="http://schemas.openxmlformats.org/drawingml/2006/main" xmlns:r="http://schemas.openxmlformats.org/officeDocument/2006/relationships" xmlns:p="http://schemas.openxmlformats.org/presentationml/2006/main">
   <p:cSld>
     <p:spTree>
@@ -3877,7 +4715,7 @@
 </p:sld>
 </file>
 
-<file path=ppt/slides/slide15.xml><?xml version="1.0" encoding="utf-8"?>
+<file path=ppt/slides/slide17.xml><?xml version="1.0" encoding="utf-8"?>
 <p:sld xmlns:a="http://schemas.openxmlformats.org/drawingml/2006/main" xmlns:r="http://schemas.openxmlformats.org/officeDocument/2006/relationships" xmlns:p="http://schemas.openxmlformats.org/presentationml/2006/main">
   <p:cSld>
     <p:spTree>
@@ -3999,7 +4837,7 @@
 </p:sld>
 </file>
 
-<file path=ppt/slides/slide16.xml><?xml version="1.0" encoding="utf-8"?>
+<file path=ppt/slides/slide18.xml><?xml version="1.0" encoding="utf-8"?>
 <p:sld xmlns:a="http://schemas.openxmlformats.org/drawingml/2006/main" xmlns:r="http://schemas.openxmlformats.org/officeDocument/2006/relationships" xmlns:p="http://schemas.openxmlformats.org/presentationml/2006/main">
   <p:cSld>
     <p:spTree>
@@ -4107,7 +4945,7 @@
 </p:sld>
 </file>
 
-<file path=ppt/slides/slide17.xml><?xml version="1.0" encoding="utf-8"?>
+<file path=ppt/slides/slide19.xml><?xml version="1.0" encoding="utf-8"?>
 <p:sld xmlns:a="http://schemas.openxmlformats.org/drawingml/2006/main" xmlns:r="http://schemas.openxmlformats.org/officeDocument/2006/relationships" xmlns:p="http://schemas.openxmlformats.org/presentationml/2006/main">
   <p:cSld>
     <p:spTree>
@@ -4514,7 +5352,7 @@
           <a:p>
             <a:r>
               <a:rPr lang="en-US" altLang="ko-KR" dirty="0"/>
-              <a:t>Collison</a:t>
+              <a:t>Collision</a:t>
             </a:r>
             <a:endParaRPr lang="ko-KR" altLang="en-US" dirty="0"/>
           </a:p>
@@ -4622,7 +5460,7 @@
           <a:p>
             <a:r>
               <a:rPr lang="en-US" altLang="ko-KR" dirty="0"/>
-              <a:t>Collison</a:t>
+              <a:t>Collision</a:t>
             </a:r>
             <a:endParaRPr lang="ko-KR" altLang="en-US" dirty="0"/>
           </a:p>
@@ -4929,6 +5767,594 @@
           <p:cNvPr id="2" name="제목 1">
             <a:extLst>
               <a:ext uri="{FF2B5EF4-FFF2-40B4-BE49-F238E27FC236}">
+                <a16:creationId xmlns:a16="http://schemas.microsoft.com/office/drawing/2014/main" id="{EF97D999-2AD0-4979-AE76-4A5085B3B605}"/>
+              </a:ext>
+            </a:extLst>
+          </p:cNvPr>
+          <p:cNvSpPr>
+            <a:spLocks noGrp="1"/>
+          </p:cNvSpPr>
+          <p:nvPr>
+            <p:ph type="title"/>
+          </p:nvPr>
+        </p:nvSpPr>
+        <p:spPr/>
+        <p:txBody>
+          <a:bodyPr/>
+          <a:lstStyle/>
+          <a:p>
+            <a:r>
+              <a:rPr lang="ko-KR" altLang="en-US" dirty="0"/>
+              <a:t>정리</a:t>
+            </a:r>
+          </a:p>
+        </p:txBody>
+      </p:sp>
+      <p:sp>
+        <p:nvSpPr>
+          <p:cNvPr id="3" name="내용 개체 틀 2">
+            <a:extLst>
+              <a:ext uri="{FF2B5EF4-FFF2-40B4-BE49-F238E27FC236}">
+                <a16:creationId xmlns:a16="http://schemas.microsoft.com/office/drawing/2014/main" id="{B3697189-D30C-4E01-AD1D-1DD84B5BBCD2}"/>
+              </a:ext>
+            </a:extLst>
+          </p:cNvPr>
+          <p:cNvSpPr>
+            <a:spLocks noGrp="1"/>
+          </p:cNvSpPr>
+          <p:nvPr>
+            <p:ph idx="1"/>
+          </p:nvPr>
+        </p:nvSpPr>
+        <p:spPr/>
+        <p:txBody>
+          <a:bodyPr/>
+          <a:lstStyle/>
+          <a:p>
+            <a:r>
+              <a:rPr lang="en-US" altLang="ko-KR" dirty="0"/>
+              <a:t> </a:t>
+            </a:r>
+            <a:r>
+              <a:rPr lang="ko-KR" altLang="en-US" dirty="0"/>
+              <a:t>자주 사용하는 컴포넌트</a:t>
+            </a:r>
+            <a:endParaRPr lang="en-US" altLang="ko-KR" dirty="0"/>
+          </a:p>
+          <a:p>
+            <a:pPr lvl="1"/>
+            <a:r>
+              <a:rPr lang="en-US" altLang="ko-KR" dirty="0"/>
+              <a:t> Collision: </a:t>
+            </a:r>
+            <a:r>
+              <a:rPr lang="ko-KR" altLang="en-US" dirty="0">
+                <a:solidFill>
+                  <a:srgbClr val="FF0000"/>
+                </a:solidFill>
+              </a:rPr>
+              <a:t>충돌</a:t>
+            </a:r>
+            <a:r>
+              <a:rPr lang="ko-KR" altLang="en-US" dirty="0"/>
+              <a:t>을 감지하는 컴포넌트</a:t>
+            </a:r>
+            <a:endParaRPr lang="en-US" altLang="ko-KR" dirty="0"/>
+          </a:p>
+          <a:p>
+            <a:pPr lvl="1"/>
+            <a:r>
+              <a:rPr lang="en-US" altLang="ko-KR" dirty="0"/>
+              <a:t> </a:t>
+            </a:r>
+            <a:r>
+              <a:rPr lang="en-US" altLang="ko-KR" dirty="0" err="1"/>
+              <a:t>RigidBody</a:t>
+            </a:r>
+            <a:r>
+              <a:rPr lang="en-US" altLang="ko-KR" dirty="0"/>
+              <a:t>: </a:t>
+            </a:r>
+            <a:r>
+              <a:rPr lang="ko-KR" altLang="en-US" dirty="0">
+                <a:solidFill>
+                  <a:srgbClr val="FF0000"/>
+                </a:solidFill>
+              </a:rPr>
+              <a:t>물리적인 연산</a:t>
+            </a:r>
+            <a:r>
+              <a:rPr lang="ko-KR" altLang="en-US" dirty="0"/>
+              <a:t>을 담당하는 컴포넌트</a:t>
+            </a:r>
+            <a:endParaRPr lang="en-US" altLang="ko-KR" dirty="0"/>
+          </a:p>
+          <a:p>
+            <a:pPr lvl="1"/>
+            <a:endParaRPr lang="en-US" altLang="ko-KR" dirty="0"/>
+          </a:p>
+          <a:p>
+            <a:r>
+              <a:rPr lang="ko-KR" altLang="en-US" dirty="0"/>
+              <a:t> </a:t>
+            </a:r>
+            <a:r>
+              <a:rPr lang="en-US" altLang="ko-KR" dirty="0"/>
+              <a:t>Collision</a:t>
+            </a:r>
+          </a:p>
+          <a:p>
+            <a:pPr lvl="1"/>
+            <a:r>
+              <a:rPr lang="en-US" altLang="ko-KR" dirty="0"/>
+              <a:t> </a:t>
+            </a:r>
+            <a:r>
+              <a:rPr lang="en-US" altLang="ko-KR" dirty="0">
+                <a:solidFill>
+                  <a:schemeClr val="accent1"/>
+                </a:solidFill>
+              </a:rPr>
+              <a:t>is trigger</a:t>
+            </a:r>
+            <a:r>
+              <a:rPr lang="ko-KR" altLang="en-US" dirty="0"/>
+              <a:t>는 </a:t>
+            </a:r>
+            <a:r>
+              <a:rPr lang="ko-KR" altLang="en-US" dirty="0">
+                <a:solidFill>
+                  <a:srgbClr val="FF0000"/>
+                </a:solidFill>
+              </a:rPr>
+              <a:t>물리적인 연산 없이</a:t>
+            </a:r>
+            <a:r>
+              <a:rPr lang="ko-KR" altLang="en-US" dirty="0"/>
+              <a:t> 충돌만 감지</a:t>
+            </a:r>
+            <a:endParaRPr lang="en-US" altLang="ko-KR" dirty="0"/>
+          </a:p>
+          <a:p>
+            <a:pPr lvl="1"/>
+            <a:endParaRPr lang="en-US" altLang="ko-KR" dirty="0"/>
+          </a:p>
+          <a:p>
+            <a:r>
+              <a:rPr lang="en-US" altLang="ko-KR" dirty="0"/>
+              <a:t> </a:t>
+            </a:r>
+            <a:r>
+              <a:rPr lang="en-US" altLang="ko-KR" dirty="0" err="1"/>
+              <a:t>RigidBody</a:t>
+            </a:r>
+            <a:endParaRPr lang="en-US" altLang="ko-KR" dirty="0"/>
+          </a:p>
+          <a:p>
+            <a:pPr lvl="1"/>
+            <a:r>
+              <a:rPr lang="en-US" altLang="ko-KR" dirty="0"/>
+              <a:t> velocity: </a:t>
+            </a:r>
+            <a:r>
+              <a:rPr lang="ko-KR" altLang="en-US" dirty="0">
+                <a:solidFill>
+                  <a:schemeClr val="accent1"/>
+                </a:solidFill>
+              </a:rPr>
+              <a:t>질량과 관계 없이</a:t>
+            </a:r>
+            <a:r>
+              <a:rPr lang="ko-KR" altLang="en-US" dirty="0"/>
+              <a:t> 일정 속도를 줌</a:t>
+            </a:r>
+            <a:endParaRPr lang="en-US" altLang="ko-KR" dirty="0"/>
+          </a:p>
+          <a:p>
+            <a:pPr lvl="1"/>
+            <a:r>
+              <a:rPr lang="en-US" altLang="ko-KR" dirty="0"/>
+              <a:t> </a:t>
+            </a:r>
+            <a:r>
+              <a:rPr lang="en-US" altLang="ko-KR" dirty="0" err="1"/>
+              <a:t>addforce</a:t>
+            </a:r>
+            <a:r>
+              <a:rPr lang="en-US" altLang="ko-KR" dirty="0"/>
+              <a:t>: ‘F=ma’ </a:t>
+            </a:r>
+            <a:r>
+              <a:rPr lang="ko-KR" altLang="en-US" dirty="0"/>
+              <a:t>공식 적용</a:t>
+            </a:r>
+            <a:r>
+              <a:rPr lang="en-US" altLang="ko-KR" dirty="0"/>
+              <a:t>. </a:t>
+            </a:r>
+            <a:r>
+              <a:rPr lang="ko-KR" altLang="en-US" dirty="0">
+                <a:solidFill>
+                  <a:schemeClr val="accent1"/>
+                </a:solidFill>
+              </a:rPr>
+              <a:t>질량에 따라</a:t>
+            </a:r>
+            <a:r>
+              <a:rPr lang="ko-KR" altLang="en-US" dirty="0"/>
+              <a:t> 가속도가 다름</a:t>
+            </a:r>
+            <a:endParaRPr lang="en-US" altLang="ko-KR" dirty="0"/>
+          </a:p>
+        </p:txBody>
+      </p:sp>
+    </p:spTree>
+    <p:extLst>
+      <p:ext uri="{BB962C8B-B14F-4D97-AF65-F5344CB8AC3E}">
+        <p14:creationId xmlns:p14="http://schemas.microsoft.com/office/powerpoint/2010/main" val="4026968251"/>
+      </p:ext>
+    </p:extLst>
+  </p:cSld>
+  <p:clrMapOvr>
+    <a:masterClrMapping/>
+  </p:clrMapOvr>
+  <p:timing>
+    <p:tnLst>
+      <p:par>
+        <p:cTn id="1" dur="indefinite" restart="never" nodeType="tmRoot">
+          <p:childTnLst>
+            <p:seq concurrent="1" nextAc="seek">
+              <p:cTn id="2" dur="indefinite" nodeType="mainSeq">
+                <p:childTnLst>
+                  <p:par>
+                    <p:cTn id="3" fill="hold">
+                      <p:stCondLst>
+                        <p:cond delay="indefinite"/>
+                      </p:stCondLst>
+                      <p:childTnLst>
+                        <p:par>
+                          <p:cTn id="4" fill="hold">
+                            <p:stCondLst>
+                              <p:cond delay="0"/>
+                            </p:stCondLst>
+                            <p:childTnLst>
+                              <p:par>
+                                <p:cTn id="5" presetID="1" presetClass="entr" presetSubtype="0" fill="hold" nodeType="clickEffect">
+                                  <p:stCondLst>
+                                    <p:cond delay="0"/>
+                                  </p:stCondLst>
+                                  <p:childTnLst>
+                                    <p:set>
+                                      <p:cBhvr>
+                                        <p:cTn id="6" dur="1" fill="hold">
+                                          <p:stCondLst>
+                                            <p:cond delay="0"/>
+                                          </p:stCondLst>
+                                        </p:cTn>
+                                        <p:tgtEl>
+                                          <p:spTgt spid="3">
+                                            <p:txEl>
+                                              <p:pRg st="0" end="0"/>
+                                            </p:txEl>
+                                          </p:spTgt>
+                                        </p:tgtEl>
+                                        <p:attrNameLst>
+                                          <p:attrName>style.visibility</p:attrName>
+                                        </p:attrNameLst>
+                                      </p:cBhvr>
+                                      <p:to>
+                                        <p:strVal val="visible"/>
+                                      </p:to>
+                                    </p:set>
+                                  </p:childTnLst>
+                                </p:cTn>
+                              </p:par>
+                              <p:par>
+                                <p:cTn id="7" presetID="1" presetClass="entr" presetSubtype="0" fill="hold" nodeType="withEffect">
+                                  <p:stCondLst>
+                                    <p:cond delay="0"/>
+                                  </p:stCondLst>
+                                  <p:childTnLst>
+                                    <p:set>
+                                      <p:cBhvr>
+                                        <p:cTn id="8" dur="1" fill="hold">
+                                          <p:stCondLst>
+                                            <p:cond delay="0"/>
+                                          </p:stCondLst>
+                                        </p:cTn>
+                                        <p:tgtEl>
+                                          <p:spTgt spid="3">
+                                            <p:txEl>
+                                              <p:pRg st="1" end="1"/>
+                                            </p:txEl>
+                                          </p:spTgt>
+                                        </p:tgtEl>
+                                        <p:attrNameLst>
+                                          <p:attrName>style.visibility</p:attrName>
+                                        </p:attrNameLst>
+                                      </p:cBhvr>
+                                      <p:to>
+                                        <p:strVal val="visible"/>
+                                      </p:to>
+                                    </p:set>
+                                  </p:childTnLst>
+                                </p:cTn>
+                              </p:par>
+                              <p:par>
+                                <p:cTn id="9" presetID="1" presetClass="entr" presetSubtype="0" fill="hold" nodeType="withEffect">
+                                  <p:stCondLst>
+                                    <p:cond delay="0"/>
+                                  </p:stCondLst>
+                                  <p:childTnLst>
+                                    <p:set>
+                                      <p:cBhvr>
+                                        <p:cTn id="10" dur="1" fill="hold">
+                                          <p:stCondLst>
+                                            <p:cond delay="0"/>
+                                          </p:stCondLst>
+                                        </p:cTn>
+                                        <p:tgtEl>
+                                          <p:spTgt spid="3">
+                                            <p:txEl>
+                                              <p:pRg st="2" end="2"/>
+                                            </p:txEl>
+                                          </p:spTgt>
+                                        </p:tgtEl>
+                                        <p:attrNameLst>
+                                          <p:attrName>style.visibility</p:attrName>
+                                        </p:attrNameLst>
+                                      </p:cBhvr>
+                                      <p:to>
+                                        <p:strVal val="visible"/>
+                                      </p:to>
+                                    </p:set>
+                                  </p:childTnLst>
+                                </p:cTn>
+                              </p:par>
+                            </p:childTnLst>
+                          </p:cTn>
+                        </p:par>
+                      </p:childTnLst>
+                    </p:cTn>
+                  </p:par>
+                  <p:par>
+                    <p:cTn id="11" fill="hold">
+                      <p:stCondLst>
+                        <p:cond delay="indefinite"/>
+                      </p:stCondLst>
+                      <p:childTnLst>
+                        <p:par>
+                          <p:cTn id="12" fill="hold">
+                            <p:stCondLst>
+                              <p:cond delay="0"/>
+                            </p:stCondLst>
+                            <p:childTnLst>
+                              <p:par>
+                                <p:cTn id="13" presetID="1" presetClass="entr" presetSubtype="0" fill="hold" nodeType="clickEffect">
+                                  <p:stCondLst>
+                                    <p:cond delay="0"/>
+                                  </p:stCondLst>
+                                  <p:childTnLst>
+                                    <p:set>
+                                      <p:cBhvr>
+                                        <p:cTn id="14" dur="1" fill="hold">
+                                          <p:stCondLst>
+                                            <p:cond delay="0"/>
+                                          </p:stCondLst>
+                                        </p:cTn>
+                                        <p:tgtEl>
+                                          <p:spTgt spid="3">
+                                            <p:txEl>
+                                              <p:pRg st="4" end="4"/>
+                                            </p:txEl>
+                                          </p:spTgt>
+                                        </p:tgtEl>
+                                        <p:attrNameLst>
+                                          <p:attrName>style.visibility</p:attrName>
+                                        </p:attrNameLst>
+                                      </p:cBhvr>
+                                      <p:to>
+                                        <p:strVal val="visible"/>
+                                      </p:to>
+                                    </p:set>
+                                  </p:childTnLst>
+                                </p:cTn>
+                              </p:par>
+                              <p:par>
+                                <p:cTn id="15" presetID="1" presetClass="entr" presetSubtype="0" fill="hold" nodeType="withEffect">
+                                  <p:stCondLst>
+                                    <p:cond delay="0"/>
+                                  </p:stCondLst>
+                                  <p:childTnLst>
+                                    <p:set>
+                                      <p:cBhvr>
+                                        <p:cTn id="16" dur="1" fill="hold">
+                                          <p:stCondLst>
+                                            <p:cond delay="0"/>
+                                          </p:stCondLst>
+                                        </p:cTn>
+                                        <p:tgtEl>
+                                          <p:spTgt spid="3">
+                                            <p:txEl>
+                                              <p:pRg st="5" end="5"/>
+                                            </p:txEl>
+                                          </p:spTgt>
+                                        </p:tgtEl>
+                                        <p:attrNameLst>
+                                          <p:attrName>style.visibility</p:attrName>
+                                        </p:attrNameLst>
+                                      </p:cBhvr>
+                                      <p:to>
+                                        <p:strVal val="visible"/>
+                                      </p:to>
+                                    </p:set>
+                                  </p:childTnLst>
+                                </p:cTn>
+                              </p:par>
+                            </p:childTnLst>
+                          </p:cTn>
+                        </p:par>
+                      </p:childTnLst>
+                    </p:cTn>
+                  </p:par>
+                  <p:par>
+                    <p:cTn id="17" fill="hold">
+                      <p:stCondLst>
+                        <p:cond delay="indefinite"/>
+                      </p:stCondLst>
+                      <p:childTnLst>
+                        <p:par>
+                          <p:cTn id="18" fill="hold">
+                            <p:stCondLst>
+                              <p:cond delay="0"/>
+                            </p:stCondLst>
+                            <p:childTnLst>
+                              <p:par>
+                                <p:cTn id="19" presetID="1" presetClass="entr" presetSubtype="0" fill="hold" nodeType="clickEffect">
+                                  <p:stCondLst>
+                                    <p:cond delay="0"/>
+                                  </p:stCondLst>
+                                  <p:childTnLst>
+                                    <p:set>
+                                      <p:cBhvr>
+                                        <p:cTn id="20" dur="1" fill="hold">
+                                          <p:stCondLst>
+                                            <p:cond delay="0"/>
+                                          </p:stCondLst>
+                                        </p:cTn>
+                                        <p:tgtEl>
+                                          <p:spTgt spid="3">
+                                            <p:txEl>
+                                              <p:pRg st="7" end="7"/>
+                                            </p:txEl>
+                                          </p:spTgt>
+                                        </p:tgtEl>
+                                        <p:attrNameLst>
+                                          <p:attrName>style.visibility</p:attrName>
+                                        </p:attrNameLst>
+                                      </p:cBhvr>
+                                      <p:to>
+                                        <p:strVal val="visible"/>
+                                      </p:to>
+                                    </p:set>
+                                  </p:childTnLst>
+                                </p:cTn>
+                              </p:par>
+                              <p:par>
+                                <p:cTn id="21" presetID="1" presetClass="entr" presetSubtype="0" fill="hold" nodeType="withEffect">
+                                  <p:stCondLst>
+                                    <p:cond delay="0"/>
+                                  </p:stCondLst>
+                                  <p:childTnLst>
+                                    <p:set>
+                                      <p:cBhvr>
+                                        <p:cTn id="22" dur="1" fill="hold">
+                                          <p:stCondLst>
+                                            <p:cond delay="0"/>
+                                          </p:stCondLst>
+                                        </p:cTn>
+                                        <p:tgtEl>
+                                          <p:spTgt spid="3">
+                                            <p:txEl>
+                                              <p:pRg st="8" end="8"/>
+                                            </p:txEl>
+                                          </p:spTgt>
+                                        </p:tgtEl>
+                                        <p:attrNameLst>
+                                          <p:attrName>style.visibility</p:attrName>
+                                        </p:attrNameLst>
+                                      </p:cBhvr>
+                                      <p:to>
+                                        <p:strVal val="visible"/>
+                                      </p:to>
+                                    </p:set>
+                                  </p:childTnLst>
+                                </p:cTn>
+                              </p:par>
+                              <p:par>
+                                <p:cTn id="23" presetID="1" presetClass="entr" presetSubtype="0" fill="hold" nodeType="withEffect">
+                                  <p:stCondLst>
+                                    <p:cond delay="0"/>
+                                  </p:stCondLst>
+                                  <p:childTnLst>
+                                    <p:set>
+                                      <p:cBhvr>
+                                        <p:cTn id="24" dur="1" fill="hold">
+                                          <p:stCondLst>
+                                            <p:cond delay="0"/>
+                                          </p:stCondLst>
+                                        </p:cTn>
+                                        <p:tgtEl>
+                                          <p:spTgt spid="3">
+                                            <p:txEl>
+                                              <p:pRg st="9" end="9"/>
+                                            </p:txEl>
+                                          </p:spTgt>
+                                        </p:tgtEl>
+                                        <p:attrNameLst>
+                                          <p:attrName>style.visibility</p:attrName>
+                                        </p:attrNameLst>
+                                      </p:cBhvr>
+                                      <p:to>
+                                        <p:strVal val="visible"/>
+                                      </p:to>
+                                    </p:set>
+                                  </p:childTnLst>
+                                </p:cTn>
+                              </p:par>
+                            </p:childTnLst>
+                          </p:cTn>
+                        </p:par>
+                      </p:childTnLst>
+                    </p:cTn>
+                  </p:par>
+                </p:childTnLst>
+              </p:cTn>
+              <p:prevCondLst>
+                <p:cond evt="onPrev" delay="0">
+                  <p:tgtEl>
+                    <p:sldTgt/>
+                  </p:tgtEl>
+                </p:cond>
+              </p:prevCondLst>
+              <p:nextCondLst>
+                <p:cond evt="onNext" delay="0">
+                  <p:tgtEl>
+                    <p:sldTgt/>
+                  </p:tgtEl>
+                </p:cond>
+              </p:nextCondLst>
+            </p:seq>
+          </p:childTnLst>
+        </p:cTn>
+      </p:par>
+    </p:tnLst>
+  </p:timing>
+</p:sld>
+</file>
+
+<file path=ppt/slides/slide8.xml><?xml version="1.0" encoding="utf-8"?>
+<p:sld xmlns:a="http://schemas.openxmlformats.org/drawingml/2006/main" xmlns:r="http://schemas.openxmlformats.org/officeDocument/2006/relationships" xmlns:p="http://schemas.openxmlformats.org/presentationml/2006/main">
+  <p:cSld>
+    <p:spTree>
+      <p:nvGrpSpPr>
+        <p:cNvPr id="1" name=""/>
+        <p:cNvGrpSpPr/>
+        <p:nvPr/>
+      </p:nvGrpSpPr>
+      <p:grpSpPr>
+        <a:xfrm>
+          <a:off x="0" y="0"/>
+          <a:ext cx="0" cy="0"/>
+          <a:chOff x="0" y="0"/>
+          <a:chExt cx="0" cy="0"/>
+        </a:xfrm>
+      </p:grpSpPr>
+      <p:sp>
+        <p:nvSpPr>
+          <p:cNvPr id="2" name="제목 1">
+            <a:extLst>
+              <a:ext uri="{FF2B5EF4-FFF2-40B4-BE49-F238E27FC236}">
                 <a16:creationId xmlns:a16="http://schemas.microsoft.com/office/drawing/2014/main" id="{DE8A4DE2-827B-40FD-8B8C-F80AB282E52B}"/>
               </a:ext>
             </a:extLst>
@@ -5167,7 +6593,7 @@
 </p:sld>
 </file>
 
-<file path=ppt/slides/slide8.xml><?xml version="1.0" encoding="utf-8"?>
+<file path=ppt/slides/slide9.xml><?xml version="1.0" encoding="utf-8"?>
 <p:sld xmlns:a="http://schemas.openxmlformats.org/drawingml/2006/main" xmlns:r="http://schemas.openxmlformats.org/officeDocument/2006/relationships" xmlns:p="http://schemas.openxmlformats.org/presentationml/2006/main">
   <p:cSld>
     <p:spTree>
@@ -5363,188 +6789,6 @@
     <p:extLst>
       <p:ext uri="{BB962C8B-B14F-4D97-AF65-F5344CB8AC3E}">
         <p14:creationId xmlns:p14="http://schemas.microsoft.com/office/powerpoint/2010/main" val="1525529725"/>
-      </p:ext>
-    </p:extLst>
-  </p:cSld>
-  <p:clrMapOvr>
-    <a:masterClrMapping/>
-  </p:clrMapOvr>
-</p:sld>
-</file>
-
-<file path=ppt/slides/slide9.xml><?xml version="1.0" encoding="utf-8"?>
-<p:sld xmlns:a="http://schemas.openxmlformats.org/drawingml/2006/main" xmlns:r="http://schemas.openxmlformats.org/officeDocument/2006/relationships" xmlns:p="http://schemas.openxmlformats.org/presentationml/2006/main">
-  <p:cSld>
-    <p:spTree>
-      <p:nvGrpSpPr>
-        <p:cNvPr id="1" name=""/>
-        <p:cNvGrpSpPr/>
-        <p:nvPr/>
-      </p:nvGrpSpPr>
-      <p:grpSpPr>
-        <a:xfrm>
-          <a:off x="0" y="0"/>
-          <a:ext cx="0" cy="0"/>
-          <a:chOff x="0" y="0"/>
-          <a:chExt cx="0" cy="0"/>
-        </a:xfrm>
-      </p:grpSpPr>
-      <p:sp>
-        <p:nvSpPr>
-          <p:cNvPr id="2" name="제목 1">
-            <a:extLst>
-              <a:ext uri="{FF2B5EF4-FFF2-40B4-BE49-F238E27FC236}">
-                <a16:creationId xmlns:a16="http://schemas.microsoft.com/office/drawing/2014/main" id="{2151930B-02AD-4E9C-8CBD-0E71B2BC3DEA}"/>
-              </a:ext>
-            </a:extLst>
-          </p:cNvPr>
-          <p:cNvSpPr>
-            <a:spLocks noGrp="1"/>
-          </p:cNvSpPr>
-          <p:nvPr>
-            <p:ph type="title"/>
-          </p:nvPr>
-        </p:nvSpPr>
-        <p:spPr/>
-        <p:txBody>
-          <a:bodyPr/>
-          <a:lstStyle/>
-          <a:p>
-            <a:r>
-              <a:rPr lang="en-US" altLang="ko-KR" dirty="0" err="1"/>
-              <a:t>GetComponent</a:t>
-            </a:r>
-            <a:endParaRPr lang="ko-KR" altLang="en-US" dirty="0"/>
-          </a:p>
-        </p:txBody>
-      </p:sp>
-      <p:sp>
-        <p:nvSpPr>
-          <p:cNvPr id="3" name="내용 개체 틀 2">
-            <a:extLst>
-              <a:ext uri="{FF2B5EF4-FFF2-40B4-BE49-F238E27FC236}">
-                <a16:creationId xmlns:a16="http://schemas.microsoft.com/office/drawing/2014/main" id="{8D5CC71A-F390-4B54-82B0-14F36EA973B2}"/>
-              </a:ext>
-            </a:extLst>
-          </p:cNvPr>
-          <p:cNvSpPr>
-            <a:spLocks noGrp="1"/>
-          </p:cNvSpPr>
-          <p:nvPr>
-            <p:ph idx="1"/>
-          </p:nvPr>
-        </p:nvSpPr>
-        <p:spPr/>
-        <p:txBody>
-          <a:bodyPr/>
-          <a:lstStyle/>
-          <a:p>
-            <a:r>
-              <a:rPr lang="en-US" altLang="ko-KR" dirty="0" err="1"/>
-              <a:t>GetComponent</a:t>
-            </a:r>
-            <a:r>
-              <a:rPr lang="en-US" altLang="ko-KR" dirty="0"/>
-              <a:t>&lt;</a:t>
-            </a:r>
-            <a:r>
-              <a:rPr lang="ko-KR" altLang="en-US" dirty="0"/>
-              <a:t>컴포넌트이름</a:t>
-            </a:r>
-            <a:r>
-              <a:rPr lang="en-US" altLang="ko-KR" dirty="0"/>
-              <a:t>&gt;.</a:t>
-            </a:r>
-            <a:r>
-              <a:rPr lang="ko-KR" altLang="en-US" dirty="0"/>
-              <a:t>컴포넌트의 값 혹은 함수</a:t>
-            </a:r>
-            <a:r>
-              <a:rPr lang="en-US" altLang="ko-KR" dirty="0"/>
-              <a:t>()</a:t>
-            </a:r>
-          </a:p>
-          <a:p>
-            <a:pPr lvl="1"/>
-            <a:r>
-              <a:rPr lang="ko-KR" altLang="en-US" dirty="0"/>
-              <a:t>특정한 </a:t>
-            </a:r>
-            <a:r>
-              <a:rPr lang="en-US" altLang="ko-KR" dirty="0"/>
-              <a:t>Object</a:t>
-            </a:r>
-            <a:r>
-              <a:rPr lang="ko-KR" altLang="en-US" dirty="0"/>
-              <a:t>가 가지고 있는 </a:t>
-            </a:r>
-            <a:r>
-              <a:rPr lang="ko-KR" altLang="en-US" dirty="0">
-                <a:solidFill>
-                  <a:srgbClr val="FF0000"/>
-                </a:solidFill>
-              </a:rPr>
-              <a:t>타 컴포넌트 혹은 그 컴포넌트의 값</a:t>
-            </a:r>
-            <a:r>
-              <a:rPr lang="ko-KR" altLang="en-US" dirty="0"/>
-              <a:t>에 접근하기 위한 함수</a:t>
-            </a:r>
-            <a:endParaRPr lang="en-US" altLang="ko-KR" dirty="0"/>
-          </a:p>
-        </p:txBody>
-      </p:sp>
-      <p:pic>
-        <p:nvPicPr>
-          <p:cNvPr id="1028" name="Picture 4" descr="Ipubl ic class let &#10;. MonoBehav iour &#10;float shotPower = 500.0f,• &#10;// Start is cal led before the first frame update &#10;void Start() &#10;GetComponent&lt;Rigidbody2D&gt;() .Ad+orce(Vector3. r ight * shotPower) ; ">
-            <a:extLst>
-              <a:ext uri="{FF2B5EF4-FFF2-40B4-BE49-F238E27FC236}">
-                <a16:creationId xmlns:a16="http://schemas.microsoft.com/office/drawing/2014/main" id="{F540240A-5088-425B-93E7-DE42A2251553}"/>
-              </a:ext>
-            </a:extLst>
-          </p:cNvPr>
-          <p:cNvPicPr>
-            <a:picLocks noChangeAspect="1" noChangeArrowheads="1"/>
-          </p:cNvPicPr>
-          <p:nvPr/>
-        </p:nvPicPr>
-        <p:blipFill>
-          <a:blip r:embed="rId2">
-            <a:extLst>
-              <a:ext uri="{28A0092B-C50C-407E-A947-70E740481C1C}">
-                <a14:useLocalDpi xmlns:a14="http://schemas.microsoft.com/office/drawing/2010/main" val="0"/>
-              </a:ext>
-            </a:extLst>
-          </a:blip>
-          <a:srcRect/>
-          <a:stretch>
-            <a:fillRect/>
-          </a:stretch>
-        </p:blipFill>
-        <p:spPr bwMode="auto">
-          <a:xfrm>
-            <a:off x="1704975" y="3429000"/>
-            <a:ext cx="8782050" cy="2314575"/>
-          </a:xfrm>
-          <a:prstGeom prst="rect">
-            <a:avLst/>
-          </a:prstGeom>
-          <a:noFill/>
-          <a:extLst>
-            <a:ext uri="{909E8E84-426E-40DD-AFC4-6F175D3DCCD1}">
-              <a14:hiddenFill xmlns:a14="http://schemas.microsoft.com/office/drawing/2010/main">
-                <a:solidFill>
-                  <a:srgbClr val="FFFFFF"/>
-                </a:solidFill>
-              </a14:hiddenFill>
-            </a:ext>
-          </a:extLst>
-        </p:spPr>
-      </p:pic>
-    </p:spTree>
-    <p:extLst>
-      <p:ext uri="{BB962C8B-B14F-4D97-AF65-F5344CB8AC3E}">
-        <p14:creationId xmlns:p14="http://schemas.microsoft.com/office/powerpoint/2010/main" val="2416455894"/>
       </p:ext>
     </p:extLst>
   </p:cSld>

--- a/ppt/03_Useful Component.pptx
+++ b/ppt/03_Useful Component.pptx
@@ -17,13 +17,28 @@
     <p:sldId id="260" r:id="rId11"/>
     <p:sldId id="275" r:id="rId12"/>
     <p:sldId id="259" r:id="rId13"/>
-    <p:sldId id="262" r:id="rId14"/>
-    <p:sldId id="266" r:id="rId15"/>
-    <p:sldId id="269" r:id="rId16"/>
-    <p:sldId id="270" r:id="rId17"/>
-    <p:sldId id="271" r:id="rId18"/>
-    <p:sldId id="272" r:id="rId19"/>
-    <p:sldId id="273" r:id="rId20"/>
+    <p:sldId id="276" r:id="rId14"/>
+    <p:sldId id="277" r:id="rId15"/>
+    <p:sldId id="278" r:id="rId16"/>
+    <p:sldId id="279" r:id="rId17"/>
+    <p:sldId id="284" r:id="rId18"/>
+    <p:sldId id="280" r:id="rId19"/>
+    <p:sldId id="281" r:id="rId20"/>
+    <p:sldId id="282" r:id="rId21"/>
+    <p:sldId id="283" r:id="rId22"/>
+    <p:sldId id="285" r:id="rId23"/>
+    <p:sldId id="286" r:id="rId24"/>
+    <p:sldId id="287" r:id="rId25"/>
+    <p:sldId id="288" r:id="rId26"/>
+    <p:sldId id="289" r:id="rId27"/>
+    <p:sldId id="290" r:id="rId28"/>
+    <p:sldId id="262" r:id="rId29"/>
+    <p:sldId id="266" r:id="rId30"/>
+    <p:sldId id="269" r:id="rId31"/>
+    <p:sldId id="270" r:id="rId32"/>
+    <p:sldId id="271" r:id="rId33"/>
+    <p:sldId id="272" r:id="rId34"/>
+    <p:sldId id="273" r:id="rId35"/>
   </p:sldIdLst>
   <p:sldSz cx="12192000" cy="6858000"/>
   <p:notesSz cx="6858000" cy="9144000"/>
@@ -272,7 +287,7 @@
           <a:p>
             <a:fld id="{6984F858-7EAB-493E-9EC9-D881148AB5D6}" type="datetimeFigureOut">
               <a:rPr lang="ko-KR" altLang="en-US" smtClean="0"/>
-              <a:t>2020-12-19</a:t>
+              <a:t>2020-12-21</a:t>
             </a:fld>
             <a:endParaRPr lang="ko-KR" altLang="en-US"/>
           </a:p>
@@ -442,7 +457,7 @@
           <a:p>
             <a:fld id="{6984F858-7EAB-493E-9EC9-D881148AB5D6}" type="datetimeFigureOut">
               <a:rPr lang="ko-KR" altLang="en-US" smtClean="0"/>
-              <a:t>2020-12-19</a:t>
+              <a:t>2020-12-21</a:t>
             </a:fld>
             <a:endParaRPr lang="ko-KR" altLang="en-US"/>
           </a:p>
@@ -622,7 +637,7 @@
           <a:p>
             <a:fld id="{6984F858-7EAB-493E-9EC9-D881148AB5D6}" type="datetimeFigureOut">
               <a:rPr lang="ko-KR" altLang="en-US" smtClean="0"/>
-              <a:t>2020-12-19</a:t>
+              <a:t>2020-12-21</a:t>
             </a:fld>
             <a:endParaRPr lang="ko-KR" altLang="en-US"/>
           </a:p>
@@ -792,7 +807,7 @@
           <a:p>
             <a:fld id="{6984F858-7EAB-493E-9EC9-D881148AB5D6}" type="datetimeFigureOut">
               <a:rPr lang="ko-KR" altLang="en-US" smtClean="0"/>
-              <a:t>2020-12-19</a:t>
+              <a:t>2020-12-21</a:t>
             </a:fld>
             <a:endParaRPr lang="ko-KR" altLang="en-US"/>
           </a:p>
@@ -1038,7 +1053,7 @@
           <a:p>
             <a:fld id="{6984F858-7EAB-493E-9EC9-D881148AB5D6}" type="datetimeFigureOut">
               <a:rPr lang="ko-KR" altLang="en-US" smtClean="0"/>
-              <a:t>2020-12-19</a:t>
+              <a:t>2020-12-21</a:t>
             </a:fld>
             <a:endParaRPr lang="ko-KR" altLang="en-US"/>
           </a:p>
@@ -1270,7 +1285,7 @@
           <a:p>
             <a:fld id="{6984F858-7EAB-493E-9EC9-D881148AB5D6}" type="datetimeFigureOut">
               <a:rPr lang="ko-KR" altLang="en-US" smtClean="0"/>
-              <a:t>2020-12-19</a:t>
+              <a:t>2020-12-21</a:t>
             </a:fld>
             <a:endParaRPr lang="ko-KR" altLang="en-US"/>
           </a:p>
@@ -1637,7 +1652,7 @@
           <a:p>
             <a:fld id="{6984F858-7EAB-493E-9EC9-D881148AB5D6}" type="datetimeFigureOut">
               <a:rPr lang="ko-KR" altLang="en-US" smtClean="0"/>
-              <a:t>2020-12-19</a:t>
+              <a:t>2020-12-21</a:t>
             </a:fld>
             <a:endParaRPr lang="ko-KR" altLang="en-US"/>
           </a:p>
@@ -1755,7 +1770,7 @@
           <a:p>
             <a:fld id="{6984F858-7EAB-493E-9EC9-D881148AB5D6}" type="datetimeFigureOut">
               <a:rPr lang="ko-KR" altLang="en-US" smtClean="0"/>
-              <a:t>2020-12-19</a:t>
+              <a:t>2020-12-21</a:t>
             </a:fld>
             <a:endParaRPr lang="ko-KR" altLang="en-US"/>
           </a:p>
@@ -1850,7 +1865,7 @@
           <a:p>
             <a:fld id="{6984F858-7EAB-493E-9EC9-D881148AB5D6}" type="datetimeFigureOut">
               <a:rPr lang="ko-KR" altLang="en-US" smtClean="0"/>
-              <a:t>2020-12-19</a:t>
+              <a:t>2020-12-21</a:t>
             </a:fld>
             <a:endParaRPr lang="ko-KR" altLang="en-US"/>
           </a:p>
@@ -2127,7 +2142,7 @@
           <a:p>
             <a:fld id="{6984F858-7EAB-493E-9EC9-D881148AB5D6}" type="datetimeFigureOut">
               <a:rPr lang="ko-KR" altLang="en-US" smtClean="0"/>
-              <a:t>2020-12-19</a:t>
+              <a:t>2020-12-21</a:t>
             </a:fld>
             <a:endParaRPr lang="ko-KR" altLang="en-US"/>
           </a:p>
@@ -2384,7 +2399,7 @@
           <a:p>
             <a:fld id="{6984F858-7EAB-493E-9EC9-D881148AB5D6}" type="datetimeFigureOut">
               <a:rPr lang="ko-KR" altLang="en-US" smtClean="0"/>
-              <a:t>2020-12-19</a:t>
+              <a:t>2020-12-21</a:t>
             </a:fld>
             <a:endParaRPr lang="ko-KR" altLang="en-US"/>
           </a:p>
@@ -2597,7 +2612,7 @@
           <a:p>
             <a:fld id="{6984F858-7EAB-493E-9EC9-D881148AB5D6}" type="datetimeFigureOut">
               <a:rPr lang="ko-KR" altLang="en-US" smtClean="0"/>
-              <a:t>2020-12-19</a:t>
+              <a:t>2020-12-21</a:t>
             </a:fld>
             <a:endParaRPr lang="ko-KR" altLang="en-US"/>
           </a:p>
@@ -4116,6 +4131,4294 @@
           <p:cNvPr id="2" name="제목 1">
             <a:extLst>
               <a:ext uri="{FF2B5EF4-FFF2-40B4-BE49-F238E27FC236}">
+                <a16:creationId xmlns:a16="http://schemas.microsoft.com/office/drawing/2014/main" id="{DDC482C7-8770-4958-9E3E-5F8E3C34F20E}"/>
+              </a:ext>
+            </a:extLst>
+          </p:cNvPr>
+          <p:cNvSpPr>
+            <a:spLocks noGrp="1"/>
+          </p:cNvSpPr>
+          <p:nvPr>
+            <p:ph type="title"/>
+          </p:nvPr>
+        </p:nvSpPr>
+        <p:spPr/>
+        <p:txBody>
+          <a:bodyPr/>
+          <a:lstStyle/>
+          <a:p>
+            <a:r>
+              <a:rPr lang="en-US" altLang="ko-KR" dirty="0"/>
+              <a:t>Destroy</a:t>
+            </a:r>
+            <a:endParaRPr lang="ko-KR" altLang="en-US" dirty="0"/>
+          </a:p>
+        </p:txBody>
+      </p:sp>
+      <p:sp>
+        <p:nvSpPr>
+          <p:cNvPr id="3" name="내용 개체 틀 2">
+            <a:extLst>
+              <a:ext uri="{FF2B5EF4-FFF2-40B4-BE49-F238E27FC236}">
+                <a16:creationId xmlns:a16="http://schemas.microsoft.com/office/drawing/2014/main" id="{9ACA2B41-B213-4542-8563-8F5009EEE299}"/>
+              </a:ext>
+            </a:extLst>
+          </p:cNvPr>
+          <p:cNvSpPr>
+            <a:spLocks noGrp="1"/>
+          </p:cNvSpPr>
+          <p:nvPr>
+            <p:ph idx="1"/>
+          </p:nvPr>
+        </p:nvSpPr>
+        <p:spPr/>
+        <p:txBody>
+          <a:bodyPr/>
+          <a:lstStyle/>
+          <a:p>
+            <a:r>
+              <a:rPr lang="en-US" altLang="ko-KR" dirty="0"/>
+              <a:t>Destroy(object);</a:t>
+            </a:r>
+          </a:p>
+          <a:p>
+            <a:pPr lvl="1"/>
+            <a:r>
+              <a:rPr lang="ko-KR" altLang="en-US" dirty="0">
+                <a:solidFill>
+                  <a:srgbClr val="FF0000"/>
+                </a:solidFill>
+              </a:rPr>
+              <a:t>게임 실행 도중</a:t>
+            </a:r>
+            <a:r>
+              <a:rPr lang="ko-KR" altLang="en-US" dirty="0"/>
+              <a:t>에 </a:t>
+            </a:r>
+            <a:r>
+              <a:rPr lang="en-US" altLang="ko-KR" dirty="0"/>
+              <a:t>object</a:t>
+            </a:r>
+            <a:r>
+              <a:rPr lang="ko-KR" altLang="en-US" dirty="0"/>
+              <a:t>를 제거하도록 해주는 함수</a:t>
+            </a:r>
+            <a:endParaRPr lang="en-US" altLang="ko-KR" dirty="0"/>
+          </a:p>
+          <a:p>
+            <a:pPr lvl="1"/>
+            <a:r>
+              <a:rPr lang="en-US" altLang="ko-KR" dirty="0"/>
+              <a:t>(</a:t>
+            </a:r>
+            <a:r>
+              <a:rPr lang="ko-KR" altLang="en-US" dirty="0"/>
+              <a:t>동적</a:t>
+            </a:r>
+            <a:r>
+              <a:rPr lang="en-US" altLang="ko-KR" dirty="0"/>
+              <a:t>: </a:t>
+            </a:r>
+            <a:r>
+              <a:rPr lang="ko-KR" altLang="en-US" dirty="0"/>
+              <a:t>게임이 실행하는 도중에</a:t>
+            </a:r>
+            <a:r>
+              <a:rPr lang="en-US" altLang="ko-KR" dirty="0"/>
+              <a:t>)</a:t>
+            </a:r>
+          </a:p>
+          <a:p>
+            <a:pPr lvl="1"/>
+            <a:endParaRPr lang="en-US" altLang="ko-KR" dirty="0"/>
+          </a:p>
+          <a:p>
+            <a:r>
+              <a:rPr lang="ko-KR" altLang="en-US" dirty="0"/>
+              <a:t>주의</a:t>
+            </a:r>
+            <a:endParaRPr lang="en-US" altLang="ko-KR" dirty="0"/>
+          </a:p>
+          <a:p>
+            <a:pPr lvl="1"/>
+            <a:r>
+              <a:rPr lang="en-US" altLang="ko-KR" dirty="0"/>
+              <a:t>Destroy </a:t>
+            </a:r>
+            <a:r>
+              <a:rPr lang="ko-KR" altLang="en-US" dirty="0"/>
+              <a:t>함수는 </a:t>
+            </a:r>
+            <a:r>
+              <a:rPr lang="en-US" altLang="ko-KR" dirty="0"/>
+              <a:t>start </a:t>
+            </a:r>
+            <a:r>
+              <a:rPr lang="ko-KR" altLang="en-US" dirty="0"/>
+              <a:t>함수나 </a:t>
+            </a:r>
+            <a:r>
+              <a:rPr lang="en-US" altLang="ko-KR" dirty="0"/>
+              <a:t>update </a:t>
+            </a:r>
+            <a:r>
+              <a:rPr lang="ko-KR" altLang="en-US" dirty="0"/>
+              <a:t>함수에서 그냥 사용하면 안 됨</a:t>
+            </a:r>
+            <a:endParaRPr lang="en-US" altLang="ko-KR" dirty="0"/>
+          </a:p>
+        </p:txBody>
+      </p:sp>
+    </p:spTree>
+    <p:extLst>
+      <p:ext uri="{BB962C8B-B14F-4D97-AF65-F5344CB8AC3E}">
+        <p14:creationId xmlns:p14="http://schemas.microsoft.com/office/powerpoint/2010/main" val="700757839"/>
+      </p:ext>
+    </p:extLst>
+  </p:cSld>
+  <p:clrMapOvr>
+    <a:masterClrMapping/>
+  </p:clrMapOvr>
+</p:sld>
+</file>
+
+<file path=ppt/slides/slide14.xml><?xml version="1.0" encoding="utf-8"?>
+<p:sld xmlns:a="http://schemas.openxmlformats.org/drawingml/2006/main" xmlns:r="http://schemas.openxmlformats.org/officeDocument/2006/relationships" xmlns:p="http://schemas.openxmlformats.org/presentationml/2006/main">
+  <p:cSld>
+    <p:spTree>
+      <p:nvGrpSpPr>
+        <p:cNvPr id="1" name=""/>
+        <p:cNvGrpSpPr/>
+        <p:nvPr/>
+      </p:nvGrpSpPr>
+      <p:grpSpPr>
+        <a:xfrm>
+          <a:off x="0" y="0"/>
+          <a:ext cx="0" cy="0"/>
+          <a:chOff x="0" y="0"/>
+          <a:chExt cx="0" cy="0"/>
+        </a:xfrm>
+      </p:grpSpPr>
+      <p:sp>
+        <p:nvSpPr>
+          <p:cNvPr id="2" name="제목 1">
+            <a:extLst>
+              <a:ext uri="{FF2B5EF4-FFF2-40B4-BE49-F238E27FC236}">
+                <a16:creationId xmlns:a16="http://schemas.microsoft.com/office/drawing/2014/main" id="{BF043E7F-9404-406C-8288-BBB5DDC2F889}"/>
+              </a:ext>
+            </a:extLst>
+          </p:cNvPr>
+          <p:cNvSpPr>
+            <a:spLocks noGrp="1"/>
+          </p:cNvSpPr>
+          <p:nvPr>
+            <p:ph type="title"/>
+          </p:nvPr>
+        </p:nvSpPr>
+        <p:spPr/>
+        <p:txBody>
+          <a:bodyPr/>
+          <a:lstStyle/>
+          <a:p>
+            <a:r>
+              <a:rPr lang="ko-KR" altLang="en-US" dirty="0"/>
+              <a:t>정리</a:t>
+            </a:r>
+          </a:p>
+        </p:txBody>
+      </p:sp>
+      <p:sp>
+        <p:nvSpPr>
+          <p:cNvPr id="3" name="내용 개체 틀 2">
+            <a:extLst>
+              <a:ext uri="{FF2B5EF4-FFF2-40B4-BE49-F238E27FC236}">
+                <a16:creationId xmlns:a16="http://schemas.microsoft.com/office/drawing/2014/main" id="{98B6DEA4-847B-4D46-B2DB-8E43574DD4A8}"/>
+              </a:ext>
+            </a:extLst>
+          </p:cNvPr>
+          <p:cNvSpPr>
+            <a:spLocks noGrp="1"/>
+          </p:cNvSpPr>
+          <p:nvPr>
+            <p:ph idx="1"/>
+          </p:nvPr>
+        </p:nvSpPr>
+        <p:spPr/>
+        <p:txBody>
+          <a:bodyPr/>
+          <a:lstStyle/>
+          <a:p>
+            <a:r>
+              <a:rPr lang="en-US" altLang="ko-KR" dirty="0"/>
+              <a:t> </a:t>
+            </a:r>
+            <a:r>
+              <a:rPr lang="ko-KR" altLang="en-US" dirty="0"/>
+              <a:t>생성 및 제거</a:t>
+            </a:r>
+            <a:endParaRPr lang="en-US" altLang="ko-KR" dirty="0"/>
+          </a:p>
+          <a:p>
+            <a:pPr lvl="1"/>
+            <a:r>
+              <a:rPr lang="en-US" altLang="ko-KR" dirty="0"/>
+              <a:t> </a:t>
+            </a:r>
+            <a:r>
+              <a:rPr lang="ko-KR" altLang="en-US" dirty="0"/>
+              <a:t>생성</a:t>
+            </a:r>
+            <a:r>
+              <a:rPr lang="en-US" altLang="ko-KR" dirty="0"/>
+              <a:t>: Instantiate</a:t>
+            </a:r>
+          </a:p>
+          <a:p>
+            <a:pPr lvl="1"/>
+            <a:r>
+              <a:rPr lang="ko-KR" altLang="en-US" dirty="0"/>
+              <a:t> 제거</a:t>
+            </a:r>
+            <a:r>
+              <a:rPr lang="en-US" altLang="ko-KR" dirty="0"/>
+              <a:t>: Destroy</a:t>
+            </a:r>
+          </a:p>
+          <a:p>
+            <a:pPr lvl="1"/>
+            <a:endParaRPr lang="en-US" altLang="ko-KR" dirty="0"/>
+          </a:p>
+          <a:p>
+            <a:r>
+              <a:rPr lang="en-US" altLang="ko-KR" dirty="0"/>
+              <a:t> </a:t>
+            </a:r>
+            <a:r>
+              <a:rPr lang="ko-KR" altLang="en-US" dirty="0"/>
+              <a:t>주의</a:t>
+            </a:r>
+            <a:endParaRPr lang="en-US" altLang="ko-KR" dirty="0"/>
+          </a:p>
+          <a:p>
+            <a:pPr lvl="1"/>
+            <a:r>
+              <a:rPr lang="en-US" altLang="ko-KR" dirty="0"/>
+              <a:t> </a:t>
+            </a:r>
+            <a:r>
+              <a:rPr lang="ko-KR" altLang="en-US" dirty="0"/>
+              <a:t>생성 및 제거는 </a:t>
+            </a:r>
+            <a:r>
+              <a:rPr lang="ko-KR" altLang="en-US" dirty="0">
+                <a:solidFill>
+                  <a:srgbClr val="FF0000"/>
+                </a:solidFill>
+              </a:rPr>
+              <a:t>상당히 비싼 작업</a:t>
+            </a:r>
+            <a:endParaRPr lang="en-US" altLang="ko-KR" dirty="0">
+              <a:solidFill>
+                <a:srgbClr val="FF0000"/>
+              </a:solidFill>
+            </a:endParaRPr>
+          </a:p>
+          <a:p>
+            <a:pPr lvl="1"/>
+            <a:r>
+              <a:rPr lang="en-US" altLang="ko-KR" dirty="0"/>
+              <a:t> </a:t>
+            </a:r>
+            <a:r>
+              <a:rPr lang="ko-KR" altLang="en-US" dirty="0"/>
+              <a:t>가급적 </a:t>
+            </a:r>
+            <a:r>
+              <a:rPr lang="ko-KR" altLang="en-US" dirty="0" err="1"/>
+              <a:t>사용하지말자</a:t>
+            </a:r>
+            <a:endParaRPr lang="en-US" altLang="ko-KR" dirty="0"/>
+          </a:p>
+          <a:p>
+            <a:pPr lvl="1"/>
+            <a:r>
+              <a:rPr lang="en-US" altLang="ko-KR" dirty="0"/>
+              <a:t> </a:t>
+            </a:r>
+            <a:r>
+              <a:rPr lang="ko-KR" altLang="en-US" dirty="0"/>
+              <a:t>이를 효율적으로 하는 방법이 </a:t>
+            </a:r>
+            <a:r>
+              <a:rPr lang="en-US" altLang="ko-KR" dirty="0">
+                <a:solidFill>
+                  <a:schemeClr val="accent1"/>
+                </a:solidFill>
+              </a:rPr>
+              <a:t>Object Pooling </a:t>
+            </a:r>
+            <a:r>
+              <a:rPr lang="en-US" altLang="ko-KR" dirty="0"/>
+              <a:t>(Unity </a:t>
+            </a:r>
+            <a:r>
+              <a:rPr lang="ko-KR" altLang="en-US" dirty="0"/>
+              <a:t>중급 때 사용</a:t>
+            </a:r>
+            <a:r>
+              <a:rPr lang="en-US" altLang="ko-KR" dirty="0"/>
+              <a:t>)</a:t>
+            </a:r>
+            <a:endParaRPr lang="ko-KR" altLang="en-US" dirty="0"/>
+          </a:p>
+        </p:txBody>
+      </p:sp>
+    </p:spTree>
+    <p:extLst>
+      <p:ext uri="{BB962C8B-B14F-4D97-AF65-F5344CB8AC3E}">
+        <p14:creationId xmlns:p14="http://schemas.microsoft.com/office/powerpoint/2010/main" val="3639978083"/>
+      </p:ext>
+    </p:extLst>
+  </p:cSld>
+  <p:clrMapOvr>
+    <a:masterClrMapping/>
+  </p:clrMapOvr>
+</p:sld>
+</file>
+
+<file path=ppt/slides/slide15.xml><?xml version="1.0" encoding="utf-8"?>
+<p:sld xmlns:a="http://schemas.openxmlformats.org/drawingml/2006/main" xmlns:r="http://schemas.openxmlformats.org/officeDocument/2006/relationships" xmlns:p="http://schemas.openxmlformats.org/presentationml/2006/main">
+  <p:cSld>
+    <p:spTree>
+      <p:nvGrpSpPr>
+        <p:cNvPr id="1" name=""/>
+        <p:cNvGrpSpPr/>
+        <p:nvPr/>
+      </p:nvGrpSpPr>
+      <p:grpSpPr>
+        <a:xfrm>
+          <a:off x="0" y="0"/>
+          <a:ext cx="0" cy="0"/>
+          <a:chOff x="0" y="0"/>
+          <a:chExt cx="0" cy="0"/>
+        </a:xfrm>
+      </p:grpSpPr>
+      <p:sp>
+        <p:nvSpPr>
+          <p:cNvPr id="2" name="제목 1">
+            <a:extLst>
+              <a:ext uri="{FF2B5EF4-FFF2-40B4-BE49-F238E27FC236}">
+                <a16:creationId xmlns:a16="http://schemas.microsoft.com/office/drawing/2014/main" id="{E9E8390D-4AF8-4619-8728-9C409183DEA6}"/>
+              </a:ext>
+            </a:extLst>
+          </p:cNvPr>
+          <p:cNvSpPr>
+            <a:spLocks noGrp="1"/>
+          </p:cNvSpPr>
+          <p:nvPr>
+            <p:ph type="title"/>
+          </p:nvPr>
+        </p:nvSpPr>
+        <p:spPr/>
+        <p:txBody>
+          <a:bodyPr/>
+          <a:lstStyle/>
+          <a:p>
+            <a:r>
+              <a:rPr lang="en-US" altLang="ko-KR" dirty="0"/>
+              <a:t>tag</a:t>
+            </a:r>
+            <a:endParaRPr lang="ko-KR" altLang="en-US" dirty="0"/>
+          </a:p>
+        </p:txBody>
+      </p:sp>
+      <p:sp>
+        <p:nvSpPr>
+          <p:cNvPr id="3" name="내용 개체 틀 2">
+            <a:extLst>
+              <a:ext uri="{FF2B5EF4-FFF2-40B4-BE49-F238E27FC236}">
+                <a16:creationId xmlns:a16="http://schemas.microsoft.com/office/drawing/2014/main" id="{5A81F653-D5D9-4841-A088-EB6EF3E1E540}"/>
+              </a:ext>
+            </a:extLst>
+          </p:cNvPr>
+          <p:cNvSpPr>
+            <a:spLocks noGrp="1"/>
+          </p:cNvSpPr>
+          <p:nvPr>
+            <p:ph idx="1"/>
+          </p:nvPr>
+        </p:nvSpPr>
+        <p:spPr/>
+        <p:txBody>
+          <a:bodyPr/>
+          <a:lstStyle/>
+          <a:p>
+            <a:r>
+              <a:rPr lang="en-US" altLang="ko-KR" dirty="0"/>
+              <a:t> </a:t>
+            </a:r>
+            <a:r>
+              <a:rPr lang="ko-KR" altLang="en-US" dirty="0"/>
+              <a:t>게임 오브젝트를 구분할 수 있는 </a:t>
+            </a:r>
+            <a:r>
+              <a:rPr lang="ko-KR" altLang="en-US" dirty="0">
+                <a:solidFill>
+                  <a:schemeClr val="accent1"/>
+                </a:solidFill>
+              </a:rPr>
+              <a:t>그룹 식별자</a:t>
+            </a:r>
+            <a:r>
+              <a:rPr lang="en-US" altLang="ko-KR" dirty="0">
+                <a:solidFill>
+                  <a:schemeClr val="accent1"/>
+                </a:solidFill>
+              </a:rPr>
+              <a:t> </a:t>
+            </a:r>
+            <a:endParaRPr lang="ko-KR" altLang="en-US" dirty="0">
+              <a:solidFill>
+                <a:schemeClr val="accent1"/>
+              </a:solidFill>
+            </a:endParaRPr>
+          </a:p>
+        </p:txBody>
+      </p:sp>
+      <p:pic>
+        <p:nvPicPr>
+          <p:cNvPr id="5" name="그림 4">
+            <a:extLst>
+              <a:ext uri="{FF2B5EF4-FFF2-40B4-BE49-F238E27FC236}">
+                <a16:creationId xmlns:a16="http://schemas.microsoft.com/office/drawing/2014/main" id="{6BD992FC-CA19-46E7-86F6-FC75FA9C6131}"/>
+              </a:ext>
+            </a:extLst>
+          </p:cNvPr>
+          <p:cNvPicPr>
+            <a:picLocks noChangeAspect="1"/>
+          </p:cNvPicPr>
+          <p:nvPr/>
+        </p:nvPicPr>
+        <p:blipFill>
+          <a:blip r:embed="rId2"/>
+          <a:stretch>
+            <a:fillRect/>
+          </a:stretch>
+        </p:blipFill>
+        <p:spPr>
+          <a:xfrm>
+            <a:off x="4314576" y="4210416"/>
+            <a:ext cx="3562847" cy="581106"/>
+          </a:xfrm>
+          <a:prstGeom prst="rect">
+            <a:avLst/>
+          </a:prstGeom>
+        </p:spPr>
+      </p:pic>
+      <p:sp>
+        <p:nvSpPr>
+          <p:cNvPr id="6" name="직사각형 5">
+            <a:extLst>
+              <a:ext uri="{FF2B5EF4-FFF2-40B4-BE49-F238E27FC236}">
+                <a16:creationId xmlns:a16="http://schemas.microsoft.com/office/drawing/2014/main" id="{360129A7-03B9-40EA-BAF8-F904388A2FF0}"/>
+              </a:ext>
+            </a:extLst>
+          </p:cNvPr>
+          <p:cNvSpPr/>
+          <p:nvPr/>
+        </p:nvSpPr>
+        <p:spPr>
+          <a:xfrm>
+            <a:off x="4671487" y="4590697"/>
+            <a:ext cx="1117600" cy="200825"/>
+          </a:xfrm>
+          <a:prstGeom prst="rect">
+            <a:avLst/>
+          </a:prstGeom>
+          <a:noFill/>
+          <a:ln w="38100">
+            <a:solidFill>
+              <a:srgbClr val="FF0000"/>
+            </a:solidFill>
+          </a:ln>
+        </p:spPr>
+        <p:style>
+          <a:lnRef idx="2">
+            <a:schemeClr val="accent1">
+              <a:shade val="50000"/>
+            </a:schemeClr>
+          </a:lnRef>
+          <a:fillRef idx="1">
+            <a:schemeClr val="accent1"/>
+          </a:fillRef>
+          <a:effectRef idx="0">
+            <a:schemeClr val="accent1"/>
+          </a:effectRef>
+          <a:fontRef idx="minor">
+            <a:schemeClr val="lt1"/>
+          </a:fontRef>
+        </p:style>
+        <p:txBody>
+          <a:bodyPr rtlCol="0" anchor="ctr"/>
+          <a:lstStyle/>
+          <a:p>
+            <a:pPr algn="ctr"/>
+            <a:endParaRPr lang="ko-KR" altLang="en-US"/>
+          </a:p>
+        </p:txBody>
+      </p:sp>
+    </p:spTree>
+    <p:extLst>
+      <p:ext uri="{BB962C8B-B14F-4D97-AF65-F5344CB8AC3E}">
+        <p14:creationId xmlns:p14="http://schemas.microsoft.com/office/powerpoint/2010/main" val="3395128576"/>
+      </p:ext>
+    </p:extLst>
+  </p:cSld>
+  <p:clrMapOvr>
+    <a:masterClrMapping/>
+  </p:clrMapOvr>
+  <p:timing>
+    <p:tnLst>
+      <p:par>
+        <p:cTn id="1" dur="indefinite" restart="never" nodeType="tmRoot">
+          <p:childTnLst>
+            <p:seq concurrent="1" nextAc="seek">
+              <p:cTn id="2" dur="indefinite" nodeType="mainSeq">
+                <p:childTnLst>
+                  <p:par>
+                    <p:cTn id="3" fill="hold">
+                      <p:stCondLst>
+                        <p:cond delay="indefinite"/>
+                      </p:stCondLst>
+                      <p:childTnLst>
+                        <p:par>
+                          <p:cTn id="4" fill="hold">
+                            <p:stCondLst>
+                              <p:cond delay="0"/>
+                            </p:stCondLst>
+                            <p:childTnLst>
+                              <p:par>
+                                <p:cTn id="5" presetID="1" presetClass="entr" presetSubtype="0" fill="hold" grpId="0" nodeType="clickEffect">
+                                  <p:stCondLst>
+                                    <p:cond delay="0"/>
+                                  </p:stCondLst>
+                                  <p:childTnLst>
+                                    <p:set>
+                                      <p:cBhvr>
+                                        <p:cTn id="6" dur="1" fill="hold">
+                                          <p:stCondLst>
+                                            <p:cond delay="0"/>
+                                          </p:stCondLst>
+                                        </p:cTn>
+                                        <p:tgtEl>
+                                          <p:spTgt spid="6"/>
+                                        </p:tgtEl>
+                                        <p:attrNameLst>
+                                          <p:attrName>style.visibility</p:attrName>
+                                        </p:attrNameLst>
+                                      </p:cBhvr>
+                                      <p:to>
+                                        <p:strVal val="visible"/>
+                                      </p:to>
+                                    </p:set>
+                                  </p:childTnLst>
+                                </p:cTn>
+                              </p:par>
+                            </p:childTnLst>
+                          </p:cTn>
+                        </p:par>
+                      </p:childTnLst>
+                    </p:cTn>
+                  </p:par>
+                </p:childTnLst>
+              </p:cTn>
+              <p:prevCondLst>
+                <p:cond evt="onPrev" delay="0">
+                  <p:tgtEl>
+                    <p:sldTgt/>
+                  </p:tgtEl>
+                </p:cond>
+              </p:prevCondLst>
+              <p:nextCondLst>
+                <p:cond evt="onNext" delay="0">
+                  <p:tgtEl>
+                    <p:sldTgt/>
+                  </p:tgtEl>
+                </p:cond>
+              </p:nextCondLst>
+            </p:seq>
+          </p:childTnLst>
+        </p:cTn>
+      </p:par>
+    </p:tnLst>
+    <p:bldLst>
+      <p:bldP spid="6" grpId="0" animBg="1"/>
+    </p:bldLst>
+  </p:timing>
+</p:sld>
+</file>
+
+<file path=ppt/slides/slide16.xml><?xml version="1.0" encoding="utf-8"?>
+<p:sld xmlns:a="http://schemas.openxmlformats.org/drawingml/2006/main" xmlns:r="http://schemas.openxmlformats.org/officeDocument/2006/relationships" xmlns:p="http://schemas.openxmlformats.org/presentationml/2006/main">
+  <p:cSld>
+    <p:spTree>
+      <p:nvGrpSpPr>
+        <p:cNvPr id="1" name=""/>
+        <p:cNvGrpSpPr/>
+        <p:nvPr/>
+      </p:nvGrpSpPr>
+      <p:grpSpPr>
+        <a:xfrm>
+          <a:off x="0" y="0"/>
+          <a:ext cx="0" cy="0"/>
+          <a:chOff x="0" y="0"/>
+          <a:chExt cx="0" cy="0"/>
+        </a:xfrm>
+      </p:grpSpPr>
+      <p:sp>
+        <p:nvSpPr>
+          <p:cNvPr id="2" name="제목 1">
+            <a:extLst>
+              <a:ext uri="{FF2B5EF4-FFF2-40B4-BE49-F238E27FC236}">
+                <a16:creationId xmlns:a16="http://schemas.microsoft.com/office/drawing/2014/main" id="{E9E8390D-4AF8-4619-8728-9C409183DEA6}"/>
+              </a:ext>
+            </a:extLst>
+          </p:cNvPr>
+          <p:cNvSpPr>
+            <a:spLocks noGrp="1"/>
+          </p:cNvSpPr>
+          <p:nvPr>
+            <p:ph type="title"/>
+          </p:nvPr>
+        </p:nvSpPr>
+        <p:spPr/>
+        <p:txBody>
+          <a:bodyPr/>
+          <a:lstStyle/>
+          <a:p>
+            <a:r>
+              <a:rPr lang="en-US" altLang="ko-KR" dirty="0" err="1"/>
+              <a:t>LayerMask</a:t>
+            </a:r>
+            <a:endParaRPr lang="ko-KR" altLang="en-US" dirty="0"/>
+          </a:p>
+        </p:txBody>
+      </p:sp>
+      <p:sp>
+        <p:nvSpPr>
+          <p:cNvPr id="3" name="내용 개체 틀 2">
+            <a:extLst>
+              <a:ext uri="{FF2B5EF4-FFF2-40B4-BE49-F238E27FC236}">
+                <a16:creationId xmlns:a16="http://schemas.microsoft.com/office/drawing/2014/main" id="{5A81F653-D5D9-4841-A088-EB6EF3E1E540}"/>
+              </a:ext>
+            </a:extLst>
+          </p:cNvPr>
+          <p:cNvSpPr>
+            <a:spLocks noGrp="1"/>
+          </p:cNvSpPr>
+          <p:nvPr>
+            <p:ph idx="1"/>
+          </p:nvPr>
+        </p:nvSpPr>
+        <p:spPr/>
+        <p:txBody>
+          <a:bodyPr/>
+          <a:lstStyle/>
+          <a:p>
+            <a:r>
+              <a:rPr lang="en-US" altLang="ko-KR" dirty="0"/>
+              <a:t> </a:t>
+            </a:r>
+            <a:r>
+              <a:rPr lang="ko-KR" altLang="en-US" dirty="0"/>
+              <a:t>게임 오브젝트를 구분할 수 있는 </a:t>
+            </a:r>
+            <a:r>
+              <a:rPr lang="ko-KR" altLang="en-US" dirty="0">
+                <a:solidFill>
+                  <a:schemeClr val="accent1"/>
+                </a:solidFill>
+              </a:rPr>
+              <a:t>그룹 식별자</a:t>
+            </a:r>
+            <a:r>
+              <a:rPr lang="en-US" altLang="ko-KR" dirty="0">
+                <a:solidFill>
+                  <a:schemeClr val="accent1"/>
+                </a:solidFill>
+              </a:rPr>
+              <a:t> </a:t>
+            </a:r>
+          </a:p>
+          <a:p>
+            <a:r>
+              <a:rPr lang="en-US" altLang="ko-KR" dirty="0"/>
+              <a:t> </a:t>
+            </a:r>
+            <a:r>
+              <a:rPr lang="ko-KR" altLang="en-US" dirty="0"/>
+              <a:t>다만 </a:t>
+            </a:r>
+            <a:r>
+              <a:rPr lang="ko-KR" altLang="en-US" dirty="0">
+                <a:solidFill>
+                  <a:schemeClr val="accent1"/>
+                </a:solidFill>
+              </a:rPr>
+              <a:t>물리적인 처리</a:t>
+            </a:r>
+            <a:r>
+              <a:rPr lang="ko-KR" altLang="en-US" dirty="0"/>
+              <a:t>에 대한 영향 여부를 구분하기 위해 사용</a:t>
+            </a:r>
+            <a:endParaRPr lang="en-US" altLang="ko-KR" dirty="0"/>
+          </a:p>
+          <a:p>
+            <a:r>
+              <a:rPr lang="en-US" altLang="ko-KR" dirty="0"/>
+              <a:t> tag</a:t>
+            </a:r>
+            <a:r>
+              <a:rPr lang="ko-KR" altLang="en-US" dirty="0"/>
+              <a:t>와 달리 </a:t>
+            </a:r>
+            <a:r>
+              <a:rPr lang="ko-KR" altLang="en-US" u="sng" dirty="0"/>
+              <a:t>개수에 제한</a:t>
+            </a:r>
+            <a:r>
+              <a:rPr lang="ko-KR" altLang="en-US" dirty="0"/>
+              <a:t>이 있기 때문에 신중하게 사용해야 한다</a:t>
+            </a:r>
+            <a:r>
+              <a:rPr lang="en-US" altLang="ko-KR" dirty="0"/>
+              <a:t>.</a:t>
+            </a:r>
+            <a:endParaRPr lang="ko-KR" altLang="en-US" dirty="0"/>
+          </a:p>
+        </p:txBody>
+      </p:sp>
+      <p:pic>
+        <p:nvPicPr>
+          <p:cNvPr id="5" name="그림 4">
+            <a:extLst>
+              <a:ext uri="{FF2B5EF4-FFF2-40B4-BE49-F238E27FC236}">
+                <a16:creationId xmlns:a16="http://schemas.microsoft.com/office/drawing/2014/main" id="{6BD992FC-CA19-46E7-86F6-FC75FA9C6131}"/>
+              </a:ext>
+            </a:extLst>
+          </p:cNvPr>
+          <p:cNvPicPr>
+            <a:picLocks noChangeAspect="1"/>
+          </p:cNvPicPr>
+          <p:nvPr/>
+        </p:nvPicPr>
+        <p:blipFill>
+          <a:blip r:embed="rId2"/>
+          <a:stretch>
+            <a:fillRect/>
+          </a:stretch>
+        </p:blipFill>
+        <p:spPr>
+          <a:xfrm>
+            <a:off x="4314576" y="4210416"/>
+            <a:ext cx="3562847" cy="581106"/>
+          </a:xfrm>
+          <a:prstGeom prst="rect">
+            <a:avLst/>
+          </a:prstGeom>
+        </p:spPr>
+      </p:pic>
+      <p:sp>
+        <p:nvSpPr>
+          <p:cNvPr id="6" name="직사각형 5">
+            <a:extLst>
+              <a:ext uri="{FF2B5EF4-FFF2-40B4-BE49-F238E27FC236}">
+                <a16:creationId xmlns:a16="http://schemas.microsoft.com/office/drawing/2014/main" id="{360129A7-03B9-40EA-BAF8-F904388A2FF0}"/>
+              </a:ext>
+            </a:extLst>
+          </p:cNvPr>
+          <p:cNvSpPr/>
+          <p:nvPr/>
+        </p:nvSpPr>
+        <p:spPr>
+          <a:xfrm>
+            <a:off x="6291288" y="4590697"/>
+            <a:ext cx="1117600" cy="200825"/>
+          </a:xfrm>
+          <a:prstGeom prst="rect">
+            <a:avLst/>
+          </a:prstGeom>
+          <a:noFill/>
+          <a:ln w="38100">
+            <a:solidFill>
+              <a:srgbClr val="FF0000"/>
+            </a:solidFill>
+          </a:ln>
+        </p:spPr>
+        <p:style>
+          <a:lnRef idx="2">
+            <a:schemeClr val="accent1">
+              <a:shade val="50000"/>
+            </a:schemeClr>
+          </a:lnRef>
+          <a:fillRef idx="1">
+            <a:schemeClr val="accent1"/>
+          </a:fillRef>
+          <a:effectRef idx="0">
+            <a:schemeClr val="accent1"/>
+          </a:effectRef>
+          <a:fontRef idx="minor">
+            <a:schemeClr val="lt1"/>
+          </a:fontRef>
+        </p:style>
+        <p:txBody>
+          <a:bodyPr rtlCol="0" anchor="ctr"/>
+          <a:lstStyle/>
+          <a:p>
+            <a:pPr algn="ctr"/>
+            <a:endParaRPr lang="ko-KR" altLang="en-US"/>
+          </a:p>
+        </p:txBody>
+      </p:sp>
+    </p:spTree>
+    <p:extLst>
+      <p:ext uri="{BB962C8B-B14F-4D97-AF65-F5344CB8AC3E}">
+        <p14:creationId xmlns:p14="http://schemas.microsoft.com/office/powerpoint/2010/main" val="554647795"/>
+      </p:ext>
+    </p:extLst>
+  </p:cSld>
+  <p:clrMapOvr>
+    <a:masterClrMapping/>
+  </p:clrMapOvr>
+  <p:timing>
+    <p:tnLst>
+      <p:par>
+        <p:cTn id="1" dur="indefinite" restart="never" nodeType="tmRoot">
+          <p:childTnLst>
+            <p:seq concurrent="1" nextAc="seek">
+              <p:cTn id="2" dur="indefinite" nodeType="mainSeq">
+                <p:childTnLst>
+                  <p:par>
+                    <p:cTn id="3" fill="hold">
+                      <p:stCondLst>
+                        <p:cond delay="indefinite"/>
+                      </p:stCondLst>
+                      <p:childTnLst>
+                        <p:par>
+                          <p:cTn id="4" fill="hold">
+                            <p:stCondLst>
+                              <p:cond delay="0"/>
+                            </p:stCondLst>
+                            <p:childTnLst>
+                              <p:par>
+                                <p:cTn id="5" presetID="1" presetClass="entr" presetSubtype="0" fill="hold" grpId="0" nodeType="clickEffect">
+                                  <p:stCondLst>
+                                    <p:cond delay="0"/>
+                                  </p:stCondLst>
+                                  <p:childTnLst>
+                                    <p:set>
+                                      <p:cBhvr>
+                                        <p:cTn id="6" dur="1" fill="hold">
+                                          <p:stCondLst>
+                                            <p:cond delay="0"/>
+                                          </p:stCondLst>
+                                        </p:cTn>
+                                        <p:tgtEl>
+                                          <p:spTgt spid="6"/>
+                                        </p:tgtEl>
+                                        <p:attrNameLst>
+                                          <p:attrName>style.visibility</p:attrName>
+                                        </p:attrNameLst>
+                                      </p:cBhvr>
+                                      <p:to>
+                                        <p:strVal val="visible"/>
+                                      </p:to>
+                                    </p:set>
+                                  </p:childTnLst>
+                                </p:cTn>
+                              </p:par>
+                            </p:childTnLst>
+                          </p:cTn>
+                        </p:par>
+                      </p:childTnLst>
+                    </p:cTn>
+                  </p:par>
+                </p:childTnLst>
+              </p:cTn>
+              <p:prevCondLst>
+                <p:cond evt="onPrev" delay="0">
+                  <p:tgtEl>
+                    <p:sldTgt/>
+                  </p:tgtEl>
+                </p:cond>
+              </p:prevCondLst>
+              <p:nextCondLst>
+                <p:cond evt="onNext" delay="0">
+                  <p:tgtEl>
+                    <p:sldTgt/>
+                  </p:tgtEl>
+                </p:cond>
+              </p:nextCondLst>
+            </p:seq>
+          </p:childTnLst>
+        </p:cTn>
+      </p:par>
+    </p:tnLst>
+    <p:bldLst>
+      <p:bldP spid="6" grpId="0" animBg="1"/>
+    </p:bldLst>
+  </p:timing>
+</p:sld>
+</file>
+
+<file path=ppt/slides/slide17.xml><?xml version="1.0" encoding="utf-8"?>
+<p:sld xmlns:a="http://schemas.openxmlformats.org/drawingml/2006/main" xmlns:r="http://schemas.openxmlformats.org/officeDocument/2006/relationships" xmlns:p="http://schemas.openxmlformats.org/presentationml/2006/main">
+  <p:cSld>
+    <p:spTree>
+      <p:nvGrpSpPr>
+        <p:cNvPr id="1" name=""/>
+        <p:cNvGrpSpPr/>
+        <p:nvPr/>
+      </p:nvGrpSpPr>
+      <p:grpSpPr>
+        <a:xfrm>
+          <a:off x="0" y="0"/>
+          <a:ext cx="0" cy="0"/>
+          <a:chOff x="0" y="0"/>
+          <a:chExt cx="0" cy="0"/>
+        </a:xfrm>
+      </p:grpSpPr>
+      <p:sp>
+        <p:nvSpPr>
+          <p:cNvPr id="2" name="제목 1">
+            <a:extLst>
+              <a:ext uri="{FF2B5EF4-FFF2-40B4-BE49-F238E27FC236}">
+                <a16:creationId xmlns:a16="http://schemas.microsoft.com/office/drawing/2014/main" id="{6F27A4F2-0AB4-4B45-968B-27A63A2D6BC3}"/>
+              </a:ext>
+            </a:extLst>
+          </p:cNvPr>
+          <p:cNvSpPr>
+            <a:spLocks noGrp="1"/>
+          </p:cNvSpPr>
+          <p:nvPr>
+            <p:ph type="title"/>
+          </p:nvPr>
+        </p:nvSpPr>
+        <p:spPr/>
+        <p:txBody>
+          <a:bodyPr/>
+          <a:lstStyle/>
+          <a:p>
+            <a:r>
+              <a:rPr lang="en-US" altLang="ko-KR" dirty="0" err="1"/>
+              <a:t>Raycast</a:t>
+            </a:r>
+            <a:endParaRPr lang="ko-KR" altLang="en-US" dirty="0"/>
+          </a:p>
+        </p:txBody>
+      </p:sp>
+      <p:sp>
+        <p:nvSpPr>
+          <p:cNvPr id="3" name="내용 개체 틀 2">
+            <a:extLst>
+              <a:ext uri="{FF2B5EF4-FFF2-40B4-BE49-F238E27FC236}">
+                <a16:creationId xmlns:a16="http://schemas.microsoft.com/office/drawing/2014/main" id="{D7F0BA45-59A4-4DA8-B2A7-21B11AEA8CBC}"/>
+              </a:ext>
+            </a:extLst>
+          </p:cNvPr>
+          <p:cNvSpPr>
+            <a:spLocks noGrp="1"/>
+          </p:cNvSpPr>
+          <p:nvPr>
+            <p:ph idx="1"/>
+          </p:nvPr>
+        </p:nvSpPr>
+        <p:spPr/>
+        <p:txBody>
+          <a:bodyPr/>
+          <a:lstStyle/>
+          <a:p>
+            <a:r>
+              <a:rPr lang="en-US" altLang="ko-KR" dirty="0"/>
+              <a:t> </a:t>
+            </a:r>
+            <a:r>
+              <a:rPr lang="ko-KR" altLang="en-US" dirty="0"/>
+              <a:t>게임 오브젝트의 원점에서 내가 설정한 방향으로 </a:t>
+            </a:r>
+            <a:r>
+              <a:rPr lang="en-US" altLang="ko-KR" dirty="0"/>
+              <a:t>Ray</a:t>
+            </a:r>
+            <a:r>
+              <a:rPr lang="ko-KR" altLang="en-US" dirty="0"/>
+              <a:t>를 날려 내가 설정한 거리 이내에 물체가 있는지 없는지 충돌감지해주는 기능</a:t>
+            </a:r>
+          </a:p>
+        </p:txBody>
+      </p:sp>
+      <p:pic>
+        <p:nvPicPr>
+          <p:cNvPr id="5" name="그림 4">
+            <a:extLst>
+              <a:ext uri="{FF2B5EF4-FFF2-40B4-BE49-F238E27FC236}">
+                <a16:creationId xmlns:a16="http://schemas.microsoft.com/office/drawing/2014/main" id="{1DB68153-5E56-4661-B6BB-C87124B09DBB}"/>
+              </a:ext>
+            </a:extLst>
+          </p:cNvPr>
+          <p:cNvPicPr>
+            <a:picLocks noChangeAspect="1"/>
+          </p:cNvPicPr>
+          <p:nvPr/>
+        </p:nvPicPr>
+        <p:blipFill>
+          <a:blip r:embed="rId2"/>
+          <a:stretch>
+            <a:fillRect/>
+          </a:stretch>
+        </p:blipFill>
+        <p:spPr>
+          <a:xfrm>
+            <a:off x="4107417" y="2853132"/>
+            <a:ext cx="3977166" cy="3639743"/>
+          </a:xfrm>
+          <a:prstGeom prst="rect">
+            <a:avLst/>
+          </a:prstGeom>
+        </p:spPr>
+      </p:pic>
+      <p:sp>
+        <p:nvSpPr>
+          <p:cNvPr id="4" name="TextBox 3">
+            <a:extLst>
+              <a:ext uri="{FF2B5EF4-FFF2-40B4-BE49-F238E27FC236}">
+                <a16:creationId xmlns:a16="http://schemas.microsoft.com/office/drawing/2014/main" id="{998A34DB-0255-4196-B138-1062007428FE}"/>
+              </a:ext>
+            </a:extLst>
+          </p:cNvPr>
+          <p:cNvSpPr txBox="1"/>
+          <p:nvPr/>
+        </p:nvSpPr>
+        <p:spPr>
+          <a:xfrm>
+            <a:off x="8226208" y="6215876"/>
+            <a:ext cx="3279252" cy="276999"/>
+          </a:xfrm>
+          <a:prstGeom prst="rect">
+            <a:avLst/>
+          </a:prstGeom>
+          <a:noFill/>
+        </p:spPr>
+        <p:txBody>
+          <a:bodyPr wrap="square" rtlCol="0">
+            <a:spAutoFit/>
+          </a:bodyPr>
+          <a:lstStyle/>
+          <a:p>
+            <a:r>
+              <a:rPr lang="ko-KR" altLang="en-US" sz="1200" dirty="0"/>
+              <a:t>출처</a:t>
+            </a:r>
+            <a:r>
+              <a:rPr lang="en-US" altLang="ko-KR" sz="1200" dirty="0"/>
+              <a:t>: https://chameleonstudio.tistory.com/63</a:t>
+            </a:r>
+            <a:endParaRPr lang="ko-KR" altLang="en-US" sz="1200" dirty="0"/>
+          </a:p>
+        </p:txBody>
+      </p:sp>
+    </p:spTree>
+    <p:extLst>
+      <p:ext uri="{BB962C8B-B14F-4D97-AF65-F5344CB8AC3E}">
+        <p14:creationId xmlns:p14="http://schemas.microsoft.com/office/powerpoint/2010/main" val="2735231408"/>
+      </p:ext>
+    </p:extLst>
+  </p:cSld>
+  <p:clrMapOvr>
+    <a:masterClrMapping/>
+  </p:clrMapOvr>
+</p:sld>
+</file>
+
+<file path=ppt/slides/slide18.xml><?xml version="1.0" encoding="utf-8"?>
+<p:sld xmlns:a="http://schemas.openxmlformats.org/drawingml/2006/main" xmlns:r="http://schemas.openxmlformats.org/officeDocument/2006/relationships" xmlns:p="http://schemas.openxmlformats.org/presentationml/2006/main">
+  <p:cSld>
+    <p:spTree>
+      <p:nvGrpSpPr>
+        <p:cNvPr id="1" name=""/>
+        <p:cNvGrpSpPr/>
+        <p:nvPr/>
+      </p:nvGrpSpPr>
+      <p:grpSpPr>
+        <a:xfrm>
+          <a:off x="0" y="0"/>
+          <a:ext cx="0" cy="0"/>
+          <a:chOff x="0" y="0"/>
+          <a:chExt cx="0" cy="0"/>
+        </a:xfrm>
+      </p:grpSpPr>
+      <p:sp>
+        <p:nvSpPr>
+          <p:cNvPr id="2" name="제목 1">
+            <a:extLst>
+              <a:ext uri="{FF2B5EF4-FFF2-40B4-BE49-F238E27FC236}">
+                <a16:creationId xmlns:a16="http://schemas.microsoft.com/office/drawing/2014/main" id="{6F27A4F2-0AB4-4B45-968B-27A63A2D6BC3}"/>
+              </a:ext>
+            </a:extLst>
+          </p:cNvPr>
+          <p:cNvSpPr>
+            <a:spLocks noGrp="1"/>
+          </p:cNvSpPr>
+          <p:nvPr>
+            <p:ph type="title"/>
+          </p:nvPr>
+        </p:nvSpPr>
+        <p:spPr/>
+        <p:txBody>
+          <a:bodyPr/>
+          <a:lstStyle/>
+          <a:p>
+            <a:r>
+              <a:rPr lang="en-US" altLang="ko-KR" dirty="0" err="1"/>
+              <a:t>Raycast</a:t>
+            </a:r>
+            <a:endParaRPr lang="ko-KR" altLang="en-US" dirty="0"/>
+          </a:p>
+        </p:txBody>
+      </p:sp>
+      <p:sp>
+        <p:nvSpPr>
+          <p:cNvPr id="3" name="내용 개체 틀 2">
+            <a:extLst>
+              <a:ext uri="{FF2B5EF4-FFF2-40B4-BE49-F238E27FC236}">
+                <a16:creationId xmlns:a16="http://schemas.microsoft.com/office/drawing/2014/main" id="{D7F0BA45-59A4-4DA8-B2A7-21B11AEA8CBC}"/>
+              </a:ext>
+            </a:extLst>
+          </p:cNvPr>
+          <p:cNvSpPr>
+            <a:spLocks noGrp="1"/>
+          </p:cNvSpPr>
+          <p:nvPr>
+            <p:ph idx="1"/>
+          </p:nvPr>
+        </p:nvSpPr>
+        <p:spPr/>
+        <p:txBody>
+          <a:bodyPr/>
+          <a:lstStyle/>
+          <a:p>
+            <a:r>
+              <a:rPr lang="en-US" altLang="ko-KR" dirty="0"/>
+              <a:t> </a:t>
+            </a:r>
+            <a:r>
+              <a:rPr lang="ko-KR" altLang="en-US" dirty="0">
+                <a:solidFill>
+                  <a:srgbClr val="FF0000"/>
+                </a:solidFill>
+              </a:rPr>
+              <a:t>게임 오브젝트의 원점</a:t>
+            </a:r>
+            <a:r>
+              <a:rPr lang="ko-KR" altLang="en-US" dirty="0"/>
+              <a:t>에서 내가 설정한 방향으로 </a:t>
+            </a:r>
+            <a:r>
+              <a:rPr lang="en-US" altLang="ko-KR" dirty="0"/>
+              <a:t>Ray</a:t>
+            </a:r>
+            <a:r>
+              <a:rPr lang="ko-KR" altLang="en-US" dirty="0"/>
+              <a:t>를 날려 내가 설정한 거리 이내에 물체가 있는지 없는지 충돌감지해주는 기능</a:t>
+            </a:r>
+          </a:p>
+        </p:txBody>
+      </p:sp>
+      <p:pic>
+        <p:nvPicPr>
+          <p:cNvPr id="5" name="그림 4">
+            <a:extLst>
+              <a:ext uri="{FF2B5EF4-FFF2-40B4-BE49-F238E27FC236}">
+                <a16:creationId xmlns:a16="http://schemas.microsoft.com/office/drawing/2014/main" id="{1DB68153-5E56-4661-B6BB-C87124B09DBB}"/>
+              </a:ext>
+            </a:extLst>
+          </p:cNvPr>
+          <p:cNvPicPr>
+            <a:picLocks noChangeAspect="1"/>
+          </p:cNvPicPr>
+          <p:nvPr/>
+        </p:nvPicPr>
+        <p:blipFill>
+          <a:blip r:embed="rId2"/>
+          <a:stretch>
+            <a:fillRect/>
+          </a:stretch>
+        </p:blipFill>
+        <p:spPr>
+          <a:xfrm>
+            <a:off x="4107417" y="2853132"/>
+            <a:ext cx="3977166" cy="3639743"/>
+          </a:xfrm>
+          <a:prstGeom prst="rect">
+            <a:avLst/>
+          </a:prstGeom>
+        </p:spPr>
+      </p:pic>
+      <p:sp>
+        <p:nvSpPr>
+          <p:cNvPr id="6" name="직사각형 5">
+            <a:extLst>
+              <a:ext uri="{FF2B5EF4-FFF2-40B4-BE49-F238E27FC236}">
+                <a16:creationId xmlns:a16="http://schemas.microsoft.com/office/drawing/2014/main" id="{1E7F5636-2AEF-4175-AFC0-E71AB2AFBFCC}"/>
+              </a:ext>
+            </a:extLst>
+          </p:cNvPr>
+          <p:cNvSpPr/>
+          <p:nvPr/>
+        </p:nvSpPr>
+        <p:spPr>
+          <a:xfrm>
+            <a:off x="4514740" y="3711132"/>
+            <a:ext cx="1117600" cy="381897"/>
+          </a:xfrm>
+          <a:prstGeom prst="rect">
+            <a:avLst/>
+          </a:prstGeom>
+          <a:noFill/>
+          <a:ln w="38100">
+            <a:solidFill>
+              <a:srgbClr val="FF0000"/>
+            </a:solidFill>
+          </a:ln>
+        </p:spPr>
+        <p:style>
+          <a:lnRef idx="2">
+            <a:schemeClr val="accent1">
+              <a:shade val="50000"/>
+            </a:schemeClr>
+          </a:lnRef>
+          <a:fillRef idx="1">
+            <a:schemeClr val="accent1"/>
+          </a:fillRef>
+          <a:effectRef idx="0">
+            <a:schemeClr val="accent1"/>
+          </a:effectRef>
+          <a:fontRef idx="minor">
+            <a:schemeClr val="lt1"/>
+          </a:fontRef>
+        </p:style>
+        <p:txBody>
+          <a:bodyPr rtlCol="0" anchor="ctr"/>
+          <a:lstStyle/>
+          <a:p>
+            <a:pPr algn="ctr"/>
+            <a:endParaRPr lang="ko-KR" altLang="en-US"/>
+          </a:p>
+        </p:txBody>
+      </p:sp>
+      <p:sp>
+        <p:nvSpPr>
+          <p:cNvPr id="7" name="TextBox 6">
+            <a:extLst>
+              <a:ext uri="{FF2B5EF4-FFF2-40B4-BE49-F238E27FC236}">
+                <a16:creationId xmlns:a16="http://schemas.microsoft.com/office/drawing/2014/main" id="{CF28F54C-BF41-4802-9BFF-C9452A45FB78}"/>
+              </a:ext>
+            </a:extLst>
+          </p:cNvPr>
+          <p:cNvSpPr txBox="1"/>
+          <p:nvPr/>
+        </p:nvSpPr>
+        <p:spPr>
+          <a:xfrm>
+            <a:off x="8226208" y="6215876"/>
+            <a:ext cx="3279252" cy="276999"/>
+          </a:xfrm>
+          <a:prstGeom prst="rect">
+            <a:avLst/>
+          </a:prstGeom>
+          <a:noFill/>
+        </p:spPr>
+        <p:txBody>
+          <a:bodyPr wrap="square" rtlCol="0">
+            <a:spAutoFit/>
+          </a:bodyPr>
+          <a:lstStyle/>
+          <a:p>
+            <a:r>
+              <a:rPr lang="ko-KR" altLang="en-US" sz="1200" dirty="0"/>
+              <a:t>출처</a:t>
+            </a:r>
+            <a:r>
+              <a:rPr lang="en-US" altLang="ko-KR" sz="1200" dirty="0"/>
+              <a:t>: https://chameleonstudio.tistory.com/63</a:t>
+            </a:r>
+            <a:endParaRPr lang="ko-KR" altLang="en-US" sz="1200" dirty="0"/>
+          </a:p>
+        </p:txBody>
+      </p:sp>
+    </p:spTree>
+    <p:extLst>
+      <p:ext uri="{BB962C8B-B14F-4D97-AF65-F5344CB8AC3E}">
+        <p14:creationId xmlns:p14="http://schemas.microsoft.com/office/powerpoint/2010/main" val="810620239"/>
+      </p:ext>
+    </p:extLst>
+  </p:cSld>
+  <p:clrMapOvr>
+    <a:masterClrMapping/>
+  </p:clrMapOvr>
+  <p:timing>
+    <p:tnLst>
+      <p:par>
+        <p:cTn id="1" dur="indefinite" restart="never" nodeType="tmRoot">
+          <p:childTnLst>
+            <p:seq concurrent="1" nextAc="seek">
+              <p:cTn id="2" dur="indefinite" nodeType="mainSeq">
+                <p:childTnLst>
+                  <p:par>
+                    <p:cTn id="3" fill="hold">
+                      <p:stCondLst>
+                        <p:cond delay="indefinite"/>
+                      </p:stCondLst>
+                      <p:childTnLst>
+                        <p:par>
+                          <p:cTn id="4" fill="hold">
+                            <p:stCondLst>
+                              <p:cond delay="0"/>
+                            </p:stCondLst>
+                            <p:childTnLst>
+                              <p:par>
+                                <p:cTn id="5" presetID="1" presetClass="entr" presetSubtype="0" fill="hold" grpId="0" nodeType="clickEffect">
+                                  <p:stCondLst>
+                                    <p:cond delay="0"/>
+                                  </p:stCondLst>
+                                  <p:childTnLst>
+                                    <p:set>
+                                      <p:cBhvr>
+                                        <p:cTn id="6" dur="1" fill="hold">
+                                          <p:stCondLst>
+                                            <p:cond delay="0"/>
+                                          </p:stCondLst>
+                                        </p:cTn>
+                                        <p:tgtEl>
+                                          <p:spTgt spid="6"/>
+                                        </p:tgtEl>
+                                        <p:attrNameLst>
+                                          <p:attrName>style.visibility</p:attrName>
+                                        </p:attrNameLst>
+                                      </p:cBhvr>
+                                      <p:to>
+                                        <p:strVal val="visible"/>
+                                      </p:to>
+                                    </p:set>
+                                  </p:childTnLst>
+                                </p:cTn>
+                              </p:par>
+                            </p:childTnLst>
+                          </p:cTn>
+                        </p:par>
+                      </p:childTnLst>
+                    </p:cTn>
+                  </p:par>
+                </p:childTnLst>
+              </p:cTn>
+              <p:prevCondLst>
+                <p:cond evt="onPrev" delay="0">
+                  <p:tgtEl>
+                    <p:sldTgt/>
+                  </p:tgtEl>
+                </p:cond>
+              </p:prevCondLst>
+              <p:nextCondLst>
+                <p:cond evt="onNext" delay="0">
+                  <p:tgtEl>
+                    <p:sldTgt/>
+                  </p:tgtEl>
+                </p:cond>
+              </p:nextCondLst>
+            </p:seq>
+          </p:childTnLst>
+        </p:cTn>
+      </p:par>
+    </p:tnLst>
+    <p:bldLst>
+      <p:bldP spid="6" grpId="0" animBg="1"/>
+    </p:bldLst>
+  </p:timing>
+</p:sld>
+</file>
+
+<file path=ppt/slides/slide19.xml><?xml version="1.0" encoding="utf-8"?>
+<p:sld xmlns:a="http://schemas.openxmlformats.org/drawingml/2006/main" xmlns:r="http://schemas.openxmlformats.org/officeDocument/2006/relationships" xmlns:p="http://schemas.openxmlformats.org/presentationml/2006/main">
+  <p:cSld>
+    <p:spTree>
+      <p:nvGrpSpPr>
+        <p:cNvPr id="1" name=""/>
+        <p:cNvGrpSpPr/>
+        <p:nvPr/>
+      </p:nvGrpSpPr>
+      <p:grpSpPr>
+        <a:xfrm>
+          <a:off x="0" y="0"/>
+          <a:ext cx="0" cy="0"/>
+          <a:chOff x="0" y="0"/>
+          <a:chExt cx="0" cy="0"/>
+        </a:xfrm>
+      </p:grpSpPr>
+      <p:sp>
+        <p:nvSpPr>
+          <p:cNvPr id="2" name="제목 1">
+            <a:extLst>
+              <a:ext uri="{FF2B5EF4-FFF2-40B4-BE49-F238E27FC236}">
+                <a16:creationId xmlns:a16="http://schemas.microsoft.com/office/drawing/2014/main" id="{6F27A4F2-0AB4-4B45-968B-27A63A2D6BC3}"/>
+              </a:ext>
+            </a:extLst>
+          </p:cNvPr>
+          <p:cNvSpPr>
+            <a:spLocks noGrp="1"/>
+          </p:cNvSpPr>
+          <p:nvPr>
+            <p:ph type="title"/>
+          </p:nvPr>
+        </p:nvSpPr>
+        <p:spPr/>
+        <p:txBody>
+          <a:bodyPr/>
+          <a:lstStyle/>
+          <a:p>
+            <a:r>
+              <a:rPr lang="en-US" altLang="ko-KR" dirty="0" err="1"/>
+              <a:t>Raycast</a:t>
+            </a:r>
+            <a:endParaRPr lang="ko-KR" altLang="en-US" dirty="0"/>
+          </a:p>
+        </p:txBody>
+      </p:sp>
+      <p:sp>
+        <p:nvSpPr>
+          <p:cNvPr id="3" name="내용 개체 틀 2">
+            <a:extLst>
+              <a:ext uri="{FF2B5EF4-FFF2-40B4-BE49-F238E27FC236}">
+                <a16:creationId xmlns:a16="http://schemas.microsoft.com/office/drawing/2014/main" id="{D7F0BA45-59A4-4DA8-B2A7-21B11AEA8CBC}"/>
+              </a:ext>
+            </a:extLst>
+          </p:cNvPr>
+          <p:cNvSpPr>
+            <a:spLocks noGrp="1"/>
+          </p:cNvSpPr>
+          <p:nvPr>
+            <p:ph idx="1"/>
+          </p:nvPr>
+        </p:nvSpPr>
+        <p:spPr/>
+        <p:txBody>
+          <a:bodyPr/>
+          <a:lstStyle/>
+          <a:p>
+            <a:r>
+              <a:rPr lang="en-US" altLang="ko-KR" dirty="0"/>
+              <a:t> </a:t>
+            </a:r>
+            <a:r>
+              <a:rPr lang="ko-KR" altLang="en-US" dirty="0">
+                <a:solidFill>
+                  <a:schemeClr val="accent1"/>
+                </a:solidFill>
+              </a:rPr>
+              <a:t>게임 오브젝트의 원점</a:t>
+            </a:r>
+            <a:r>
+              <a:rPr lang="ko-KR" altLang="en-US" dirty="0"/>
+              <a:t>에서 </a:t>
+            </a:r>
+            <a:r>
+              <a:rPr lang="ko-KR" altLang="en-US" dirty="0">
+                <a:solidFill>
+                  <a:srgbClr val="FF0000"/>
+                </a:solidFill>
+              </a:rPr>
+              <a:t>내가 설정한 방향</a:t>
+            </a:r>
+            <a:r>
+              <a:rPr lang="ko-KR" altLang="en-US" dirty="0"/>
+              <a:t>으로 </a:t>
+            </a:r>
+            <a:r>
+              <a:rPr lang="en-US" altLang="ko-KR" dirty="0"/>
+              <a:t>Ray</a:t>
+            </a:r>
+            <a:r>
+              <a:rPr lang="ko-KR" altLang="en-US" dirty="0"/>
+              <a:t>를 날려 내가 설정한 거리 이내에 물체가 있는지 없는지 충돌감지해주는 기능</a:t>
+            </a:r>
+          </a:p>
+        </p:txBody>
+      </p:sp>
+      <p:pic>
+        <p:nvPicPr>
+          <p:cNvPr id="5" name="그림 4">
+            <a:extLst>
+              <a:ext uri="{FF2B5EF4-FFF2-40B4-BE49-F238E27FC236}">
+                <a16:creationId xmlns:a16="http://schemas.microsoft.com/office/drawing/2014/main" id="{1DB68153-5E56-4661-B6BB-C87124B09DBB}"/>
+              </a:ext>
+            </a:extLst>
+          </p:cNvPr>
+          <p:cNvPicPr>
+            <a:picLocks noChangeAspect="1"/>
+          </p:cNvPicPr>
+          <p:nvPr/>
+        </p:nvPicPr>
+        <p:blipFill>
+          <a:blip r:embed="rId2"/>
+          <a:stretch>
+            <a:fillRect/>
+          </a:stretch>
+        </p:blipFill>
+        <p:spPr>
+          <a:xfrm>
+            <a:off x="4107417" y="2853132"/>
+            <a:ext cx="3977166" cy="3639743"/>
+          </a:xfrm>
+          <a:prstGeom prst="rect">
+            <a:avLst/>
+          </a:prstGeom>
+        </p:spPr>
+      </p:pic>
+      <p:sp>
+        <p:nvSpPr>
+          <p:cNvPr id="6" name="TextBox 5">
+            <a:extLst>
+              <a:ext uri="{FF2B5EF4-FFF2-40B4-BE49-F238E27FC236}">
+                <a16:creationId xmlns:a16="http://schemas.microsoft.com/office/drawing/2014/main" id="{243A324F-6E2B-4583-B484-472C5424291D}"/>
+              </a:ext>
+            </a:extLst>
+          </p:cNvPr>
+          <p:cNvSpPr txBox="1"/>
+          <p:nvPr/>
+        </p:nvSpPr>
+        <p:spPr>
+          <a:xfrm>
+            <a:off x="8226208" y="6215876"/>
+            <a:ext cx="3279252" cy="276999"/>
+          </a:xfrm>
+          <a:prstGeom prst="rect">
+            <a:avLst/>
+          </a:prstGeom>
+          <a:noFill/>
+        </p:spPr>
+        <p:txBody>
+          <a:bodyPr wrap="square" rtlCol="0">
+            <a:spAutoFit/>
+          </a:bodyPr>
+          <a:lstStyle/>
+          <a:p>
+            <a:r>
+              <a:rPr lang="ko-KR" altLang="en-US" sz="1200" dirty="0"/>
+              <a:t>출처</a:t>
+            </a:r>
+            <a:r>
+              <a:rPr lang="en-US" altLang="ko-KR" sz="1200" dirty="0"/>
+              <a:t>: https://chameleonstudio.tistory.com/63</a:t>
+            </a:r>
+            <a:endParaRPr lang="ko-KR" altLang="en-US" sz="1200" dirty="0"/>
+          </a:p>
+        </p:txBody>
+      </p:sp>
+      <p:sp>
+        <p:nvSpPr>
+          <p:cNvPr id="7" name="직사각형 6">
+            <a:extLst>
+              <a:ext uri="{FF2B5EF4-FFF2-40B4-BE49-F238E27FC236}">
+                <a16:creationId xmlns:a16="http://schemas.microsoft.com/office/drawing/2014/main" id="{304D1771-C52E-4417-ABB2-65CCFDD8ECBA}"/>
+              </a:ext>
+            </a:extLst>
+          </p:cNvPr>
+          <p:cNvSpPr/>
+          <p:nvPr/>
+        </p:nvSpPr>
+        <p:spPr>
+          <a:xfrm>
+            <a:off x="6630923" y="4216229"/>
+            <a:ext cx="1117600" cy="381897"/>
+          </a:xfrm>
+          <a:prstGeom prst="rect">
+            <a:avLst/>
+          </a:prstGeom>
+          <a:noFill/>
+          <a:ln w="38100">
+            <a:solidFill>
+              <a:srgbClr val="FF0000"/>
+            </a:solidFill>
+          </a:ln>
+        </p:spPr>
+        <p:style>
+          <a:lnRef idx="2">
+            <a:schemeClr val="accent1">
+              <a:shade val="50000"/>
+            </a:schemeClr>
+          </a:lnRef>
+          <a:fillRef idx="1">
+            <a:schemeClr val="accent1"/>
+          </a:fillRef>
+          <a:effectRef idx="0">
+            <a:schemeClr val="accent1"/>
+          </a:effectRef>
+          <a:fontRef idx="minor">
+            <a:schemeClr val="lt1"/>
+          </a:fontRef>
+        </p:style>
+        <p:txBody>
+          <a:bodyPr rtlCol="0" anchor="ctr"/>
+          <a:lstStyle/>
+          <a:p>
+            <a:pPr algn="ctr"/>
+            <a:endParaRPr lang="ko-KR" altLang="en-US"/>
+          </a:p>
+        </p:txBody>
+      </p:sp>
+    </p:spTree>
+    <p:extLst>
+      <p:ext uri="{BB962C8B-B14F-4D97-AF65-F5344CB8AC3E}">
+        <p14:creationId xmlns:p14="http://schemas.microsoft.com/office/powerpoint/2010/main" val="3884306727"/>
+      </p:ext>
+    </p:extLst>
+  </p:cSld>
+  <p:clrMapOvr>
+    <a:masterClrMapping/>
+  </p:clrMapOvr>
+  <p:timing>
+    <p:tnLst>
+      <p:par>
+        <p:cTn id="1" dur="indefinite" restart="never" nodeType="tmRoot">
+          <p:childTnLst>
+            <p:seq concurrent="1" nextAc="seek">
+              <p:cTn id="2" dur="indefinite" nodeType="mainSeq">
+                <p:childTnLst>
+                  <p:par>
+                    <p:cTn id="3" fill="hold">
+                      <p:stCondLst>
+                        <p:cond delay="indefinite"/>
+                      </p:stCondLst>
+                      <p:childTnLst>
+                        <p:par>
+                          <p:cTn id="4" fill="hold">
+                            <p:stCondLst>
+                              <p:cond delay="0"/>
+                            </p:stCondLst>
+                            <p:childTnLst>
+                              <p:par>
+                                <p:cTn id="5" presetID="1" presetClass="entr" presetSubtype="0" fill="hold" grpId="0" nodeType="clickEffect">
+                                  <p:stCondLst>
+                                    <p:cond delay="0"/>
+                                  </p:stCondLst>
+                                  <p:childTnLst>
+                                    <p:set>
+                                      <p:cBhvr>
+                                        <p:cTn id="6" dur="1" fill="hold">
+                                          <p:stCondLst>
+                                            <p:cond delay="0"/>
+                                          </p:stCondLst>
+                                        </p:cTn>
+                                        <p:tgtEl>
+                                          <p:spTgt spid="7"/>
+                                        </p:tgtEl>
+                                        <p:attrNameLst>
+                                          <p:attrName>style.visibility</p:attrName>
+                                        </p:attrNameLst>
+                                      </p:cBhvr>
+                                      <p:to>
+                                        <p:strVal val="visible"/>
+                                      </p:to>
+                                    </p:set>
+                                  </p:childTnLst>
+                                </p:cTn>
+                              </p:par>
+                            </p:childTnLst>
+                          </p:cTn>
+                        </p:par>
+                      </p:childTnLst>
+                    </p:cTn>
+                  </p:par>
+                </p:childTnLst>
+              </p:cTn>
+              <p:prevCondLst>
+                <p:cond evt="onPrev" delay="0">
+                  <p:tgtEl>
+                    <p:sldTgt/>
+                  </p:tgtEl>
+                </p:cond>
+              </p:prevCondLst>
+              <p:nextCondLst>
+                <p:cond evt="onNext" delay="0">
+                  <p:tgtEl>
+                    <p:sldTgt/>
+                  </p:tgtEl>
+                </p:cond>
+              </p:nextCondLst>
+            </p:seq>
+          </p:childTnLst>
+        </p:cTn>
+      </p:par>
+    </p:tnLst>
+    <p:bldLst>
+      <p:bldP spid="7" grpId="0" animBg="1"/>
+    </p:bldLst>
+  </p:timing>
+</p:sld>
+</file>
+
+<file path=ppt/slides/slide2.xml><?xml version="1.0" encoding="utf-8"?>
+<p:sld xmlns:a="http://schemas.openxmlformats.org/drawingml/2006/main" xmlns:r="http://schemas.openxmlformats.org/officeDocument/2006/relationships" xmlns:p="http://schemas.openxmlformats.org/presentationml/2006/main">
+  <p:cSld>
+    <p:spTree>
+      <p:nvGrpSpPr>
+        <p:cNvPr id="1" name=""/>
+        <p:cNvGrpSpPr/>
+        <p:nvPr/>
+      </p:nvGrpSpPr>
+      <p:grpSpPr>
+        <a:xfrm>
+          <a:off x="0" y="0"/>
+          <a:ext cx="0" cy="0"/>
+          <a:chOff x="0" y="0"/>
+          <a:chExt cx="0" cy="0"/>
+        </a:xfrm>
+      </p:grpSpPr>
+      <p:sp>
+        <p:nvSpPr>
+          <p:cNvPr id="2" name="제목 1">
+            <a:extLst>
+              <a:ext uri="{FF2B5EF4-FFF2-40B4-BE49-F238E27FC236}">
+                <a16:creationId xmlns:a16="http://schemas.microsoft.com/office/drawing/2014/main" id="{33FDD313-60CF-4348-A496-12C54B5F54DC}"/>
+              </a:ext>
+            </a:extLst>
+          </p:cNvPr>
+          <p:cNvSpPr>
+            <a:spLocks noGrp="1"/>
+          </p:cNvSpPr>
+          <p:nvPr>
+            <p:ph type="title"/>
+          </p:nvPr>
+        </p:nvSpPr>
+        <p:spPr/>
+        <p:txBody>
+          <a:bodyPr/>
+          <a:lstStyle/>
+          <a:p>
+            <a:r>
+              <a:rPr lang="ko-KR" altLang="en-US" dirty="0"/>
+              <a:t>목표</a:t>
+            </a:r>
+          </a:p>
+        </p:txBody>
+      </p:sp>
+      <p:sp>
+        <p:nvSpPr>
+          <p:cNvPr id="3" name="내용 개체 틀 2">
+            <a:extLst>
+              <a:ext uri="{FF2B5EF4-FFF2-40B4-BE49-F238E27FC236}">
+                <a16:creationId xmlns:a16="http://schemas.microsoft.com/office/drawing/2014/main" id="{4E779A53-2EA4-4E81-9EED-C6EC6407CEE8}"/>
+              </a:ext>
+            </a:extLst>
+          </p:cNvPr>
+          <p:cNvSpPr>
+            <a:spLocks noGrp="1"/>
+          </p:cNvSpPr>
+          <p:nvPr>
+            <p:ph idx="1"/>
+          </p:nvPr>
+        </p:nvSpPr>
+        <p:spPr/>
+        <p:txBody>
+          <a:bodyPr/>
+          <a:lstStyle/>
+          <a:p>
+            <a:r>
+              <a:rPr lang="en-US" altLang="ko-KR" dirty="0"/>
+              <a:t> </a:t>
+            </a:r>
+            <a:r>
+              <a:rPr lang="ko-KR" altLang="en-US" dirty="0"/>
+              <a:t>자주 사용하는 컴포넌트들을 알아본다</a:t>
+            </a:r>
+            <a:r>
+              <a:rPr lang="en-US" altLang="ko-KR" dirty="0"/>
+              <a:t>.</a:t>
+            </a:r>
+          </a:p>
+          <a:p>
+            <a:pPr lvl="1"/>
+            <a:r>
+              <a:rPr lang="en-US" altLang="ko-KR" dirty="0"/>
+              <a:t> Collision</a:t>
+            </a:r>
+          </a:p>
+          <a:p>
+            <a:pPr lvl="1"/>
+            <a:r>
+              <a:rPr lang="en-US" altLang="ko-KR" dirty="0"/>
+              <a:t> </a:t>
+            </a:r>
+            <a:r>
+              <a:rPr lang="en-US" altLang="ko-KR" dirty="0" err="1"/>
+              <a:t>RigidBody</a:t>
+            </a:r>
+            <a:endParaRPr lang="en-US" altLang="ko-KR" dirty="0"/>
+          </a:p>
+        </p:txBody>
+      </p:sp>
+    </p:spTree>
+    <p:extLst>
+      <p:ext uri="{BB962C8B-B14F-4D97-AF65-F5344CB8AC3E}">
+        <p14:creationId xmlns:p14="http://schemas.microsoft.com/office/powerpoint/2010/main" val="3244509229"/>
+      </p:ext>
+    </p:extLst>
+  </p:cSld>
+  <p:clrMapOvr>
+    <a:masterClrMapping/>
+  </p:clrMapOvr>
+</p:sld>
+</file>
+
+<file path=ppt/slides/slide20.xml><?xml version="1.0" encoding="utf-8"?>
+<p:sld xmlns:a="http://schemas.openxmlformats.org/drawingml/2006/main" xmlns:r="http://schemas.openxmlformats.org/officeDocument/2006/relationships" xmlns:p="http://schemas.openxmlformats.org/presentationml/2006/main">
+  <p:cSld>
+    <p:spTree>
+      <p:nvGrpSpPr>
+        <p:cNvPr id="1" name=""/>
+        <p:cNvGrpSpPr/>
+        <p:nvPr/>
+      </p:nvGrpSpPr>
+      <p:grpSpPr>
+        <a:xfrm>
+          <a:off x="0" y="0"/>
+          <a:ext cx="0" cy="0"/>
+          <a:chOff x="0" y="0"/>
+          <a:chExt cx="0" cy="0"/>
+        </a:xfrm>
+      </p:grpSpPr>
+      <p:sp>
+        <p:nvSpPr>
+          <p:cNvPr id="2" name="제목 1">
+            <a:extLst>
+              <a:ext uri="{FF2B5EF4-FFF2-40B4-BE49-F238E27FC236}">
+                <a16:creationId xmlns:a16="http://schemas.microsoft.com/office/drawing/2014/main" id="{6F27A4F2-0AB4-4B45-968B-27A63A2D6BC3}"/>
+              </a:ext>
+            </a:extLst>
+          </p:cNvPr>
+          <p:cNvSpPr>
+            <a:spLocks noGrp="1"/>
+          </p:cNvSpPr>
+          <p:nvPr>
+            <p:ph type="title"/>
+          </p:nvPr>
+        </p:nvSpPr>
+        <p:spPr/>
+        <p:txBody>
+          <a:bodyPr/>
+          <a:lstStyle/>
+          <a:p>
+            <a:r>
+              <a:rPr lang="en-US" altLang="ko-KR" dirty="0" err="1"/>
+              <a:t>Raycast</a:t>
+            </a:r>
+            <a:endParaRPr lang="ko-KR" altLang="en-US" dirty="0"/>
+          </a:p>
+        </p:txBody>
+      </p:sp>
+      <p:sp>
+        <p:nvSpPr>
+          <p:cNvPr id="3" name="내용 개체 틀 2">
+            <a:extLst>
+              <a:ext uri="{FF2B5EF4-FFF2-40B4-BE49-F238E27FC236}">
+                <a16:creationId xmlns:a16="http://schemas.microsoft.com/office/drawing/2014/main" id="{D7F0BA45-59A4-4DA8-B2A7-21B11AEA8CBC}"/>
+              </a:ext>
+            </a:extLst>
+          </p:cNvPr>
+          <p:cNvSpPr>
+            <a:spLocks noGrp="1"/>
+          </p:cNvSpPr>
+          <p:nvPr>
+            <p:ph idx="1"/>
+          </p:nvPr>
+        </p:nvSpPr>
+        <p:spPr/>
+        <p:txBody>
+          <a:bodyPr/>
+          <a:lstStyle/>
+          <a:p>
+            <a:r>
+              <a:rPr lang="en-US" altLang="ko-KR" dirty="0"/>
+              <a:t> </a:t>
+            </a:r>
+            <a:r>
+              <a:rPr lang="ko-KR" altLang="en-US" dirty="0">
+                <a:solidFill>
+                  <a:schemeClr val="accent1"/>
+                </a:solidFill>
+              </a:rPr>
+              <a:t>게임 오브젝트의 원점</a:t>
+            </a:r>
+            <a:r>
+              <a:rPr lang="ko-KR" altLang="en-US" dirty="0"/>
+              <a:t>에서 </a:t>
+            </a:r>
+            <a:r>
+              <a:rPr lang="ko-KR" altLang="en-US" dirty="0">
+                <a:solidFill>
+                  <a:schemeClr val="accent1"/>
+                </a:solidFill>
+              </a:rPr>
+              <a:t>내가 설정한 방향</a:t>
+            </a:r>
+            <a:r>
+              <a:rPr lang="ko-KR" altLang="en-US" dirty="0"/>
+              <a:t>으로 </a:t>
+            </a:r>
+            <a:r>
+              <a:rPr lang="en-US" altLang="ko-KR" dirty="0"/>
+              <a:t>Ray</a:t>
+            </a:r>
+            <a:r>
+              <a:rPr lang="ko-KR" altLang="en-US" dirty="0"/>
+              <a:t>를 날려 </a:t>
+            </a:r>
+            <a:r>
+              <a:rPr lang="ko-KR" altLang="en-US" dirty="0">
+                <a:solidFill>
+                  <a:srgbClr val="FF0000"/>
+                </a:solidFill>
+              </a:rPr>
+              <a:t>내가 설정한 거리 이내</a:t>
+            </a:r>
+            <a:r>
+              <a:rPr lang="ko-KR" altLang="en-US" dirty="0"/>
+              <a:t>에 물체가 있는지 없는지 충돌감지해주는 기능</a:t>
+            </a:r>
+          </a:p>
+        </p:txBody>
+      </p:sp>
+      <p:pic>
+        <p:nvPicPr>
+          <p:cNvPr id="5" name="그림 4">
+            <a:extLst>
+              <a:ext uri="{FF2B5EF4-FFF2-40B4-BE49-F238E27FC236}">
+                <a16:creationId xmlns:a16="http://schemas.microsoft.com/office/drawing/2014/main" id="{1DB68153-5E56-4661-B6BB-C87124B09DBB}"/>
+              </a:ext>
+            </a:extLst>
+          </p:cNvPr>
+          <p:cNvPicPr>
+            <a:picLocks noChangeAspect="1"/>
+          </p:cNvPicPr>
+          <p:nvPr/>
+        </p:nvPicPr>
+        <p:blipFill>
+          <a:blip r:embed="rId2"/>
+          <a:stretch>
+            <a:fillRect/>
+          </a:stretch>
+        </p:blipFill>
+        <p:spPr>
+          <a:xfrm>
+            <a:off x="4107417" y="2853132"/>
+            <a:ext cx="3977166" cy="3639743"/>
+          </a:xfrm>
+          <a:prstGeom prst="rect">
+            <a:avLst/>
+          </a:prstGeom>
+        </p:spPr>
+      </p:pic>
+      <p:sp>
+        <p:nvSpPr>
+          <p:cNvPr id="6" name="TextBox 5">
+            <a:extLst>
+              <a:ext uri="{FF2B5EF4-FFF2-40B4-BE49-F238E27FC236}">
+                <a16:creationId xmlns:a16="http://schemas.microsoft.com/office/drawing/2014/main" id="{4DCF3EE5-2980-40FC-84DB-65DECF1B7CE4}"/>
+              </a:ext>
+            </a:extLst>
+          </p:cNvPr>
+          <p:cNvSpPr txBox="1"/>
+          <p:nvPr/>
+        </p:nvSpPr>
+        <p:spPr>
+          <a:xfrm>
+            <a:off x="8226208" y="6215876"/>
+            <a:ext cx="3279252" cy="276999"/>
+          </a:xfrm>
+          <a:prstGeom prst="rect">
+            <a:avLst/>
+          </a:prstGeom>
+          <a:noFill/>
+        </p:spPr>
+        <p:txBody>
+          <a:bodyPr wrap="square" rtlCol="0">
+            <a:spAutoFit/>
+          </a:bodyPr>
+          <a:lstStyle/>
+          <a:p>
+            <a:r>
+              <a:rPr lang="ko-KR" altLang="en-US" sz="1200" dirty="0"/>
+              <a:t>출처</a:t>
+            </a:r>
+            <a:r>
+              <a:rPr lang="en-US" altLang="ko-KR" sz="1200" dirty="0"/>
+              <a:t>: https://chameleonstudio.tistory.com/63</a:t>
+            </a:r>
+            <a:endParaRPr lang="ko-KR" altLang="en-US" sz="1200" dirty="0"/>
+          </a:p>
+        </p:txBody>
+      </p:sp>
+      <p:sp>
+        <p:nvSpPr>
+          <p:cNvPr id="7" name="직사각형 6">
+            <a:extLst>
+              <a:ext uri="{FF2B5EF4-FFF2-40B4-BE49-F238E27FC236}">
+                <a16:creationId xmlns:a16="http://schemas.microsoft.com/office/drawing/2014/main" id="{0B0FFC6F-CFC0-4E16-A311-9335B8E607C7}"/>
+              </a:ext>
+            </a:extLst>
+          </p:cNvPr>
+          <p:cNvSpPr/>
+          <p:nvPr/>
+        </p:nvSpPr>
+        <p:spPr>
+          <a:xfrm>
+            <a:off x="5864568" y="4851954"/>
+            <a:ext cx="1117600" cy="381897"/>
+          </a:xfrm>
+          <a:prstGeom prst="rect">
+            <a:avLst/>
+          </a:prstGeom>
+          <a:noFill/>
+          <a:ln w="38100">
+            <a:solidFill>
+              <a:srgbClr val="FF0000"/>
+            </a:solidFill>
+          </a:ln>
+        </p:spPr>
+        <p:style>
+          <a:lnRef idx="2">
+            <a:schemeClr val="accent1">
+              <a:shade val="50000"/>
+            </a:schemeClr>
+          </a:lnRef>
+          <a:fillRef idx="1">
+            <a:schemeClr val="accent1"/>
+          </a:fillRef>
+          <a:effectRef idx="0">
+            <a:schemeClr val="accent1"/>
+          </a:effectRef>
+          <a:fontRef idx="minor">
+            <a:schemeClr val="lt1"/>
+          </a:fontRef>
+        </p:style>
+        <p:txBody>
+          <a:bodyPr rtlCol="0" anchor="ctr"/>
+          <a:lstStyle/>
+          <a:p>
+            <a:pPr algn="ctr"/>
+            <a:endParaRPr lang="ko-KR" altLang="en-US"/>
+          </a:p>
+        </p:txBody>
+      </p:sp>
+    </p:spTree>
+    <p:extLst>
+      <p:ext uri="{BB962C8B-B14F-4D97-AF65-F5344CB8AC3E}">
+        <p14:creationId xmlns:p14="http://schemas.microsoft.com/office/powerpoint/2010/main" val="942593819"/>
+      </p:ext>
+    </p:extLst>
+  </p:cSld>
+  <p:clrMapOvr>
+    <a:masterClrMapping/>
+  </p:clrMapOvr>
+  <p:timing>
+    <p:tnLst>
+      <p:par>
+        <p:cTn id="1" dur="indefinite" restart="never" nodeType="tmRoot">
+          <p:childTnLst>
+            <p:seq concurrent="1" nextAc="seek">
+              <p:cTn id="2" dur="indefinite" nodeType="mainSeq">
+                <p:childTnLst>
+                  <p:par>
+                    <p:cTn id="3" fill="hold">
+                      <p:stCondLst>
+                        <p:cond delay="indefinite"/>
+                      </p:stCondLst>
+                      <p:childTnLst>
+                        <p:par>
+                          <p:cTn id="4" fill="hold">
+                            <p:stCondLst>
+                              <p:cond delay="0"/>
+                            </p:stCondLst>
+                            <p:childTnLst>
+                              <p:par>
+                                <p:cTn id="5" presetID="1" presetClass="entr" presetSubtype="0" fill="hold" grpId="0" nodeType="clickEffect">
+                                  <p:stCondLst>
+                                    <p:cond delay="0"/>
+                                  </p:stCondLst>
+                                  <p:childTnLst>
+                                    <p:set>
+                                      <p:cBhvr>
+                                        <p:cTn id="6" dur="1" fill="hold">
+                                          <p:stCondLst>
+                                            <p:cond delay="0"/>
+                                          </p:stCondLst>
+                                        </p:cTn>
+                                        <p:tgtEl>
+                                          <p:spTgt spid="7"/>
+                                        </p:tgtEl>
+                                        <p:attrNameLst>
+                                          <p:attrName>style.visibility</p:attrName>
+                                        </p:attrNameLst>
+                                      </p:cBhvr>
+                                      <p:to>
+                                        <p:strVal val="visible"/>
+                                      </p:to>
+                                    </p:set>
+                                  </p:childTnLst>
+                                </p:cTn>
+                              </p:par>
+                            </p:childTnLst>
+                          </p:cTn>
+                        </p:par>
+                      </p:childTnLst>
+                    </p:cTn>
+                  </p:par>
+                </p:childTnLst>
+              </p:cTn>
+              <p:prevCondLst>
+                <p:cond evt="onPrev" delay="0">
+                  <p:tgtEl>
+                    <p:sldTgt/>
+                  </p:tgtEl>
+                </p:cond>
+              </p:prevCondLst>
+              <p:nextCondLst>
+                <p:cond evt="onNext" delay="0">
+                  <p:tgtEl>
+                    <p:sldTgt/>
+                  </p:tgtEl>
+                </p:cond>
+              </p:nextCondLst>
+            </p:seq>
+          </p:childTnLst>
+        </p:cTn>
+      </p:par>
+    </p:tnLst>
+    <p:bldLst>
+      <p:bldP spid="7" grpId="0" animBg="1"/>
+    </p:bldLst>
+  </p:timing>
+</p:sld>
+</file>
+
+<file path=ppt/slides/slide21.xml><?xml version="1.0" encoding="utf-8"?>
+<p:sld xmlns:a="http://schemas.openxmlformats.org/drawingml/2006/main" xmlns:r="http://schemas.openxmlformats.org/officeDocument/2006/relationships" xmlns:p="http://schemas.openxmlformats.org/presentationml/2006/main">
+  <p:cSld>
+    <p:spTree>
+      <p:nvGrpSpPr>
+        <p:cNvPr id="1" name=""/>
+        <p:cNvGrpSpPr/>
+        <p:nvPr/>
+      </p:nvGrpSpPr>
+      <p:grpSpPr>
+        <a:xfrm>
+          <a:off x="0" y="0"/>
+          <a:ext cx="0" cy="0"/>
+          <a:chOff x="0" y="0"/>
+          <a:chExt cx="0" cy="0"/>
+        </a:xfrm>
+      </p:grpSpPr>
+      <p:sp>
+        <p:nvSpPr>
+          <p:cNvPr id="2" name="제목 1">
+            <a:extLst>
+              <a:ext uri="{FF2B5EF4-FFF2-40B4-BE49-F238E27FC236}">
+                <a16:creationId xmlns:a16="http://schemas.microsoft.com/office/drawing/2014/main" id="{6F27A4F2-0AB4-4B45-968B-27A63A2D6BC3}"/>
+              </a:ext>
+            </a:extLst>
+          </p:cNvPr>
+          <p:cNvSpPr>
+            <a:spLocks noGrp="1"/>
+          </p:cNvSpPr>
+          <p:nvPr>
+            <p:ph type="title"/>
+          </p:nvPr>
+        </p:nvSpPr>
+        <p:spPr/>
+        <p:txBody>
+          <a:bodyPr/>
+          <a:lstStyle/>
+          <a:p>
+            <a:r>
+              <a:rPr lang="en-US" altLang="ko-KR" dirty="0" err="1"/>
+              <a:t>Raycast</a:t>
+            </a:r>
+            <a:endParaRPr lang="ko-KR" altLang="en-US" dirty="0"/>
+          </a:p>
+        </p:txBody>
+      </p:sp>
+      <p:sp>
+        <p:nvSpPr>
+          <p:cNvPr id="3" name="내용 개체 틀 2">
+            <a:extLst>
+              <a:ext uri="{FF2B5EF4-FFF2-40B4-BE49-F238E27FC236}">
+                <a16:creationId xmlns:a16="http://schemas.microsoft.com/office/drawing/2014/main" id="{D7F0BA45-59A4-4DA8-B2A7-21B11AEA8CBC}"/>
+              </a:ext>
+            </a:extLst>
+          </p:cNvPr>
+          <p:cNvSpPr>
+            <a:spLocks noGrp="1"/>
+          </p:cNvSpPr>
+          <p:nvPr>
+            <p:ph idx="1"/>
+          </p:nvPr>
+        </p:nvSpPr>
+        <p:spPr/>
+        <p:txBody>
+          <a:bodyPr/>
+          <a:lstStyle/>
+          <a:p>
+            <a:r>
+              <a:rPr lang="en-US" altLang="ko-KR" dirty="0"/>
+              <a:t> </a:t>
+            </a:r>
+            <a:r>
+              <a:rPr lang="ko-KR" altLang="en-US" dirty="0">
+                <a:solidFill>
+                  <a:schemeClr val="accent1"/>
+                </a:solidFill>
+              </a:rPr>
+              <a:t>게임 오브젝트의 원점</a:t>
+            </a:r>
+            <a:r>
+              <a:rPr lang="ko-KR" altLang="en-US" dirty="0"/>
+              <a:t>에서 </a:t>
+            </a:r>
+            <a:r>
+              <a:rPr lang="ko-KR" altLang="en-US" dirty="0">
+                <a:solidFill>
+                  <a:schemeClr val="accent1"/>
+                </a:solidFill>
+              </a:rPr>
+              <a:t>내가 설정한 방향</a:t>
+            </a:r>
+            <a:r>
+              <a:rPr lang="ko-KR" altLang="en-US" dirty="0"/>
+              <a:t>으로 </a:t>
+            </a:r>
+            <a:r>
+              <a:rPr lang="en-US" altLang="ko-KR" dirty="0"/>
+              <a:t>Ray</a:t>
+            </a:r>
+            <a:r>
+              <a:rPr lang="ko-KR" altLang="en-US" dirty="0"/>
+              <a:t>를 날려 </a:t>
+            </a:r>
+            <a:r>
+              <a:rPr lang="ko-KR" altLang="en-US" dirty="0">
+                <a:solidFill>
+                  <a:schemeClr val="accent1"/>
+                </a:solidFill>
+              </a:rPr>
+              <a:t>내가 설정한 거리 이내</a:t>
+            </a:r>
+            <a:r>
+              <a:rPr lang="ko-KR" altLang="en-US" dirty="0"/>
+              <a:t>에 물체가 있는지 없는지 </a:t>
+            </a:r>
+            <a:r>
+              <a:rPr lang="ko-KR" altLang="en-US" dirty="0">
+                <a:solidFill>
+                  <a:srgbClr val="FF0000"/>
+                </a:solidFill>
+              </a:rPr>
+              <a:t>충돌감지</a:t>
+            </a:r>
+            <a:r>
+              <a:rPr lang="ko-KR" altLang="en-US" dirty="0"/>
+              <a:t>해주는 기능</a:t>
+            </a:r>
+          </a:p>
+        </p:txBody>
+      </p:sp>
+      <p:pic>
+        <p:nvPicPr>
+          <p:cNvPr id="5" name="그림 4">
+            <a:extLst>
+              <a:ext uri="{FF2B5EF4-FFF2-40B4-BE49-F238E27FC236}">
+                <a16:creationId xmlns:a16="http://schemas.microsoft.com/office/drawing/2014/main" id="{1DB68153-5E56-4661-B6BB-C87124B09DBB}"/>
+              </a:ext>
+            </a:extLst>
+          </p:cNvPr>
+          <p:cNvPicPr>
+            <a:picLocks noChangeAspect="1"/>
+          </p:cNvPicPr>
+          <p:nvPr/>
+        </p:nvPicPr>
+        <p:blipFill>
+          <a:blip r:embed="rId2"/>
+          <a:stretch>
+            <a:fillRect/>
+          </a:stretch>
+        </p:blipFill>
+        <p:spPr>
+          <a:xfrm>
+            <a:off x="4107417" y="2853132"/>
+            <a:ext cx="3977166" cy="3639743"/>
+          </a:xfrm>
+          <a:prstGeom prst="rect">
+            <a:avLst/>
+          </a:prstGeom>
+        </p:spPr>
+      </p:pic>
+      <p:sp>
+        <p:nvSpPr>
+          <p:cNvPr id="6" name="TextBox 5">
+            <a:extLst>
+              <a:ext uri="{FF2B5EF4-FFF2-40B4-BE49-F238E27FC236}">
+                <a16:creationId xmlns:a16="http://schemas.microsoft.com/office/drawing/2014/main" id="{72836962-03DA-4D27-BA6A-2BAE04C2BB7E}"/>
+              </a:ext>
+            </a:extLst>
+          </p:cNvPr>
+          <p:cNvSpPr txBox="1"/>
+          <p:nvPr/>
+        </p:nvSpPr>
+        <p:spPr>
+          <a:xfrm>
+            <a:off x="8226208" y="6215876"/>
+            <a:ext cx="3279252" cy="276999"/>
+          </a:xfrm>
+          <a:prstGeom prst="rect">
+            <a:avLst/>
+          </a:prstGeom>
+          <a:noFill/>
+        </p:spPr>
+        <p:txBody>
+          <a:bodyPr wrap="square" rtlCol="0">
+            <a:spAutoFit/>
+          </a:bodyPr>
+          <a:lstStyle/>
+          <a:p>
+            <a:r>
+              <a:rPr lang="ko-KR" altLang="en-US" sz="1200" dirty="0"/>
+              <a:t>출처</a:t>
+            </a:r>
+            <a:r>
+              <a:rPr lang="en-US" altLang="ko-KR" sz="1200" dirty="0"/>
+              <a:t>: https://chameleonstudio.tistory.com/63</a:t>
+            </a:r>
+            <a:endParaRPr lang="ko-KR" altLang="en-US" sz="1200" dirty="0"/>
+          </a:p>
+        </p:txBody>
+      </p:sp>
+      <p:sp>
+        <p:nvSpPr>
+          <p:cNvPr id="7" name="직사각형 6">
+            <a:extLst>
+              <a:ext uri="{FF2B5EF4-FFF2-40B4-BE49-F238E27FC236}">
+                <a16:creationId xmlns:a16="http://schemas.microsoft.com/office/drawing/2014/main" id="{1598966B-4322-4173-AA59-5897C4EDD80A}"/>
+              </a:ext>
+            </a:extLst>
+          </p:cNvPr>
+          <p:cNvSpPr/>
+          <p:nvPr/>
+        </p:nvSpPr>
+        <p:spPr>
+          <a:xfrm>
+            <a:off x="4175105" y="5026125"/>
+            <a:ext cx="1117600" cy="381897"/>
+          </a:xfrm>
+          <a:prstGeom prst="rect">
+            <a:avLst/>
+          </a:prstGeom>
+          <a:noFill/>
+          <a:ln w="38100">
+            <a:solidFill>
+              <a:srgbClr val="FF0000"/>
+            </a:solidFill>
+          </a:ln>
+        </p:spPr>
+        <p:style>
+          <a:lnRef idx="2">
+            <a:schemeClr val="accent1">
+              <a:shade val="50000"/>
+            </a:schemeClr>
+          </a:lnRef>
+          <a:fillRef idx="1">
+            <a:schemeClr val="accent1"/>
+          </a:fillRef>
+          <a:effectRef idx="0">
+            <a:schemeClr val="accent1"/>
+          </a:effectRef>
+          <a:fontRef idx="minor">
+            <a:schemeClr val="lt1"/>
+          </a:fontRef>
+        </p:style>
+        <p:txBody>
+          <a:bodyPr rtlCol="0" anchor="ctr"/>
+          <a:lstStyle/>
+          <a:p>
+            <a:pPr algn="ctr"/>
+            <a:endParaRPr lang="ko-KR" altLang="en-US"/>
+          </a:p>
+        </p:txBody>
+      </p:sp>
+    </p:spTree>
+    <p:extLst>
+      <p:ext uri="{BB962C8B-B14F-4D97-AF65-F5344CB8AC3E}">
+        <p14:creationId xmlns:p14="http://schemas.microsoft.com/office/powerpoint/2010/main" val="1927686229"/>
+      </p:ext>
+    </p:extLst>
+  </p:cSld>
+  <p:clrMapOvr>
+    <a:masterClrMapping/>
+  </p:clrMapOvr>
+  <p:timing>
+    <p:tnLst>
+      <p:par>
+        <p:cTn id="1" dur="indefinite" restart="never" nodeType="tmRoot">
+          <p:childTnLst>
+            <p:seq concurrent="1" nextAc="seek">
+              <p:cTn id="2" dur="indefinite" nodeType="mainSeq">
+                <p:childTnLst>
+                  <p:par>
+                    <p:cTn id="3" fill="hold">
+                      <p:stCondLst>
+                        <p:cond delay="indefinite"/>
+                      </p:stCondLst>
+                      <p:childTnLst>
+                        <p:par>
+                          <p:cTn id="4" fill="hold">
+                            <p:stCondLst>
+                              <p:cond delay="0"/>
+                            </p:stCondLst>
+                            <p:childTnLst>
+                              <p:par>
+                                <p:cTn id="5" presetID="1" presetClass="entr" presetSubtype="0" fill="hold" grpId="0" nodeType="clickEffect">
+                                  <p:stCondLst>
+                                    <p:cond delay="0"/>
+                                  </p:stCondLst>
+                                  <p:childTnLst>
+                                    <p:set>
+                                      <p:cBhvr>
+                                        <p:cTn id="6" dur="1" fill="hold">
+                                          <p:stCondLst>
+                                            <p:cond delay="0"/>
+                                          </p:stCondLst>
+                                        </p:cTn>
+                                        <p:tgtEl>
+                                          <p:spTgt spid="7"/>
+                                        </p:tgtEl>
+                                        <p:attrNameLst>
+                                          <p:attrName>style.visibility</p:attrName>
+                                        </p:attrNameLst>
+                                      </p:cBhvr>
+                                      <p:to>
+                                        <p:strVal val="visible"/>
+                                      </p:to>
+                                    </p:set>
+                                  </p:childTnLst>
+                                </p:cTn>
+                              </p:par>
+                            </p:childTnLst>
+                          </p:cTn>
+                        </p:par>
+                      </p:childTnLst>
+                    </p:cTn>
+                  </p:par>
+                </p:childTnLst>
+              </p:cTn>
+              <p:prevCondLst>
+                <p:cond evt="onPrev" delay="0">
+                  <p:tgtEl>
+                    <p:sldTgt/>
+                  </p:tgtEl>
+                </p:cond>
+              </p:prevCondLst>
+              <p:nextCondLst>
+                <p:cond evt="onNext" delay="0">
+                  <p:tgtEl>
+                    <p:sldTgt/>
+                  </p:tgtEl>
+                </p:cond>
+              </p:nextCondLst>
+            </p:seq>
+          </p:childTnLst>
+        </p:cTn>
+      </p:par>
+    </p:tnLst>
+    <p:bldLst>
+      <p:bldP spid="7" grpId="0" animBg="1"/>
+    </p:bldLst>
+  </p:timing>
+</p:sld>
+</file>
+
+<file path=ppt/slides/slide22.xml><?xml version="1.0" encoding="utf-8"?>
+<p:sld xmlns:a="http://schemas.openxmlformats.org/drawingml/2006/main" xmlns:r="http://schemas.openxmlformats.org/officeDocument/2006/relationships" xmlns:p="http://schemas.openxmlformats.org/presentationml/2006/main">
+  <p:cSld>
+    <p:spTree>
+      <p:nvGrpSpPr>
+        <p:cNvPr id="1" name=""/>
+        <p:cNvGrpSpPr/>
+        <p:nvPr/>
+      </p:nvGrpSpPr>
+      <p:grpSpPr>
+        <a:xfrm>
+          <a:off x="0" y="0"/>
+          <a:ext cx="0" cy="0"/>
+          <a:chOff x="0" y="0"/>
+          <a:chExt cx="0" cy="0"/>
+        </a:xfrm>
+      </p:grpSpPr>
+      <p:sp>
+        <p:nvSpPr>
+          <p:cNvPr id="2" name="제목 1">
+            <a:extLst>
+              <a:ext uri="{FF2B5EF4-FFF2-40B4-BE49-F238E27FC236}">
+                <a16:creationId xmlns:a16="http://schemas.microsoft.com/office/drawing/2014/main" id="{3A78887C-9023-450B-A782-895A9FB063E1}"/>
+              </a:ext>
+            </a:extLst>
+          </p:cNvPr>
+          <p:cNvSpPr>
+            <a:spLocks noGrp="1"/>
+          </p:cNvSpPr>
+          <p:nvPr>
+            <p:ph type="title"/>
+          </p:nvPr>
+        </p:nvSpPr>
+        <p:spPr/>
+        <p:txBody>
+          <a:bodyPr/>
+          <a:lstStyle/>
+          <a:p>
+            <a:r>
+              <a:rPr lang="en-US" altLang="ko-KR" dirty="0" err="1"/>
+              <a:t>Raycast</a:t>
+            </a:r>
+            <a:endParaRPr lang="ko-KR" altLang="en-US" dirty="0"/>
+          </a:p>
+        </p:txBody>
+      </p:sp>
+      <p:sp>
+        <p:nvSpPr>
+          <p:cNvPr id="3" name="내용 개체 틀 2">
+            <a:extLst>
+              <a:ext uri="{FF2B5EF4-FFF2-40B4-BE49-F238E27FC236}">
+                <a16:creationId xmlns:a16="http://schemas.microsoft.com/office/drawing/2014/main" id="{30AEBE56-3E70-490E-82A7-7EBEC2888384}"/>
+              </a:ext>
+            </a:extLst>
+          </p:cNvPr>
+          <p:cNvSpPr>
+            <a:spLocks noGrp="1"/>
+          </p:cNvSpPr>
+          <p:nvPr>
+            <p:ph idx="1"/>
+          </p:nvPr>
+        </p:nvSpPr>
+        <p:spPr/>
+        <p:txBody>
+          <a:bodyPr/>
+          <a:lstStyle/>
+          <a:p>
+            <a:r>
+              <a:rPr lang="en-US" altLang="ko-KR" dirty="0"/>
+              <a:t>RaycastHit2D </a:t>
+            </a:r>
+            <a:r>
+              <a:rPr lang="en-US" altLang="ko-KR" dirty="0" err="1"/>
+              <a:t>rayHit</a:t>
+            </a:r>
+            <a:r>
+              <a:rPr lang="en-US" altLang="ko-KR" dirty="0"/>
+              <a:t> = </a:t>
+            </a:r>
+          </a:p>
+          <a:p>
+            <a:pPr marL="0" indent="0">
+              <a:buNone/>
+            </a:pPr>
+            <a:r>
+              <a:rPr lang="en-US" altLang="ko-KR" dirty="0"/>
+              <a:t>	Physics2D.Raycast(</a:t>
+            </a:r>
+            <a:r>
+              <a:rPr lang="en-US" altLang="ko-KR" dirty="0" err="1">
+                <a:solidFill>
+                  <a:srgbClr val="FF0000"/>
+                </a:solidFill>
+              </a:rPr>
+              <a:t>frontVec</a:t>
+            </a:r>
+            <a:r>
+              <a:rPr lang="en-US" altLang="ko-KR" dirty="0"/>
+              <a:t>, Vector3.down, 1, 		</a:t>
+            </a:r>
+            <a:r>
+              <a:rPr lang="en-US" altLang="ko-KR" dirty="0" err="1"/>
+              <a:t>LayerMask.GetMask</a:t>
+            </a:r>
+            <a:r>
+              <a:rPr lang="en-US" altLang="ko-KR" dirty="0"/>
+              <a:t>("Ground"));</a:t>
+            </a:r>
+            <a:endParaRPr lang="ko-KR" altLang="en-US" dirty="0"/>
+          </a:p>
+        </p:txBody>
+      </p:sp>
+      <p:pic>
+        <p:nvPicPr>
+          <p:cNvPr id="4" name="그림 3">
+            <a:extLst>
+              <a:ext uri="{FF2B5EF4-FFF2-40B4-BE49-F238E27FC236}">
+                <a16:creationId xmlns:a16="http://schemas.microsoft.com/office/drawing/2014/main" id="{1E69F490-3E81-48EE-AC04-ACB1E79AEB98}"/>
+              </a:ext>
+            </a:extLst>
+          </p:cNvPr>
+          <p:cNvPicPr>
+            <a:picLocks noChangeAspect="1"/>
+          </p:cNvPicPr>
+          <p:nvPr/>
+        </p:nvPicPr>
+        <p:blipFill>
+          <a:blip r:embed="rId2"/>
+          <a:stretch>
+            <a:fillRect/>
+          </a:stretch>
+        </p:blipFill>
+        <p:spPr>
+          <a:xfrm>
+            <a:off x="4107417" y="3409053"/>
+            <a:ext cx="3369708" cy="3083822"/>
+          </a:xfrm>
+          <a:prstGeom prst="rect">
+            <a:avLst/>
+          </a:prstGeom>
+        </p:spPr>
+      </p:pic>
+      <p:sp>
+        <p:nvSpPr>
+          <p:cNvPr id="5" name="직사각형 4">
+            <a:extLst>
+              <a:ext uri="{FF2B5EF4-FFF2-40B4-BE49-F238E27FC236}">
+                <a16:creationId xmlns:a16="http://schemas.microsoft.com/office/drawing/2014/main" id="{F58BD0C9-5046-48D3-A8DF-4F5934B1E9AD}"/>
+              </a:ext>
+            </a:extLst>
+          </p:cNvPr>
+          <p:cNvSpPr/>
+          <p:nvPr/>
+        </p:nvSpPr>
+        <p:spPr>
+          <a:xfrm>
+            <a:off x="4410236" y="4103016"/>
+            <a:ext cx="1117600" cy="381897"/>
+          </a:xfrm>
+          <a:prstGeom prst="rect">
+            <a:avLst/>
+          </a:prstGeom>
+          <a:noFill/>
+          <a:ln w="38100">
+            <a:solidFill>
+              <a:srgbClr val="FF0000"/>
+            </a:solidFill>
+          </a:ln>
+        </p:spPr>
+        <p:style>
+          <a:lnRef idx="2">
+            <a:schemeClr val="accent1">
+              <a:shade val="50000"/>
+            </a:schemeClr>
+          </a:lnRef>
+          <a:fillRef idx="1">
+            <a:schemeClr val="accent1"/>
+          </a:fillRef>
+          <a:effectRef idx="0">
+            <a:schemeClr val="accent1"/>
+          </a:effectRef>
+          <a:fontRef idx="minor">
+            <a:schemeClr val="lt1"/>
+          </a:fontRef>
+        </p:style>
+        <p:txBody>
+          <a:bodyPr rtlCol="0" anchor="ctr"/>
+          <a:lstStyle/>
+          <a:p>
+            <a:pPr algn="ctr"/>
+            <a:endParaRPr lang="ko-KR" altLang="en-US"/>
+          </a:p>
+        </p:txBody>
+      </p:sp>
+    </p:spTree>
+    <p:extLst>
+      <p:ext uri="{BB962C8B-B14F-4D97-AF65-F5344CB8AC3E}">
+        <p14:creationId xmlns:p14="http://schemas.microsoft.com/office/powerpoint/2010/main" val="3569409575"/>
+      </p:ext>
+    </p:extLst>
+  </p:cSld>
+  <p:clrMapOvr>
+    <a:masterClrMapping/>
+  </p:clrMapOvr>
+  <p:timing>
+    <p:tnLst>
+      <p:par>
+        <p:cTn id="1" dur="indefinite" restart="never" nodeType="tmRoot">
+          <p:childTnLst>
+            <p:seq concurrent="1" nextAc="seek">
+              <p:cTn id="2" dur="indefinite" nodeType="mainSeq">
+                <p:childTnLst>
+                  <p:par>
+                    <p:cTn id="3" fill="hold">
+                      <p:stCondLst>
+                        <p:cond delay="indefinite"/>
+                      </p:stCondLst>
+                      <p:childTnLst>
+                        <p:par>
+                          <p:cTn id="4" fill="hold">
+                            <p:stCondLst>
+                              <p:cond delay="0"/>
+                            </p:stCondLst>
+                            <p:childTnLst>
+                              <p:par>
+                                <p:cTn id="5" presetID="1" presetClass="entr" presetSubtype="0" fill="hold" grpId="0" nodeType="clickEffect">
+                                  <p:stCondLst>
+                                    <p:cond delay="0"/>
+                                  </p:stCondLst>
+                                  <p:childTnLst>
+                                    <p:set>
+                                      <p:cBhvr>
+                                        <p:cTn id="6" dur="1" fill="hold">
+                                          <p:stCondLst>
+                                            <p:cond delay="0"/>
+                                          </p:stCondLst>
+                                        </p:cTn>
+                                        <p:tgtEl>
+                                          <p:spTgt spid="5"/>
+                                        </p:tgtEl>
+                                        <p:attrNameLst>
+                                          <p:attrName>style.visibility</p:attrName>
+                                        </p:attrNameLst>
+                                      </p:cBhvr>
+                                      <p:to>
+                                        <p:strVal val="visible"/>
+                                      </p:to>
+                                    </p:set>
+                                  </p:childTnLst>
+                                </p:cTn>
+                              </p:par>
+                            </p:childTnLst>
+                          </p:cTn>
+                        </p:par>
+                      </p:childTnLst>
+                    </p:cTn>
+                  </p:par>
+                </p:childTnLst>
+              </p:cTn>
+              <p:prevCondLst>
+                <p:cond evt="onPrev" delay="0">
+                  <p:tgtEl>
+                    <p:sldTgt/>
+                  </p:tgtEl>
+                </p:cond>
+              </p:prevCondLst>
+              <p:nextCondLst>
+                <p:cond evt="onNext" delay="0">
+                  <p:tgtEl>
+                    <p:sldTgt/>
+                  </p:tgtEl>
+                </p:cond>
+              </p:nextCondLst>
+            </p:seq>
+          </p:childTnLst>
+        </p:cTn>
+      </p:par>
+    </p:tnLst>
+    <p:bldLst>
+      <p:bldP spid="5" grpId="0" animBg="1"/>
+    </p:bldLst>
+  </p:timing>
+</p:sld>
+</file>
+
+<file path=ppt/slides/slide23.xml><?xml version="1.0" encoding="utf-8"?>
+<p:sld xmlns:a="http://schemas.openxmlformats.org/drawingml/2006/main" xmlns:r="http://schemas.openxmlformats.org/officeDocument/2006/relationships" xmlns:p="http://schemas.openxmlformats.org/presentationml/2006/main">
+  <p:cSld>
+    <p:spTree>
+      <p:nvGrpSpPr>
+        <p:cNvPr id="1" name=""/>
+        <p:cNvGrpSpPr/>
+        <p:nvPr/>
+      </p:nvGrpSpPr>
+      <p:grpSpPr>
+        <a:xfrm>
+          <a:off x="0" y="0"/>
+          <a:ext cx="0" cy="0"/>
+          <a:chOff x="0" y="0"/>
+          <a:chExt cx="0" cy="0"/>
+        </a:xfrm>
+      </p:grpSpPr>
+      <p:sp>
+        <p:nvSpPr>
+          <p:cNvPr id="2" name="제목 1">
+            <a:extLst>
+              <a:ext uri="{FF2B5EF4-FFF2-40B4-BE49-F238E27FC236}">
+                <a16:creationId xmlns:a16="http://schemas.microsoft.com/office/drawing/2014/main" id="{3A78887C-9023-450B-A782-895A9FB063E1}"/>
+              </a:ext>
+            </a:extLst>
+          </p:cNvPr>
+          <p:cNvSpPr>
+            <a:spLocks noGrp="1"/>
+          </p:cNvSpPr>
+          <p:nvPr>
+            <p:ph type="title"/>
+          </p:nvPr>
+        </p:nvSpPr>
+        <p:spPr/>
+        <p:txBody>
+          <a:bodyPr/>
+          <a:lstStyle/>
+          <a:p>
+            <a:r>
+              <a:rPr lang="en-US" altLang="ko-KR" dirty="0" err="1"/>
+              <a:t>Raycast</a:t>
+            </a:r>
+            <a:endParaRPr lang="ko-KR" altLang="en-US" dirty="0"/>
+          </a:p>
+        </p:txBody>
+      </p:sp>
+      <p:sp>
+        <p:nvSpPr>
+          <p:cNvPr id="3" name="내용 개체 틀 2">
+            <a:extLst>
+              <a:ext uri="{FF2B5EF4-FFF2-40B4-BE49-F238E27FC236}">
+                <a16:creationId xmlns:a16="http://schemas.microsoft.com/office/drawing/2014/main" id="{30AEBE56-3E70-490E-82A7-7EBEC2888384}"/>
+              </a:ext>
+            </a:extLst>
+          </p:cNvPr>
+          <p:cNvSpPr>
+            <a:spLocks noGrp="1"/>
+          </p:cNvSpPr>
+          <p:nvPr>
+            <p:ph idx="1"/>
+          </p:nvPr>
+        </p:nvSpPr>
+        <p:spPr/>
+        <p:txBody>
+          <a:bodyPr/>
+          <a:lstStyle/>
+          <a:p>
+            <a:r>
+              <a:rPr lang="en-US" altLang="ko-KR" dirty="0"/>
+              <a:t>RaycastHit2D </a:t>
+            </a:r>
+            <a:r>
+              <a:rPr lang="en-US" altLang="ko-KR" dirty="0" err="1"/>
+              <a:t>rayHit</a:t>
+            </a:r>
+            <a:r>
+              <a:rPr lang="en-US" altLang="ko-KR" dirty="0"/>
+              <a:t> = </a:t>
+            </a:r>
+          </a:p>
+          <a:p>
+            <a:pPr marL="0" indent="0">
+              <a:buNone/>
+            </a:pPr>
+            <a:r>
+              <a:rPr lang="en-US" altLang="ko-KR" dirty="0"/>
+              <a:t>	Physics2D.Raycast(</a:t>
+            </a:r>
+            <a:r>
+              <a:rPr lang="en-US" altLang="ko-KR" dirty="0" err="1"/>
+              <a:t>frontVec</a:t>
+            </a:r>
+            <a:r>
+              <a:rPr lang="en-US" altLang="ko-KR" dirty="0"/>
+              <a:t>, </a:t>
+            </a:r>
+            <a:r>
+              <a:rPr lang="en-US" altLang="ko-KR" dirty="0">
+                <a:solidFill>
+                  <a:srgbClr val="FF0000"/>
+                </a:solidFill>
+              </a:rPr>
+              <a:t>Vector3.down</a:t>
+            </a:r>
+            <a:r>
+              <a:rPr lang="en-US" altLang="ko-KR" dirty="0"/>
+              <a:t>, 1, 		</a:t>
+            </a:r>
+            <a:r>
+              <a:rPr lang="en-US" altLang="ko-KR" dirty="0" err="1"/>
+              <a:t>LayerMask.GetMask</a:t>
+            </a:r>
+            <a:r>
+              <a:rPr lang="en-US" altLang="ko-KR" dirty="0"/>
+              <a:t>("Ground"));</a:t>
+            </a:r>
+            <a:endParaRPr lang="ko-KR" altLang="en-US" dirty="0"/>
+          </a:p>
+        </p:txBody>
+      </p:sp>
+      <p:pic>
+        <p:nvPicPr>
+          <p:cNvPr id="4" name="그림 3">
+            <a:extLst>
+              <a:ext uri="{FF2B5EF4-FFF2-40B4-BE49-F238E27FC236}">
+                <a16:creationId xmlns:a16="http://schemas.microsoft.com/office/drawing/2014/main" id="{1E69F490-3E81-48EE-AC04-ACB1E79AEB98}"/>
+              </a:ext>
+            </a:extLst>
+          </p:cNvPr>
+          <p:cNvPicPr>
+            <a:picLocks noChangeAspect="1"/>
+          </p:cNvPicPr>
+          <p:nvPr/>
+        </p:nvPicPr>
+        <p:blipFill>
+          <a:blip r:embed="rId2"/>
+          <a:stretch>
+            <a:fillRect/>
+          </a:stretch>
+        </p:blipFill>
+        <p:spPr>
+          <a:xfrm>
+            <a:off x="4107417" y="3409053"/>
+            <a:ext cx="3369708" cy="3083822"/>
+          </a:xfrm>
+          <a:prstGeom prst="rect">
+            <a:avLst/>
+          </a:prstGeom>
+        </p:spPr>
+      </p:pic>
+      <p:sp>
+        <p:nvSpPr>
+          <p:cNvPr id="5" name="직사각형 4">
+            <a:extLst>
+              <a:ext uri="{FF2B5EF4-FFF2-40B4-BE49-F238E27FC236}">
+                <a16:creationId xmlns:a16="http://schemas.microsoft.com/office/drawing/2014/main" id="{F58BD0C9-5046-48D3-A8DF-4F5934B1E9AD}"/>
+              </a:ext>
+            </a:extLst>
+          </p:cNvPr>
+          <p:cNvSpPr/>
+          <p:nvPr/>
+        </p:nvSpPr>
+        <p:spPr>
+          <a:xfrm>
+            <a:off x="6096000" y="4569067"/>
+            <a:ext cx="1117600" cy="381897"/>
+          </a:xfrm>
+          <a:prstGeom prst="rect">
+            <a:avLst/>
+          </a:prstGeom>
+          <a:noFill/>
+          <a:ln w="38100">
+            <a:solidFill>
+              <a:srgbClr val="FF0000"/>
+            </a:solidFill>
+          </a:ln>
+        </p:spPr>
+        <p:style>
+          <a:lnRef idx="2">
+            <a:schemeClr val="accent1">
+              <a:shade val="50000"/>
+            </a:schemeClr>
+          </a:lnRef>
+          <a:fillRef idx="1">
+            <a:schemeClr val="accent1"/>
+          </a:fillRef>
+          <a:effectRef idx="0">
+            <a:schemeClr val="accent1"/>
+          </a:effectRef>
+          <a:fontRef idx="minor">
+            <a:schemeClr val="lt1"/>
+          </a:fontRef>
+        </p:style>
+        <p:txBody>
+          <a:bodyPr rtlCol="0" anchor="ctr"/>
+          <a:lstStyle/>
+          <a:p>
+            <a:pPr algn="ctr"/>
+            <a:endParaRPr lang="ko-KR" altLang="en-US"/>
+          </a:p>
+        </p:txBody>
+      </p:sp>
+    </p:spTree>
+    <p:extLst>
+      <p:ext uri="{BB962C8B-B14F-4D97-AF65-F5344CB8AC3E}">
+        <p14:creationId xmlns:p14="http://schemas.microsoft.com/office/powerpoint/2010/main" val="1077318990"/>
+      </p:ext>
+    </p:extLst>
+  </p:cSld>
+  <p:clrMapOvr>
+    <a:masterClrMapping/>
+  </p:clrMapOvr>
+  <p:timing>
+    <p:tnLst>
+      <p:par>
+        <p:cTn id="1" dur="indefinite" restart="never" nodeType="tmRoot">
+          <p:childTnLst>
+            <p:seq concurrent="1" nextAc="seek">
+              <p:cTn id="2" dur="indefinite" nodeType="mainSeq">
+                <p:childTnLst>
+                  <p:par>
+                    <p:cTn id="3" fill="hold">
+                      <p:stCondLst>
+                        <p:cond delay="indefinite"/>
+                      </p:stCondLst>
+                      <p:childTnLst>
+                        <p:par>
+                          <p:cTn id="4" fill="hold">
+                            <p:stCondLst>
+                              <p:cond delay="0"/>
+                            </p:stCondLst>
+                            <p:childTnLst>
+                              <p:par>
+                                <p:cTn id="5" presetID="1" presetClass="entr" presetSubtype="0" fill="hold" grpId="0" nodeType="clickEffect">
+                                  <p:stCondLst>
+                                    <p:cond delay="0"/>
+                                  </p:stCondLst>
+                                  <p:childTnLst>
+                                    <p:set>
+                                      <p:cBhvr>
+                                        <p:cTn id="6" dur="1" fill="hold">
+                                          <p:stCondLst>
+                                            <p:cond delay="0"/>
+                                          </p:stCondLst>
+                                        </p:cTn>
+                                        <p:tgtEl>
+                                          <p:spTgt spid="5"/>
+                                        </p:tgtEl>
+                                        <p:attrNameLst>
+                                          <p:attrName>style.visibility</p:attrName>
+                                        </p:attrNameLst>
+                                      </p:cBhvr>
+                                      <p:to>
+                                        <p:strVal val="visible"/>
+                                      </p:to>
+                                    </p:set>
+                                  </p:childTnLst>
+                                </p:cTn>
+                              </p:par>
+                            </p:childTnLst>
+                          </p:cTn>
+                        </p:par>
+                      </p:childTnLst>
+                    </p:cTn>
+                  </p:par>
+                </p:childTnLst>
+              </p:cTn>
+              <p:prevCondLst>
+                <p:cond evt="onPrev" delay="0">
+                  <p:tgtEl>
+                    <p:sldTgt/>
+                  </p:tgtEl>
+                </p:cond>
+              </p:prevCondLst>
+              <p:nextCondLst>
+                <p:cond evt="onNext" delay="0">
+                  <p:tgtEl>
+                    <p:sldTgt/>
+                  </p:tgtEl>
+                </p:cond>
+              </p:nextCondLst>
+            </p:seq>
+          </p:childTnLst>
+        </p:cTn>
+      </p:par>
+    </p:tnLst>
+    <p:bldLst>
+      <p:bldP spid="5" grpId="0" animBg="1"/>
+    </p:bldLst>
+  </p:timing>
+</p:sld>
+</file>
+
+<file path=ppt/slides/slide24.xml><?xml version="1.0" encoding="utf-8"?>
+<p:sld xmlns:a="http://schemas.openxmlformats.org/drawingml/2006/main" xmlns:r="http://schemas.openxmlformats.org/officeDocument/2006/relationships" xmlns:p="http://schemas.openxmlformats.org/presentationml/2006/main">
+  <p:cSld>
+    <p:spTree>
+      <p:nvGrpSpPr>
+        <p:cNvPr id="1" name=""/>
+        <p:cNvGrpSpPr/>
+        <p:nvPr/>
+      </p:nvGrpSpPr>
+      <p:grpSpPr>
+        <a:xfrm>
+          <a:off x="0" y="0"/>
+          <a:ext cx="0" cy="0"/>
+          <a:chOff x="0" y="0"/>
+          <a:chExt cx="0" cy="0"/>
+        </a:xfrm>
+      </p:grpSpPr>
+      <p:sp>
+        <p:nvSpPr>
+          <p:cNvPr id="2" name="제목 1">
+            <a:extLst>
+              <a:ext uri="{FF2B5EF4-FFF2-40B4-BE49-F238E27FC236}">
+                <a16:creationId xmlns:a16="http://schemas.microsoft.com/office/drawing/2014/main" id="{3A78887C-9023-450B-A782-895A9FB063E1}"/>
+              </a:ext>
+            </a:extLst>
+          </p:cNvPr>
+          <p:cNvSpPr>
+            <a:spLocks noGrp="1"/>
+          </p:cNvSpPr>
+          <p:nvPr>
+            <p:ph type="title"/>
+          </p:nvPr>
+        </p:nvSpPr>
+        <p:spPr/>
+        <p:txBody>
+          <a:bodyPr/>
+          <a:lstStyle/>
+          <a:p>
+            <a:r>
+              <a:rPr lang="en-US" altLang="ko-KR" dirty="0" err="1"/>
+              <a:t>Raycast</a:t>
+            </a:r>
+            <a:endParaRPr lang="ko-KR" altLang="en-US" dirty="0"/>
+          </a:p>
+        </p:txBody>
+      </p:sp>
+      <p:sp>
+        <p:nvSpPr>
+          <p:cNvPr id="3" name="내용 개체 틀 2">
+            <a:extLst>
+              <a:ext uri="{FF2B5EF4-FFF2-40B4-BE49-F238E27FC236}">
+                <a16:creationId xmlns:a16="http://schemas.microsoft.com/office/drawing/2014/main" id="{30AEBE56-3E70-490E-82A7-7EBEC2888384}"/>
+              </a:ext>
+            </a:extLst>
+          </p:cNvPr>
+          <p:cNvSpPr>
+            <a:spLocks noGrp="1"/>
+          </p:cNvSpPr>
+          <p:nvPr>
+            <p:ph idx="1"/>
+          </p:nvPr>
+        </p:nvSpPr>
+        <p:spPr/>
+        <p:txBody>
+          <a:bodyPr/>
+          <a:lstStyle/>
+          <a:p>
+            <a:r>
+              <a:rPr lang="en-US" altLang="ko-KR" dirty="0"/>
+              <a:t>RaycastHit2D </a:t>
+            </a:r>
+            <a:r>
+              <a:rPr lang="en-US" altLang="ko-KR" dirty="0" err="1"/>
+              <a:t>rayHit</a:t>
+            </a:r>
+            <a:r>
+              <a:rPr lang="en-US" altLang="ko-KR" dirty="0"/>
+              <a:t> = </a:t>
+            </a:r>
+          </a:p>
+          <a:p>
+            <a:pPr marL="0" indent="0">
+              <a:buNone/>
+            </a:pPr>
+            <a:r>
+              <a:rPr lang="en-US" altLang="ko-KR" dirty="0"/>
+              <a:t>	Physics2D.Raycast(</a:t>
+            </a:r>
+            <a:r>
+              <a:rPr lang="en-US" altLang="ko-KR" dirty="0" err="1"/>
+              <a:t>frontVec</a:t>
+            </a:r>
+            <a:r>
+              <a:rPr lang="en-US" altLang="ko-KR" dirty="0"/>
+              <a:t>, Vector3.down, </a:t>
+            </a:r>
+            <a:r>
+              <a:rPr lang="en-US" altLang="ko-KR" dirty="0">
+                <a:solidFill>
+                  <a:srgbClr val="FF0000"/>
+                </a:solidFill>
+              </a:rPr>
+              <a:t>1</a:t>
+            </a:r>
+            <a:r>
+              <a:rPr lang="en-US" altLang="ko-KR" dirty="0"/>
+              <a:t>, 		</a:t>
+            </a:r>
+            <a:r>
+              <a:rPr lang="en-US" altLang="ko-KR" dirty="0" err="1"/>
+              <a:t>LayerMask.GetMask</a:t>
+            </a:r>
+            <a:r>
+              <a:rPr lang="en-US" altLang="ko-KR" dirty="0"/>
+              <a:t>("Ground"));</a:t>
+            </a:r>
+            <a:endParaRPr lang="ko-KR" altLang="en-US" dirty="0"/>
+          </a:p>
+        </p:txBody>
+      </p:sp>
+      <p:pic>
+        <p:nvPicPr>
+          <p:cNvPr id="4" name="그림 3">
+            <a:extLst>
+              <a:ext uri="{FF2B5EF4-FFF2-40B4-BE49-F238E27FC236}">
+                <a16:creationId xmlns:a16="http://schemas.microsoft.com/office/drawing/2014/main" id="{1E69F490-3E81-48EE-AC04-ACB1E79AEB98}"/>
+              </a:ext>
+            </a:extLst>
+          </p:cNvPr>
+          <p:cNvPicPr>
+            <a:picLocks noChangeAspect="1"/>
+          </p:cNvPicPr>
+          <p:nvPr/>
+        </p:nvPicPr>
+        <p:blipFill>
+          <a:blip r:embed="rId2"/>
+          <a:stretch>
+            <a:fillRect/>
+          </a:stretch>
+        </p:blipFill>
+        <p:spPr>
+          <a:xfrm>
+            <a:off x="4107417" y="3409053"/>
+            <a:ext cx="3369708" cy="3083822"/>
+          </a:xfrm>
+          <a:prstGeom prst="rect">
+            <a:avLst/>
+          </a:prstGeom>
+        </p:spPr>
+      </p:pic>
+      <p:sp>
+        <p:nvSpPr>
+          <p:cNvPr id="5" name="직사각형 4">
+            <a:extLst>
+              <a:ext uri="{FF2B5EF4-FFF2-40B4-BE49-F238E27FC236}">
+                <a16:creationId xmlns:a16="http://schemas.microsoft.com/office/drawing/2014/main" id="{F58BD0C9-5046-48D3-A8DF-4F5934B1E9AD}"/>
+              </a:ext>
+            </a:extLst>
+          </p:cNvPr>
+          <p:cNvSpPr/>
+          <p:nvPr/>
+        </p:nvSpPr>
+        <p:spPr>
+          <a:xfrm>
+            <a:off x="5537200" y="5065455"/>
+            <a:ext cx="1117600" cy="381897"/>
+          </a:xfrm>
+          <a:prstGeom prst="rect">
+            <a:avLst/>
+          </a:prstGeom>
+          <a:noFill/>
+          <a:ln w="38100">
+            <a:solidFill>
+              <a:srgbClr val="FF0000"/>
+            </a:solidFill>
+          </a:ln>
+        </p:spPr>
+        <p:style>
+          <a:lnRef idx="2">
+            <a:schemeClr val="accent1">
+              <a:shade val="50000"/>
+            </a:schemeClr>
+          </a:lnRef>
+          <a:fillRef idx="1">
+            <a:schemeClr val="accent1"/>
+          </a:fillRef>
+          <a:effectRef idx="0">
+            <a:schemeClr val="accent1"/>
+          </a:effectRef>
+          <a:fontRef idx="minor">
+            <a:schemeClr val="lt1"/>
+          </a:fontRef>
+        </p:style>
+        <p:txBody>
+          <a:bodyPr rtlCol="0" anchor="ctr"/>
+          <a:lstStyle/>
+          <a:p>
+            <a:pPr algn="ctr"/>
+            <a:endParaRPr lang="ko-KR" altLang="en-US"/>
+          </a:p>
+        </p:txBody>
+      </p:sp>
+    </p:spTree>
+    <p:extLst>
+      <p:ext uri="{BB962C8B-B14F-4D97-AF65-F5344CB8AC3E}">
+        <p14:creationId xmlns:p14="http://schemas.microsoft.com/office/powerpoint/2010/main" val="946704726"/>
+      </p:ext>
+    </p:extLst>
+  </p:cSld>
+  <p:clrMapOvr>
+    <a:masterClrMapping/>
+  </p:clrMapOvr>
+  <p:timing>
+    <p:tnLst>
+      <p:par>
+        <p:cTn id="1" dur="indefinite" restart="never" nodeType="tmRoot">
+          <p:childTnLst>
+            <p:seq concurrent="1" nextAc="seek">
+              <p:cTn id="2" dur="indefinite" nodeType="mainSeq">
+                <p:childTnLst>
+                  <p:par>
+                    <p:cTn id="3" fill="hold">
+                      <p:stCondLst>
+                        <p:cond delay="indefinite"/>
+                      </p:stCondLst>
+                      <p:childTnLst>
+                        <p:par>
+                          <p:cTn id="4" fill="hold">
+                            <p:stCondLst>
+                              <p:cond delay="0"/>
+                            </p:stCondLst>
+                            <p:childTnLst>
+                              <p:par>
+                                <p:cTn id="5" presetID="1" presetClass="entr" presetSubtype="0" fill="hold" grpId="0" nodeType="clickEffect">
+                                  <p:stCondLst>
+                                    <p:cond delay="0"/>
+                                  </p:stCondLst>
+                                  <p:childTnLst>
+                                    <p:set>
+                                      <p:cBhvr>
+                                        <p:cTn id="6" dur="1" fill="hold">
+                                          <p:stCondLst>
+                                            <p:cond delay="0"/>
+                                          </p:stCondLst>
+                                        </p:cTn>
+                                        <p:tgtEl>
+                                          <p:spTgt spid="5"/>
+                                        </p:tgtEl>
+                                        <p:attrNameLst>
+                                          <p:attrName>style.visibility</p:attrName>
+                                        </p:attrNameLst>
+                                      </p:cBhvr>
+                                      <p:to>
+                                        <p:strVal val="visible"/>
+                                      </p:to>
+                                    </p:set>
+                                  </p:childTnLst>
+                                </p:cTn>
+                              </p:par>
+                            </p:childTnLst>
+                          </p:cTn>
+                        </p:par>
+                      </p:childTnLst>
+                    </p:cTn>
+                  </p:par>
+                </p:childTnLst>
+              </p:cTn>
+              <p:prevCondLst>
+                <p:cond evt="onPrev" delay="0">
+                  <p:tgtEl>
+                    <p:sldTgt/>
+                  </p:tgtEl>
+                </p:cond>
+              </p:prevCondLst>
+              <p:nextCondLst>
+                <p:cond evt="onNext" delay="0">
+                  <p:tgtEl>
+                    <p:sldTgt/>
+                  </p:tgtEl>
+                </p:cond>
+              </p:nextCondLst>
+            </p:seq>
+          </p:childTnLst>
+        </p:cTn>
+      </p:par>
+    </p:tnLst>
+    <p:bldLst>
+      <p:bldP spid="5" grpId="0" animBg="1"/>
+    </p:bldLst>
+  </p:timing>
+</p:sld>
+</file>
+
+<file path=ppt/slides/slide25.xml><?xml version="1.0" encoding="utf-8"?>
+<p:sld xmlns:a="http://schemas.openxmlformats.org/drawingml/2006/main" xmlns:r="http://schemas.openxmlformats.org/officeDocument/2006/relationships" xmlns:p="http://schemas.openxmlformats.org/presentationml/2006/main">
+  <p:cSld>
+    <p:spTree>
+      <p:nvGrpSpPr>
+        <p:cNvPr id="1" name=""/>
+        <p:cNvGrpSpPr/>
+        <p:nvPr/>
+      </p:nvGrpSpPr>
+      <p:grpSpPr>
+        <a:xfrm>
+          <a:off x="0" y="0"/>
+          <a:ext cx="0" cy="0"/>
+          <a:chOff x="0" y="0"/>
+          <a:chExt cx="0" cy="0"/>
+        </a:xfrm>
+      </p:grpSpPr>
+      <p:sp>
+        <p:nvSpPr>
+          <p:cNvPr id="2" name="제목 1">
+            <a:extLst>
+              <a:ext uri="{FF2B5EF4-FFF2-40B4-BE49-F238E27FC236}">
+                <a16:creationId xmlns:a16="http://schemas.microsoft.com/office/drawing/2014/main" id="{3A78887C-9023-450B-A782-895A9FB063E1}"/>
+              </a:ext>
+            </a:extLst>
+          </p:cNvPr>
+          <p:cNvSpPr>
+            <a:spLocks noGrp="1"/>
+          </p:cNvSpPr>
+          <p:nvPr>
+            <p:ph type="title"/>
+          </p:nvPr>
+        </p:nvSpPr>
+        <p:spPr/>
+        <p:txBody>
+          <a:bodyPr/>
+          <a:lstStyle/>
+          <a:p>
+            <a:r>
+              <a:rPr lang="en-US" altLang="ko-KR" dirty="0" err="1"/>
+              <a:t>Raycast</a:t>
+            </a:r>
+            <a:endParaRPr lang="ko-KR" altLang="en-US" dirty="0"/>
+          </a:p>
+        </p:txBody>
+      </p:sp>
+      <p:sp>
+        <p:nvSpPr>
+          <p:cNvPr id="3" name="내용 개체 틀 2">
+            <a:extLst>
+              <a:ext uri="{FF2B5EF4-FFF2-40B4-BE49-F238E27FC236}">
+                <a16:creationId xmlns:a16="http://schemas.microsoft.com/office/drawing/2014/main" id="{30AEBE56-3E70-490E-82A7-7EBEC2888384}"/>
+              </a:ext>
+            </a:extLst>
+          </p:cNvPr>
+          <p:cNvSpPr>
+            <a:spLocks noGrp="1"/>
+          </p:cNvSpPr>
+          <p:nvPr>
+            <p:ph idx="1"/>
+          </p:nvPr>
+        </p:nvSpPr>
+        <p:spPr/>
+        <p:txBody>
+          <a:bodyPr/>
+          <a:lstStyle/>
+          <a:p>
+            <a:r>
+              <a:rPr lang="en-US" altLang="ko-KR" dirty="0">
+                <a:solidFill>
+                  <a:srgbClr val="FF0000"/>
+                </a:solidFill>
+              </a:rPr>
+              <a:t>RaycastHit2D</a:t>
+            </a:r>
+            <a:r>
+              <a:rPr lang="en-US" altLang="ko-KR" dirty="0"/>
+              <a:t> </a:t>
+            </a:r>
+            <a:r>
+              <a:rPr lang="en-US" altLang="ko-KR" dirty="0" err="1"/>
+              <a:t>rayHit</a:t>
+            </a:r>
+            <a:r>
+              <a:rPr lang="en-US" altLang="ko-KR" dirty="0"/>
+              <a:t> = </a:t>
+            </a:r>
+          </a:p>
+          <a:p>
+            <a:pPr marL="0" indent="0">
+              <a:buNone/>
+            </a:pPr>
+            <a:r>
+              <a:rPr lang="en-US" altLang="ko-KR" dirty="0"/>
+              <a:t>	Physics2D.Raycast(</a:t>
+            </a:r>
+            <a:r>
+              <a:rPr lang="en-US" altLang="ko-KR" dirty="0" err="1"/>
+              <a:t>frontVec</a:t>
+            </a:r>
+            <a:r>
+              <a:rPr lang="en-US" altLang="ko-KR" dirty="0"/>
+              <a:t>, Vector3.down, 1, 		</a:t>
+            </a:r>
+            <a:r>
+              <a:rPr lang="en-US" altLang="ko-KR" dirty="0" err="1"/>
+              <a:t>LayerMask.GetMask</a:t>
+            </a:r>
+            <a:r>
+              <a:rPr lang="en-US" altLang="ko-KR" dirty="0"/>
+              <a:t>("Ground"));</a:t>
+            </a:r>
+            <a:endParaRPr lang="ko-KR" altLang="en-US" dirty="0"/>
+          </a:p>
+        </p:txBody>
+      </p:sp>
+      <p:pic>
+        <p:nvPicPr>
+          <p:cNvPr id="4" name="그림 3">
+            <a:extLst>
+              <a:ext uri="{FF2B5EF4-FFF2-40B4-BE49-F238E27FC236}">
+                <a16:creationId xmlns:a16="http://schemas.microsoft.com/office/drawing/2014/main" id="{1E69F490-3E81-48EE-AC04-ACB1E79AEB98}"/>
+              </a:ext>
+            </a:extLst>
+          </p:cNvPr>
+          <p:cNvPicPr>
+            <a:picLocks noChangeAspect="1"/>
+          </p:cNvPicPr>
+          <p:nvPr/>
+        </p:nvPicPr>
+        <p:blipFill>
+          <a:blip r:embed="rId2"/>
+          <a:stretch>
+            <a:fillRect/>
+          </a:stretch>
+        </p:blipFill>
+        <p:spPr>
+          <a:xfrm>
+            <a:off x="4107417" y="3409053"/>
+            <a:ext cx="3369708" cy="3083822"/>
+          </a:xfrm>
+          <a:prstGeom prst="rect">
+            <a:avLst/>
+          </a:prstGeom>
+        </p:spPr>
+      </p:pic>
+      <p:sp>
+        <p:nvSpPr>
+          <p:cNvPr id="5" name="직사각형 4">
+            <a:extLst>
+              <a:ext uri="{FF2B5EF4-FFF2-40B4-BE49-F238E27FC236}">
+                <a16:creationId xmlns:a16="http://schemas.microsoft.com/office/drawing/2014/main" id="{F58BD0C9-5046-48D3-A8DF-4F5934B1E9AD}"/>
+              </a:ext>
+            </a:extLst>
+          </p:cNvPr>
+          <p:cNvSpPr/>
+          <p:nvPr/>
+        </p:nvSpPr>
+        <p:spPr>
+          <a:xfrm>
+            <a:off x="4107417" y="5187375"/>
+            <a:ext cx="1117600" cy="381897"/>
+          </a:xfrm>
+          <a:prstGeom prst="rect">
+            <a:avLst/>
+          </a:prstGeom>
+          <a:noFill/>
+          <a:ln w="38100">
+            <a:solidFill>
+              <a:srgbClr val="FF0000"/>
+            </a:solidFill>
+          </a:ln>
+        </p:spPr>
+        <p:style>
+          <a:lnRef idx="2">
+            <a:schemeClr val="accent1">
+              <a:shade val="50000"/>
+            </a:schemeClr>
+          </a:lnRef>
+          <a:fillRef idx="1">
+            <a:schemeClr val="accent1"/>
+          </a:fillRef>
+          <a:effectRef idx="0">
+            <a:schemeClr val="accent1"/>
+          </a:effectRef>
+          <a:fontRef idx="minor">
+            <a:schemeClr val="lt1"/>
+          </a:fontRef>
+        </p:style>
+        <p:txBody>
+          <a:bodyPr rtlCol="0" anchor="ctr"/>
+          <a:lstStyle/>
+          <a:p>
+            <a:pPr algn="ctr"/>
+            <a:endParaRPr lang="ko-KR" altLang="en-US"/>
+          </a:p>
+        </p:txBody>
+      </p:sp>
+    </p:spTree>
+    <p:extLst>
+      <p:ext uri="{BB962C8B-B14F-4D97-AF65-F5344CB8AC3E}">
+        <p14:creationId xmlns:p14="http://schemas.microsoft.com/office/powerpoint/2010/main" val="534664085"/>
+      </p:ext>
+    </p:extLst>
+  </p:cSld>
+  <p:clrMapOvr>
+    <a:masterClrMapping/>
+  </p:clrMapOvr>
+  <p:timing>
+    <p:tnLst>
+      <p:par>
+        <p:cTn id="1" dur="indefinite" restart="never" nodeType="tmRoot">
+          <p:childTnLst>
+            <p:seq concurrent="1" nextAc="seek">
+              <p:cTn id="2" dur="indefinite" nodeType="mainSeq">
+                <p:childTnLst>
+                  <p:par>
+                    <p:cTn id="3" fill="hold">
+                      <p:stCondLst>
+                        <p:cond delay="indefinite"/>
+                      </p:stCondLst>
+                      <p:childTnLst>
+                        <p:par>
+                          <p:cTn id="4" fill="hold">
+                            <p:stCondLst>
+                              <p:cond delay="0"/>
+                            </p:stCondLst>
+                            <p:childTnLst>
+                              <p:par>
+                                <p:cTn id="5" presetID="1" presetClass="entr" presetSubtype="0" fill="hold" grpId="0" nodeType="clickEffect">
+                                  <p:stCondLst>
+                                    <p:cond delay="0"/>
+                                  </p:stCondLst>
+                                  <p:childTnLst>
+                                    <p:set>
+                                      <p:cBhvr>
+                                        <p:cTn id="6" dur="1" fill="hold">
+                                          <p:stCondLst>
+                                            <p:cond delay="0"/>
+                                          </p:stCondLst>
+                                        </p:cTn>
+                                        <p:tgtEl>
+                                          <p:spTgt spid="5"/>
+                                        </p:tgtEl>
+                                        <p:attrNameLst>
+                                          <p:attrName>style.visibility</p:attrName>
+                                        </p:attrNameLst>
+                                      </p:cBhvr>
+                                      <p:to>
+                                        <p:strVal val="visible"/>
+                                      </p:to>
+                                    </p:set>
+                                  </p:childTnLst>
+                                </p:cTn>
+                              </p:par>
+                            </p:childTnLst>
+                          </p:cTn>
+                        </p:par>
+                      </p:childTnLst>
+                    </p:cTn>
+                  </p:par>
+                </p:childTnLst>
+              </p:cTn>
+              <p:prevCondLst>
+                <p:cond evt="onPrev" delay="0">
+                  <p:tgtEl>
+                    <p:sldTgt/>
+                  </p:tgtEl>
+                </p:cond>
+              </p:prevCondLst>
+              <p:nextCondLst>
+                <p:cond evt="onNext" delay="0">
+                  <p:tgtEl>
+                    <p:sldTgt/>
+                  </p:tgtEl>
+                </p:cond>
+              </p:nextCondLst>
+            </p:seq>
+          </p:childTnLst>
+        </p:cTn>
+      </p:par>
+    </p:tnLst>
+    <p:bldLst>
+      <p:bldP spid="5" grpId="0" animBg="1"/>
+    </p:bldLst>
+  </p:timing>
+</p:sld>
+</file>
+
+<file path=ppt/slides/slide26.xml><?xml version="1.0" encoding="utf-8"?>
+<p:sld xmlns:a="http://schemas.openxmlformats.org/drawingml/2006/main" xmlns:r="http://schemas.openxmlformats.org/officeDocument/2006/relationships" xmlns:p="http://schemas.openxmlformats.org/presentationml/2006/main">
+  <p:cSld>
+    <p:spTree>
+      <p:nvGrpSpPr>
+        <p:cNvPr id="1" name=""/>
+        <p:cNvGrpSpPr/>
+        <p:nvPr/>
+      </p:nvGrpSpPr>
+      <p:grpSpPr>
+        <a:xfrm>
+          <a:off x="0" y="0"/>
+          <a:ext cx="0" cy="0"/>
+          <a:chOff x="0" y="0"/>
+          <a:chExt cx="0" cy="0"/>
+        </a:xfrm>
+      </p:grpSpPr>
+      <p:sp>
+        <p:nvSpPr>
+          <p:cNvPr id="2" name="제목 1">
+            <a:extLst>
+              <a:ext uri="{FF2B5EF4-FFF2-40B4-BE49-F238E27FC236}">
+                <a16:creationId xmlns:a16="http://schemas.microsoft.com/office/drawing/2014/main" id="{3A78887C-9023-450B-A782-895A9FB063E1}"/>
+              </a:ext>
+            </a:extLst>
+          </p:cNvPr>
+          <p:cNvSpPr>
+            <a:spLocks noGrp="1"/>
+          </p:cNvSpPr>
+          <p:nvPr>
+            <p:ph type="title"/>
+          </p:nvPr>
+        </p:nvSpPr>
+        <p:spPr/>
+        <p:txBody>
+          <a:bodyPr/>
+          <a:lstStyle/>
+          <a:p>
+            <a:r>
+              <a:rPr lang="en-US" altLang="ko-KR" dirty="0" err="1"/>
+              <a:t>Raycast</a:t>
+            </a:r>
+            <a:endParaRPr lang="ko-KR" altLang="en-US" dirty="0"/>
+          </a:p>
+        </p:txBody>
+      </p:sp>
+      <p:sp>
+        <p:nvSpPr>
+          <p:cNvPr id="3" name="내용 개체 틀 2">
+            <a:extLst>
+              <a:ext uri="{FF2B5EF4-FFF2-40B4-BE49-F238E27FC236}">
+                <a16:creationId xmlns:a16="http://schemas.microsoft.com/office/drawing/2014/main" id="{30AEBE56-3E70-490E-82A7-7EBEC2888384}"/>
+              </a:ext>
+            </a:extLst>
+          </p:cNvPr>
+          <p:cNvSpPr>
+            <a:spLocks noGrp="1"/>
+          </p:cNvSpPr>
+          <p:nvPr>
+            <p:ph idx="1"/>
+          </p:nvPr>
+        </p:nvSpPr>
+        <p:spPr/>
+        <p:txBody>
+          <a:bodyPr/>
+          <a:lstStyle/>
+          <a:p>
+            <a:r>
+              <a:rPr lang="en-US" altLang="ko-KR" dirty="0"/>
+              <a:t>RaycastHit2D </a:t>
+            </a:r>
+            <a:r>
+              <a:rPr lang="en-US" altLang="ko-KR" dirty="0" err="1"/>
+              <a:t>rayHit</a:t>
+            </a:r>
+            <a:r>
+              <a:rPr lang="en-US" altLang="ko-KR" dirty="0"/>
+              <a:t> = </a:t>
+            </a:r>
+          </a:p>
+          <a:p>
+            <a:pPr marL="0" indent="0">
+              <a:buNone/>
+            </a:pPr>
+            <a:r>
+              <a:rPr lang="en-US" altLang="ko-KR" dirty="0"/>
+              <a:t>	Physics2D.Raycast(</a:t>
+            </a:r>
+            <a:r>
+              <a:rPr lang="en-US" altLang="ko-KR" dirty="0" err="1"/>
+              <a:t>frontVec</a:t>
+            </a:r>
+            <a:r>
+              <a:rPr lang="en-US" altLang="ko-KR" dirty="0"/>
+              <a:t>, Vector3.down, 1, 		</a:t>
+            </a:r>
+            <a:r>
+              <a:rPr lang="en-US" altLang="ko-KR" dirty="0" err="1">
+                <a:solidFill>
+                  <a:schemeClr val="accent1"/>
+                </a:solidFill>
+              </a:rPr>
+              <a:t>LayerMask.GetMask</a:t>
+            </a:r>
+            <a:r>
+              <a:rPr lang="en-US" altLang="ko-KR" dirty="0">
+                <a:solidFill>
+                  <a:schemeClr val="accent1"/>
+                </a:solidFill>
+              </a:rPr>
+              <a:t>("Ground")</a:t>
+            </a:r>
+            <a:r>
+              <a:rPr lang="en-US" altLang="ko-KR" dirty="0"/>
+              <a:t>);</a:t>
+            </a:r>
+            <a:endParaRPr lang="ko-KR" altLang="en-US" dirty="0"/>
+          </a:p>
+        </p:txBody>
+      </p:sp>
+      <p:pic>
+        <p:nvPicPr>
+          <p:cNvPr id="4" name="그림 3">
+            <a:extLst>
+              <a:ext uri="{FF2B5EF4-FFF2-40B4-BE49-F238E27FC236}">
+                <a16:creationId xmlns:a16="http://schemas.microsoft.com/office/drawing/2014/main" id="{1E69F490-3E81-48EE-AC04-ACB1E79AEB98}"/>
+              </a:ext>
+            </a:extLst>
+          </p:cNvPr>
+          <p:cNvPicPr>
+            <a:picLocks noChangeAspect="1"/>
+          </p:cNvPicPr>
+          <p:nvPr/>
+        </p:nvPicPr>
+        <p:blipFill>
+          <a:blip r:embed="rId2"/>
+          <a:stretch>
+            <a:fillRect/>
+          </a:stretch>
+        </p:blipFill>
+        <p:spPr>
+          <a:xfrm>
+            <a:off x="4107417" y="3409053"/>
+            <a:ext cx="3369708" cy="3083822"/>
+          </a:xfrm>
+          <a:prstGeom prst="rect">
+            <a:avLst/>
+          </a:prstGeom>
+        </p:spPr>
+      </p:pic>
+      <p:sp>
+        <p:nvSpPr>
+          <p:cNvPr id="5" name="직사각형 4">
+            <a:extLst>
+              <a:ext uri="{FF2B5EF4-FFF2-40B4-BE49-F238E27FC236}">
+                <a16:creationId xmlns:a16="http://schemas.microsoft.com/office/drawing/2014/main" id="{F58BD0C9-5046-48D3-A8DF-4F5934B1E9AD}"/>
+              </a:ext>
+            </a:extLst>
+          </p:cNvPr>
+          <p:cNvSpPr/>
+          <p:nvPr/>
+        </p:nvSpPr>
+        <p:spPr>
+          <a:xfrm>
+            <a:off x="4214949" y="5605386"/>
+            <a:ext cx="818605" cy="571577"/>
+          </a:xfrm>
+          <a:prstGeom prst="rect">
+            <a:avLst/>
+          </a:prstGeom>
+          <a:noFill/>
+          <a:ln w="38100">
+            <a:solidFill>
+              <a:schemeClr val="accent1"/>
+            </a:solidFill>
+          </a:ln>
+        </p:spPr>
+        <p:style>
+          <a:lnRef idx="2">
+            <a:schemeClr val="accent1">
+              <a:shade val="50000"/>
+            </a:schemeClr>
+          </a:lnRef>
+          <a:fillRef idx="1">
+            <a:schemeClr val="accent1"/>
+          </a:fillRef>
+          <a:effectRef idx="0">
+            <a:schemeClr val="accent1"/>
+          </a:effectRef>
+          <a:fontRef idx="minor">
+            <a:schemeClr val="lt1"/>
+          </a:fontRef>
+        </p:style>
+        <p:txBody>
+          <a:bodyPr rtlCol="0" anchor="ctr"/>
+          <a:lstStyle/>
+          <a:p>
+            <a:pPr algn="ctr"/>
+            <a:endParaRPr lang="ko-KR" altLang="en-US"/>
+          </a:p>
+        </p:txBody>
+      </p:sp>
+      <p:sp>
+        <p:nvSpPr>
+          <p:cNvPr id="6" name="TextBox 5">
+            <a:extLst>
+              <a:ext uri="{FF2B5EF4-FFF2-40B4-BE49-F238E27FC236}">
+                <a16:creationId xmlns:a16="http://schemas.microsoft.com/office/drawing/2014/main" id="{FD2E5A22-C194-45A6-A25D-88B97265C4A1}"/>
+              </a:ext>
+            </a:extLst>
+          </p:cNvPr>
+          <p:cNvSpPr txBox="1"/>
+          <p:nvPr/>
+        </p:nvSpPr>
+        <p:spPr>
+          <a:xfrm>
+            <a:off x="2786743" y="5573236"/>
+            <a:ext cx="1428206" cy="738664"/>
+          </a:xfrm>
+          <a:prstGeom prst="rect">
+            <a:avLst/>
+          </a:prstGeom>
+          <a:noFill/>
+        </p:spPr>
+        <p:txBody>
+          <a:bodyPr wrap="square" rtlCol="0">
+            <a:spAutoFit/>
+          </a:bodyPr>
+          <a:lstStyle/>
+          <a:p>
+            <a:r>
+              <a:rPr lang="en-US" altLang="ko-KR" sz="1400" dirty="0" err="1">
+                <a:solidFill>
+                  <a:schemeClr val="accent1"/>
+                </a:solidFill>
+                <a:latin typeface="에스코어 드림 5 Medium" panose="020B0503030302020204" pitchFamily="34" charset="-127"/>
+                <a:ea typeface="에스코어 드림 5 Medium" panose="020B0503030302020204" pitchFamily="34" charset="-127"/>
+              </a:rPr>
+              <a:t>LayerMask</a:t>
+            </a:r>
+            <a:r>
+              <a:rPr lang="ko-KR" altLang="en-US" sz="1400" dirty="0">
+                <a:solidFill>
+                  <a:schemeClr val="accent1"/>
+                </a:solidFill>
+                <a:latin typeface="에스코어 드림 5 Medium" panose="020B0503030302020204" pitchFamily="34" charset="-127"/>
+                <a:ea typeface="에스코어 드림 5 Medium" panose="020B0503030302020204" pitchFamily="34" charset="-127"/>
+              </a:rPr>
+              <a:t>가 </a:t>
+            </a:r>
+            <a:r>
+              <a:rPr lang="en-US" altLang="ko-KR" sz="1400" dirty="0">
+                <a:solidFill>
+                  <a:schemeClr val="accent1"/>
+                </a:solidFill>
+                <a:latin typeface="에스코어 드림 5 Medium" panose="020B0503030302020204" pitchFamily="34" charset="-127"/>
+                <a:ea typeface="에스코어 드림 5 Medium" panose="020B0503030302020204" pitchFamily="34" charset="-127"/>
+              </a:rPr>
+              <a:t>Ground</a:t>
+            </a:r>
+            <a:r>
+              <a:rPr lang="ko-KR" altLang="en-US" sz="1400" dirty="0">
+                <a:solidFill>
+                  <a:schemeClr val="accent1"/>
+                </a:solidFill>
+                <a:latin typeface="에스코어 드림 5 Medium" panose="020B0503030302020204" pitchFamily="34" charset="-127"/>
+                <a:ea typeface="에스코어 드림 5 Medium" panose="020B0503030302020204" pitchFamily="34" charset="-127"/>
+              </a:rPr>
+              <a:t>인 것만 찾기</a:t>
+            </a:r>
+          </a:p>
+        </p:txBody>
+      </p:sp>
+    </p:spTree>
+    <p:extLst>
+      <p:ext uri="{BB962C8B-B14F-4D97-AF65-F5344CB8AC3E}">
+        <p14:creationId xmlns:p14="http://schemas.microsoft.com/office/powerpoint/2010/main" val="2842006017"/>
+      </p:ext>
+    </p:extLst>
+  </p:cSld>
+  <p:clrMapOvr>
+    <a:masterClrMapping/>
+  </p:clrMapOvr>
+  <p:timing>
+    <p:tnLst>
+      <p:par>
+        <p:cTn id="1" dur="indefinite" restart="never" nodeType="tmRoot">
+          <p:childTnLst>
+            <p:seq concurrent="1" nextAc="seek">
+              <p:cTn id="2" dur="indefinite" nodeType="mainSeq">
+                <p:childTnLst>
+                  <p:par>
+                    <p:cTn id="3" fill="hold">
+                      <p:stCondLst>
+                        <p:cond delay="indefinite"/>
+                      </p:stCondLst>
+                      <p:childTnLst>
+                        <p:par>
+                          <p:cTn id="4" fill="hold">
+                            <p:stCondLst>
+                              <p:cond delay="0"/>
+                            </p:stCondLst>
+                            <p:childTnLst>
+                              <p:par>
+                                <p:cTn id="5" presetID="1" presetClass="entr" presetSubtype="0" fill="hold" grpId="0" nodeType="clickEffect">
+                                  <p:stCondLst>
+                                    <p:cond delay="0"/>
+                                  </p:stCondLst>
+                                  <p:childTnLst>
+                                    <p:set>
+                                      <p:cBhvr>
+                                        <p:cTn id="6" dur="1" fill="hold">
+                                          <p:stCondLst>
+                                            <p:cond delay="0"/>
+                                          </p:stCondLst>
+                                        </p:cTn>
+                                        <p:tgtEl>
+                                          <p:spTgt spid="5"/>
+                                        </p:tgtEl>
+                                        <p:attrNameLst>
+                                          <p:attrName>style.visibility</p:attrName>
+                                        </p:attrNameLst>
+                                      </p:cBhvr>
+                                      <p:to>
+                                        <p:strVal val="visible"/>
+                                      </p:to>
+                                    </p:set>
+                                  </p:childTnLst>
+                                </p:cTn>
+                              </p:par>
+                            </p:childTnLst>
+                          </p:cTn>
+                        </p:par>
+                      </p:childTnLst>
+                    </p:cTn>
+                  </p:par>
+                </p:childTnLst>
+              </p:cTn>
+              <p:prevCondLst>
+                <p:cond evt="onPrev" delay="0">
+                  <p:tgtEl>
+                    <p:sldTgt/>
+                  </p:tgtEl>
+                </p:cond>
+              </p:prevCondLst>
+              <p:nextCondLst>
+                <p:cond evt="onNext" delay="0">
+                  <p:tgtEl>
+                    <p:sldTgt/>
+                  </p:tgtEl>
+                </p:cond>
+              </p:nextCondLst>
+            </p:seq>
+          </p:childTnLst>
+        </p:cTn>
+      </p:par>
+    </p:tnLst>
+    <p:bldLst>
+      <p:bldP spid="5" grpId="0" animBg="1"/>
+    </p:bldLst>
+  </p:timing>
+</p:sld>
+</file>
+
+<file path=ppt/slides/slide27.xml><?xml version="1.0" encoding="utf-8"?>
+<p:sld xmlns:a="http://schemas.openxmlformats.org/drawingml/2006/main" xmlns:r="http://schemas.openxmlformats.org/officeDocument/2006/relationships" xmlns:p="http://schemas.openxmlformats.org/presentationml/2006/main">
+  <p:cSld>
+    <p:spTree>
+      <p:nvGrpSpPr>
+        <p:cNvPr id="1" name=""/>
+        <p:cNvGrpSpPr/>
+        <p:nvPr/>
+      </p:nvGrpSpPr>
+      <p:grpSpPr>
+        <a:xfrm>
+          <a:off x="0" y="0"/>
+          <a:ext cx="0" cy="0"/>
+          <a:chOff x="0" y="0"/>
+          <a:chExt cx="0" cy="0"/>
+        </a:xfrm>
+      </p:grpSpPr>
+      <p:sp>
+        <p:nvSpPr>
+          <p:cNvPr id="2" name="제목 1">
+            <a:extLst>
+              <a:ext uri="{FF2B5EF4-FFF2-40B4-BE49-F238E27FC236}">
+                <a16:creationId xmlns:a16="http://schemas.microsoft.com/office/drawing/2014/main" id="{6FA394FD-16EA-4614-B482-1F3149C10627}"/>
+              </a:ext>
+            </a:extLst>
+          </p:cNvPr>
+          <p:cNvSpPr>
+            <a:spLocks noGrp="1"/>
+          </p:cNvSpPr>
+          <p:nvPr>
+            <p:ph type="title"/>
+          </p:nvPr>
+        </p:nvSpPr>
+        <p:spPr/>
+        <p:txBody>
+          <a:bodyPr/>
+          <a:lstStyle/>
+          <a:p>
+            <a:r>
+              <a:rPr lang="ko-KR" altLang="en-US" dirty="0"/>
+              <a:t>정리</a:t>
+            </a:r>
+          </a:p>
+        </p:txBody>
+      </p:sp>
+      <p:sp>
+        <p:nvSpPr>
+          <p:cNvPr id="3" name="내용 개체 틀 2">
+            <a:extLst>
+              <a:ext uri="{FF2B5EF4-FFF2-40B4-BE49-F238E27FC236}">
+                <a16:creationId xmlns:a16="http://schemas.microsoft.com/office/drawing/2014/main" id="{EAD9D2AA-0240-4BE5-B4DA-C4CC3E5ADFA4}"/>
+              </a:ext>
+            </a:extLst>
+          </p:cNvPr>
+          <p:cNvSpPr>
+            <a:spLocks noGrp="1"/>
+          </p:cNvSpPr>
+          <p:nvPr>
+            <p:ph idx="1"/>
+          </p:nvPr>
+        </p:nvSpPr>
+        <p:spPr/>
+        <p:txBody>
+          <a:bodyPr/>
+          <a:lstStyle/>
+          <a:p>
+            <a:r>
+              <a:rPr lang="en-US" altLang="ko-KR" dirty="0"/>
+              <a:t> tag vs </a:t>
+            </a:r>
+            <a:r>
+              <a:rPr lang="en-US" altLang="ko-KR" dirty="0" err="1"/>
+              <a:t>layerMask</a:t>
+            </a:r>
+            <a:endParaRPr lang="en-US" altLang="ko-KR" dirty="0"/>
+          </a:p>
+          <a:p>
+            <a:pPr lvl="1"/>
+            <a:r>
+              <a:rPr lang="en-US" altLang="ko-KR" dirty="0"/>
+              <a:t> </a:t>
+            </a:r>
+            <a:r>
+              <a:rPr lang="ko-KR" altLang="en-US" dirty="0"/>
+              <a:t>둘 다 오브젝트를 구분하는 그룹 식별자</a:t>
+            </a:r>
+            <a:endParaRPr lang="en-US" altLang="ko-KR" dirty="0"/>
+          </a:p>
+          <a:p>
+            <a:pPr lvl="1"/>
+            <a:r>
+              <a:rPr lang="en-US" altLang="ko-KR" dirty="0"/>
+              <a:t> </a:t>
+            </a:r>
+            <a:r>
+              <a:rPr lang="en-US" altLang="ko-KR" dirty="0">
+                <a:solidFill>
+                  <a:srgbClr val="FF0000"/>
+                </a:solidFill>
+              </a:rPr>
+              <a:t>tag</a:t>
+            </a:r>
+            <a:r>
+              <a:rPr lang="ko-KR" altLang="en-US" dirty="0"/>
+              <a:t>는 오브젝트를 찾는데 주로 사용 </a:t>
+            </a:r>
+            <a:r>
+              <a:rPr lang="en-US" altLang="ko-KR" dirty="0"/>
+              <a:t>(100%</a:t>
+            </a:r>
+            <a:r>
+              <a:rPr lang="ko-KR" altLang="en-US" dirty="0"/>
+              <a:t>는 아님</a:t>
+            </a:r>
+            <a:r>
+              <a:rPr lang="en-US" altLang="ko-KR" dirty="0"/>
+              <a:t>)</a:t>
+            </a:r>
+          </a:p>
+          <a:p>
+            <a:pPr lvl="1"/>
+            <a:r>
+              <a:rPr lang="en-US" altLang="ko-KR" dirty="0"/>
+              <a:t> </a:t>
+            </a:r>
+            <a:r>
+              <a:rPr lang="en-US" altLang="ko-KR" dirty="0" err="1">
+                <a:solidFill>
+                  <a:srgbClr val="FF0000"/>
+                </a:solidFill>
+              </a:rPr>
+              <a:t>layerMask</a:t>
+            </a:r>
+            <a:r>
+              <a:rPr lang="ko-KR" altLang="en-US" dirty="0"/>
+              <a:t>는 </a:t>
+            </a:r>
+            <a:r>
+              <a:rPr lang="ko-KR" altLang="en-US" dirty="0">
+                <a:solidFill>
+                  <a:schemeClr val="accent1"/>
+                </a:solidFill>
+              </a:rPr>
+              <a:t>물리적인 처리</a:t>
+            </a:r>
+            <a:r>
+              <a:rPr lang="ko-KR" altLang="en-US" dirty="0"/>
+              <a:t>에 대한 구분을 위해 사용</a:t>
+            </a:r>
+            <a:endParaRPr lang="en-US" altLang="ko-KR" dirty="0"/>
+          </a:p>
+          <a:p>
+            <a:pPr lvl="1"/>
+            <a:endParaRPr lang="en-US" altLang="ko-KR" dirty="0"/>
+          </a:p>
+          <a:p>
+            <a:r>
+              <a:rPr lang="ko-KR" altLang="en-US" dirty="0"/>
+              <a:t> </a:t>
+            </a:r>
+            <a:r>
+              <a:rPr lang="en-US" altLang="ko-KR" dirty="0" err="1"/>
+              <a:t>Raycast</a:t>
+            </a:r>
+            <a:endParaRPr lang="en-US" altLang="ko-KR" dirty="0"/>
+          </a:p>
+          <a:p>
+            <a:pPr lvl="1"/>
+            <a:r>
+              <a:rPr lang="en-US" altLang="ko-KR" dirty="0"/>
+              <a:t> </a:t>
+            </a:r>
+            <a:r>
+              <a:rPr lang="ko-KR" altLang="en-US" dirty="0">
+                <a:solidFill>
+                  <a:schemeClr val="accent1"/>
+                </a:solidFill>
+              </a:rPr>
+              <a:t>특정 위치</a:t>
+            </a:r>
+            <a:r>
+              <a:rPr lang="ko-KR" altLang="en-US" dirty="0"/>
+              <a:t>에서 </a:t>
+            </a:r>
+            <a:r>
+              <a:rPr lang="en-US" altLang="ko-KR" dirty="0"/>
+              <a:t>ray</a:t>
+            </a:r>
+            <a:r>
+              <a:rPr lang="ko-KR" altLang="en-US" dirty="0"/>
+              <a:t>를 쏴 </a:t>
+            </a:r>
+            <a:r>
+              <a:rPr lang="ko-KR" altLang="en-US" dirty="0">
+                <a:solidFill>
+                  <a:schemeClr val="accent1"/>
+                </a:solidFill>
+              </a:rPr>
+              <a:t>충돌 감지</a:t>
+            </a:r>
+            <a:r>
+              <a:rPr lang="ko-KR" altLang="en-US" dirty="0"/>
+              <a:t>하는 기능</a:t>
+            </a:r>
+          </a:p>
+        </p:txBody>
+      </p:sp>
+    </p:spTree>
+    <p:extLst>
+      <p:ext uri="{BB962C8B-B14F-4D97-AF65-F5344CB8AC3E}">
+        <p14:creationId xmlns:p14="http://schemas.microsoft.com/office/powerpoint/2010/main" val="4103849611"/>
+      </p:ext>
+    </p:extLst>
+  </p:cSld>
+  <p:clrMapOvr>
+    <a:masterClrMapping/>
+  </p:clrMapOvr>
+</p:sld>
+</file>
+
+<file path=ppt/slides/slide28.xml><?xml version="1.0" encoding="utf-8"?>
+<p:sld xmlns:a="http://schemas.openxmlformats.org/drawingml/2006/main" xmlns:r="http://schemas.openxmlformats.org/officeDocument/2006/relationships" xmlns:p="http://schemas.openxmlformats.org/presentationml/2006/main">
+  <p:cSld>
+    <p:spTree>
+      <p:nvGrpSpPr>
+        <p:cNvPr id="1" name=""/>
+        <p:cNvGrpSpPr/>
+        <p:nvPr/>
+      </p:nvGrpSpPr>
+      <p:grpSpPr>
+        <a:xfrm>
+          <a:off x="0" y="0"/>
+          <a:ext cx="0" cy="0"/>
+          <a:chOff x="0" y="0"/>
+          <a:chExt cx="0" cy="0"/>
+        </a:xfrm>
+      </p:grpSpPr>
+      <p:sp>
+        <p:nvSpPr>
+          <p:cNvPr id="2" name="제목 1">
+            <a:extLst>
+              <a:ext uri="{FF2B5EF4-FFF2-40B4-BE49-F238E27FC236}">
                 <a16:creationId xmlns:a16="http://schemas.microsoft.com/office/drawing/2014/main" id="{DF1959B0-E39D-49D1-8915-3A03F5677DB0}"/>
               </a:ext>
             </a:extLst>
@@ -4201,7 +8504,7 @@
 </p:sld>
 </file>
 
-<file path=ppt/slides/slide14.xml><?xml version="1.0" encoding="utf-8"?>
+<file path=ppt/slides/slide29.xml><?xml version="1.0" encoding="utf-8"?>
 <p:sld xmlns:a="http://schemas.openxmlformats.org/drawingml/2006/main" xmlns:r="http://schemas.openxmlformats.org/officeDocument/2006/relationships" xmlns:p="http://schemas.openxmlformats.org/presentationml/2006/main">
   <p:cSld>
     <p:spTree>
@@ -4308,7 +8611,7 @@
 </p:sld>
 </file>
 
-<file path=ppt/slides/slide15.xml><?xml version="1.0" encoding="utf-8"?>
+<file path=ppt/slides/slide3.xml><?xml version="1.0" encoding="utf-8"?>
 <p:sld xmlns:a="http://schemas.openxmlformats.org/drawingml/2006/main" xmlns:r="http://schemas.openxmlformats.org/officeDocument/2006/relationships" xmlns:p="http://schemas.openxmlformats.org/presentationml/2006/main">
   <p:cSld>
     <p:spTree>
@@ -4330,6 +8633,152 @@
           <p:cNvPr id="2" name="제목 1">
             <a:extLst>
               <a:ext uri="{FF2B5EF4-FFF2-40B4-BE49-F238E27FC236}">
+                <a16:creationId xmlns:a16="http://schemas.microsoft.com/office/drawing/2014/main" id="{514915F0-2B60-46E6-974C-3B018709680F}"/>
+              </a:ext>
+            </a:extLst>
+          </p:cNvPr>
+          <p:cNvSpPr>
+            <a:spLocks noGrp="1"/>
+          </p:cNvSpPr>
+          <p:nvPr>
+            <p:ph type="title"/>
+          </p:nvPr>
+        </p:nvSpPr>
+        <p:spPr/>
+        <p:txBody>
+          <a:bodyPr/>
+          <a:lstStyle/>
+          <a:p>
+            <a:r>
+              <a:rPr lang="en-US" altLang="ko-KR" dirty="0"/>
+              <a:t>Collision</a:t>
+            </a:r>
+            <a:endParaRPr lang="ko-KR" altLang="en-US" dirty="0"/>
+          </a:p>
+        </p:txBody>
+      </p:sp>
+      <p:sp>
+        <p:nvSpPr>
+          <p:cNvPr id="3" name="내용 개체 틀 2">
+            <a:extLst>
+              <a:ext uri="{FF2B5EF4-FFF2-40B4-BE49-F238E27FC236}">
+                <a16:creationId xmlns:a16="http://schemas.microsoft.com/office/drawing/2014/main" id="{3C41A663-C5C8-454C-8B0E-C47B853A52EF}"/>
+              </a:ext>
+            </a:extLst>
+          </p:cNvPr>
+          <p:cNvSpPr>
+            <a:spLocks noGrp="1"/>
+          </p:cNvSpPr>
+          <p:nvPr>
+            <p:ph idx="1"/>
+          </p:nvPr>
+        </p:nvSpPr>
+        <p:spPr/>
+        <p:txBody>
+          <a:bodyPr/>
+          <a:lstStyle/>
+          <a:p>
+            <a:r>
+              <a:rPr lang="en-US" altLang="ko-KR" dirty="0"/>
+              <a:t>Collision = </a:t>
+            </a:r>
+            <a:r>
+              <a:rPr lang="ko-KR" altLang="en-US" dirty="0"/>
+              <a:t>오브젝트와 오브젝트가 부딪히는 행위</a:t>
+            </a:r>
+            <a:endParaRPr lang="en-US" altLang="ko-KR" dirty="0"/>
+          </a:p>
+          <a:p>
+            <a:r>
+              <a:rPr lang="en-US" altLang="ko-KR" dirty="0"/>
+              <a:t>Collision </a:t>
+            </a:r>
+            <a:r>
+              <a:rPr lang="ko-KR" altLang="en-US" dirty="0"/>
+              <a:t>충돌 필수조건</a:t>
+            </a:r>
+            <a:endParaRPr lang="en-US" altLang="ko-KR" dirty="0"/>
+          </a:p>
+          <a:p>
+            <a:pPr lvl="1"/>
+            <a:r>
+              <a:rPr lang="ko-KR" altLang="en-US" dirty="0"/>
+              <a:t>충돌을 하는 두 오브젝트는 </a:t>
+            </a:r>
+            <a:r>
+              <a:rPr lang="en-US" altLang="ko-KR" dirty="0"/>
+              <a:t>Collider Component</a:t>
+            </a:r>
+            <a:r>
+              <a:rPr lang="ko-KR" altLang="en-US" dirty="0"/>
+              <a:t>를 가진다</a:t>
+            </a:r>
+            <a:endParaRPr lang="en-US" altLang="ko-KR" dirty="0"/>
+          </a:p>
+          <a:p>
+            <a:pPr lvl="1"/>
+            <a:r>
+              <a:rPr lang="ko-KR" altLang="en-US" dirty="0"/>
+              <a:t>두 오브젝트 중에서 움직이는 </a:t>
+            </a:r>
+            <a:r>
+              <a:rPr lang="en-US" altLang="ko-KR" dirty="0"/>
+              <a:t>Object</a:t>
+            </a:r>
+            <a:r>
+              <a:rPr lang="ko-KR" altLang="en-US" dirty="0"/>
+              <a:t>는 반드시 </a:t>
+            </a:r>
+            <a:r>
+              <a:rPr lang="en-US" altLang="ko-KR" dirty="0" err="1"/>
+              <a:t>RigidBody</a:t>
+            </a:r>
+            <a:r>
+              <a:rPr lang="en-US" altLang="ko-KR" dirty="0"/>
+              <a:t> Component</a:t>
+            </a:r>
+            <a:r>
+              <a:rPr lang="ko-KR" altLang="en-US" dirty="0"/>
+              <a:t>를 가진다</a:t>
+            </a:r>
+          </a:p>
+        </p:txBody>
+      </p:sp>
+    </p:spTree>
+    <p:extLst>
+      <p:ext uri="{BB962C8B-B14F-4D97-AF65-F5344CB8AC3E}">
+        <p14:creationId xmlns:p14="http://schemas.microsoft.com/office/powerpoint/2010/main" val="4105322085"/>
+      </p:ext>
+    </p:extLst>
+  </p:cSld>
+  <p:clrMapOvr>
+    <a:masterClrMapping/>
+  </p:clrMapOvr>
+</p:sld>
+</file>
+
+<file path=ppt/slides/slide30.xml><?xml version="1.0" encoding="utf-8"?>
+<p:sld xmlns:a="http://schemas.openxmlformats.org/drawingml/2006/main" xmlns:r="http://schemas.openxmlformats.org/officeDocument/2006/relationships" xmlns:p="http://schemas.openxmlformats.org/presentationml/2006/main">
+  <p:cSld>
+    <p:spTree>
+      <p:nvGrpSpPr>
+        <p:cNvPr id="1" name=""/>
+        <p:cNvGrpSpPr/>
+        <p:nvPr/>
+      </p:nvGrpSpPr>
+      <p:grpSpPr>
+        <a:xfrm>
+          <a:off x="0" y="0"/>
+          <a:ext cx="0" cy="0"/>
+          <a:chOff x="0" y="0"/>
+          <a:chExt cx="0" cy="0"/>
+        </a:xfrm>
+      </p:grpSpPr>
+      <p:sp>
+        <p:nvSpPr>
+          <p:cNvPr id="2" name="제목 1">
+            <a:extLst>
+              <a:ext uri="{FF2B5EF4-FFF2-40B4-BE49-F238E27FC236}">
                 <a16:creationId xmlns:a16="http://schemas.microsoft.com/office/drawing/2014/main" id="{659BB0DF-DC40-41D6-A14E-AB4EF08E9D35}"/>
               </a:ext>
             </a:extLst>
@@ -4531,7 +8980,7 @@
 </p:sld>
 </file>
 
-<file path=ppt/slides/slide16.xml><?xml version="1.0" encoding="utf-8"?>
+<file path=ppt/slides/slide31.xml><?xml version="1.0" encoding="utf-8"?>
 <p:sld xmlns:a="http://schemas.openxmlformats.org/drawingml/2006/main" xmlns:r="http://schemas.openxmlformats.org/officeDocument/2006/relationships" xmlns:p="http://schemas.openxmlformats.org/presentationml/2006/main">
   <p:cSld>
     <p:spTree>
@@ -4715,7 +9164,7 @@
 </p:sld>
 </file>
 
-<file path=ppt/slides/slide17.xml><?xml version="1.0" encoding="utf-8"?>
+<file path=ppt/slides/slide32.xml><?xml version="1.0" encoding="utf-8"?>
 <p:sld xmlns:a="http://schemas.openxmlformats.org/drawingml/2006/main" xmlns:r="http://schemas.openxmlformats.org/officeDocument/2006/relationships" xmlns:p="http://schemas.openxmlformats.org/presentationml/2006/main">
   <p:cSld>
     <p:spTree>
@@ -4837,7 +9286,7 @@
 </p:sld>
 </file>
 
-<file path=ppt/slides/slide18.xml><?xml version="1.0" encoding="utf-8"?>
+<file path=ppt/slides/slide33.xml><?xml version="1.0" encoding="utf-8"?>
 <p:sld xmlns:a="http://schemas.openxmlformats.org/drawingml/2006/main" xmlns:r="http://schemas.openxmlformats.org/officeDocument/2006/relationships" xmlns:p="http://schemas.openxmlformats.org/presentationml/2006/main">
   <p:cSld>
     <p:spTree>
@@ -4945,7 +9394,7 @@
 </p:sld>
 </file>
 
-<file path=ppt/slides/slide19.xml><?xml version="1.0" encoding="utf-8"?>
+<file path=ppt/slides/slide34.xml><?xml version="1.0" encoding="utf-8"?>
 <p:sld xmlns:a="http://schemas.openxmlformats.org/drawingml/2006/main" xmlns:r="http://schemas.openxmlformats.org/officeDocument/2006/relationships" xmlns:p="http://schemas.openxmlformats.org/presentationml/2006/main">
   <p:cSld>
     <p:spTree>
@@ -5044,265 +9493,6 @@
     <p:extLst>
       <p:ext uri="{BB962C8B-B14F-4D97-AF65-F5344CB8AC3E}">
         <p14:creationId xmlns:p14="http://schemas.microsoft.com/office/powerpoint/2010/main" val="2133270714"/>
-      </p:ext>
-    </p:extLst>
-  </p:cSld>
-  <p:clrMapOvr>
-    <a:masterClrMapping/>
-  </p:clrMapOvr>
-</p:sld>
-</file>
-
-<file path=ppt/slides/slide2.xml><?xml version="1.0" encoding="utf-8"?>
-<p:sld xmlns:a="http://schemas.openxmlformats.org/drawingml/2006/main" xmlns:r="http://schemas.openxmlformats.org/officeDocument/2006/relationships" xmlns:p="http://schemas.openxmlformats.org/presentationml/2006/main">
-  <p:cSld>
-    <p:spTree>
-      <p:nvGrpSpPr>
-        <p:cNvPr id="1" name=""/>
-        <p:cNvGrpSpPr/>
-        <p:nvPr/>
-      </p:nvGrpSpPr>
-      <p:grpSpPr>
-        <a:xfrm>
-          <a:off x="0" y="0"/>
-          <a:ext cx="0" cy="0"/>
-          <a:chOff x="0" y="0"/>
-          <a:chExt cx="0" cy="0"/>
-        </a:xfrm>
-      </p:grpSpPr>
-      <p:sp>
-        <p:nvSpPr>
-          <p:cNvPr id="2" name="제목 1">
-            <a:extLst>
-              <a:ext uri="{FF2B5EF4-FFF2-40B4-BE49-F238E27FC236}">
-                <a16:creationId xmlns:a16="http://schemas.microsoft.com/office/drawing/2014/main" id="{33FDD313-60CF-4348-A496-12C54B5F54DC}"/>
-              </a:ext>
-            </a:extLst>
-          </p:cNvPr>
-          <p:cNvSpPr>
-            <a:spLocks noGrp="1"/>
-          </p:cNvSpPr>
-          <p:nvPr>
-            <p:ph type="title"/>
-          </p:nvPr>
-        </p:nvSpPr>
-        <p:spPr/>
-        <p:txBody>
-          <a:bodyPr/>
-          <a:lstStyle/>
-          <a:p>
-            <a:r>
-              <a:rPr lang="ko-KR" altLang="en-US" dirty="0"/>
-              <a:t>목표</a:t>
-            </a:r>
-          </a:p>
-        </p:txBody>
-      </p:sp>
-      <p:sp>
-        <p:nvSpPr>
-          <p:cNvPr id="3" name="내용 개체 틀 2">
-            <a:extLst>
-              <a:ext uri="{FF2B5EF4-FFF2-40B4-BE49-F238E27FC236}">
-                <a16:creationId xmlns:a16="http://schemas.microsoft.com/office/drawing/2014/main" id="{4E779A53-2EA4-4E81-9EED-C6EC6407CEE8}"/>
-              </a:ext>
-            </a:extLst>
-          </p:cNvPr>
-          <p:cNvSpPr>
-            <a:spLocks noGrp="1"/>
-          </p:cNvSpPr>
-          <p:nvPr>
-            <p:ph idx="1"/>
-          </p:nvPr>
-        </p:nvSpPr>
-        <p:spPr/>
-        <p:txBody>
-          <a:bodyPr/>
-          <a:lstStyle/>
-          <a:p>
-            <a:r>
-              <a:rPr lang="en-US" altLang="ko-KR" dirty="0"/>
-              <a:t> </a:t>
-            </a:r>
-            <a:r>
-              <a:rPr lang="ko-KR" altLang="en-US" dirty="0"/>
-              <a:t>자주 사용하는 컴포넌트들을 알아본다</a:t>
-            </a:r>
-            <a:r>
-              <a:rPr lang="en-US" altLang="ko-KR" dirty="0"/>
-              <a:t>.</a:t>
-            </a:r>
-          </a:p>
-          <a:p>
-            <a:pPr lvl="1"/>
-            <a:r>
-              <a:rPr lang="en-US" altLang="ko-KR" dirty="0"/>
-              <a:t> Collision</a:t>
-            </a:r>
-          </a:p>
-          <a:p>
-            <a:pPr lvl="1"/>
-            <a:r>
-              <a:rPr lang="en-US" altLang="ko-KR" dirty="0"/>
-              <a:t> </a:t>
-            </a:r>
-            <a:r>
-              <a:rPr lang="en-US" altLang="ko-KR" dirty="0" err="1"/>
-              <a:t>RigidBody</a:t>
-            </a:r>
-            <a:endParaRPr lang="en-US" altLang="ko-KR" dirty="0"/>
-          </a:p>
-        </p:txBody>
-      </p:sp>
-    </p:spTree>
-    <p:extLst>
-      <p:ext uri="{BB962C8B-B14F-4D97-AF65-F5344CB8AC3E}">
-        <p14:creationId xmlns:p14="http://schemas.microsoft.com/office/powerpoint/2010/main" val="3244509229"/>
-      </p:ext>
-    </p:extLst>
-  </p:cSld>
-  <p:clrMapOvr>
-    <a:masterClrMapping/>
-  </p:clrMapOvr>
-</p:sld>
-</file>
-
-<file path=ppt/slides/slide3.xml><?xml version="1.0" encoding="utf-8"?>
-<p:sld xmlns:a="http://schemas.openxmlformats.org/drawingml/2006/main" xmlns:r="http://schemas.openxmlformats.org/officeDocument/2006/relationships" xmlns:p="http://schemas.openxmlformats.org/presentationml/2006/main">
-  <p:cSld>
-    <p:spTree>
-      <p:nvGrpSpPr>
-        <p:cNvPr id="1" name=""/>
-        <p:cNvGrpSpPr/>
-        <p:nvPr/>
-      </p:nvGrpSpPr>
-      <p:grpSpPr>
-        <a:xfrm>
-          <a:off x="0" y="0"/>
-          <a:ext cx="0" cy="0"/>
-          <a:chOff x="0" y="0"/>
-          <a:chExt cx="0" cy="0"/>
-        </a:xfrm>
-      </p:grpSpPr>
-      <p:sp>
-        <p:nvSpPr>
-          <p:cNvPr id="2" name="제목 1">
-            <a:extLst>
-              <a:ext uri="{FF2B5EF4-FFF2-40B4-BE49-F238E27FC236}">
-                <a16:creationId xmlns:a16="http://schemas.microsoft.com/office/drawing/2014/main" id="{514915F0-2B60-46E6-974C-3B018709680F}"/>
-              </a:ext>
-            </a:extLst>
-          </p:cNvPr>
-          <p:cNvSpPr>
-            <a:spLocks noGrp="1"/>
-          </p:cNvSpPr>
-          <p:nvPr>
-            <p:ph type="title"/>
-          </p:nvPr>
-        </p:nvSpPr>
-        <p:spPr/>
-        <p:txBody>
-          <a:bodyPr/>
-          <a:lstStyle/>
-          <a:p>
-            <a:r>
-              <a:rPr lang="en-US" altLang="ko-KR" dirty="0"/>
-              <a:t>Collision</a:t>
-            </a:r>
-            <a:endParaRPr lang="ko-KR" altLang="en-US" dirty="0"/>
-          </a:p>
-        </p:txBody>
-      </p:sp>
-      <p:sp>
-        <p:nvSpPr>
-          <p:cNvPr id="3" name="내용 개체 틀 2">
-            <a:extLst>
-              <a:ext uri="{FF2B5EF4-FFF2-40B4-BE49-F238E27FC236}">
-                <a16:creationId xmlns:a16="http://schemas.microsoft.com/office/drawing/2014/main" id="{3C41A663-C5C8-454C-8B0E-C47B853A52EF}"/>
-              </a:ext>
-            </a:extLst>
-          </p:cNvPr>
-          <p:cNvSpPr>
-            <a:spLocks noGrp="1"/>
-          </p:cNvSpPr>
-          <p:nvPr>
-            <p:ph idx="1"/>
-          </p:nvPr>
-        </p:nvSpPr>
-        <p:spPr/>
-        <p:txBody>
-          <a:bodyPr/>
-          <a:lstStyle/>
-          <a:p>
-            <a:r>
-              <a:rPr lang="en-US" altLang="ko-KR" dirty="0"/>
-              <a:t>Collision = </a:t>
-            </a:r>
-            <a:r>
-              <a:rPr lang="ko-KR" altLang="en-US" dirty="0"/>
-              <a:t>오브젝트와 오브젝트가 부딪히는 행위</a:t>
-            </a:r>
-            <a:endParaRPr lang="en-US" altLang="ko-KR" dirty="0"/>
-          </a:p>
-          <a:p>
-            <a:r>
-              <a:rPr lang="en-US" altLang="ko-KR" dirty="0"/>
-              <a:t>Collision </a:t>
-            </a:r>
-            <a:r>
-              <a:rPr lang="ko-KR" altLang="en-US" dirty="0"/>
-              <a:t>충돌 필수조건</a:t>
-            </a:r>
-            <a:endParaRPr lang="en-US" altLang="ko-KR" dirty="0"/>
-          </a:p>
-          <a:p>
-            <a:pPr lvl="1"/>
-            <a:r>
-              <a:rPr lang="ko-KR" altLang="en-US" dirty="0"/>
-              <a:t>충돌을 하는 두 오브젝트는 </a:t>
-            </a:r>
-            <a:r>
-              <a:rPr lang="en-US" altLang="ko-KR" dirty="0"/>
-              <a:t>Collider Component</a:t>
-            </a:r>
-            <a:r>
-              <a:rPr lang="ko-KR" altLang="en-US" dirty="0"/>
-              <a:t>를 가진다</a:t>
-            </a:r>
-            <a:endParaRPr lang="en-US" altLang="ko-KR" dirty="0"/>
-          </a:p>
-          <a:p>
-            <a:pPr lvl="1"/>
-            <a:r>
-              <a:rPr lang="ko-KR" altLang="en-US" dirty="0"/>
-              <a:t>두 오브젝트 중에서 움직이는 </a:t>
-            </a:r>
-            <a:r>
-              <a:rPr lang="en-US" altLang="ko-KR" dirty="0"/>
-              <a:t>Object</a:t>
-            </a:r>
-            <a:r>
-              <a:rPr lang="ko-KR" altLang="en-US" dirty="0"/>
-              <a:t>는 반드시 </a:t>
-            </a:r>
-            <a:r>
-              <a:rPr lang="en-US" altLang="ko-KR" dirty="0" err="1"/>
-              <a:t>RigidBody</a:t>
-            </a:r>
-            <a:r>
-              <a:rPr lang="en-US" altLang="ko-KR" dirty="0"/>
-              <a:t> Component</a:t>
-            </a:r>
-            <a:r>
-              <a:rPr lang="ko-KR" altLang="en-US" dirty="0"/>
-              <a:t>를 가진다</a:t>
-            </a:r>
-          </a:p>
-        </p:txBody>
-      </p:sp>
-    </p:spTree>
-    <p:extLst>
-      <p:ext uri="{BB962C8B-B14F-4D97-AF65-F5344CB8AC3E}">
-        <p14:creationId xmlns:p14="http://schemas.microsoft.com/office/powerpoint/2010/main" val="4105322085"/>
       </p:ext>
     </p:extLst>
   </p:cSld>
